--- a/Documentation/RDMP Presentation2.pptx
+++ b/Documentation/RDMP Presentation2.pptx
@@ -19,6 +19,10 @@
     <p:sldId id="270" r:id="rId13"/>
     <p:sldId id="276" r:id="rId14"/>
     <p:sldId id="277" r:id="rId15"/>
+    <p:sldId id="279" r:id="rId16"/>
+    <p:sldId id="278" r:id="rId17"/>
+    <p:sldId id="280" r:id="rId18"/>
+    <p:sldId id="281" r:id="rId19"/>
   </p:sldIdLst>
   <p:sldSz cx="12192000" cy="6858000"/>
   <p:notesSz cx="6858000" cy="9144000"/>
@@ -314,7 +318,7 @@
           <a:p>
             <a:fld id="{0A32A3AE-AB11-404E-BB41-CA9E3181D408}" type="datetimeFigureOut">
               <a:rPr lang="en-GB" smtClean="0"/>
-              <a:t>26/07/2019</a:t>
+              <a:t>20/08/2019</a:t>
             </a:fld>
             <a:endParaRPr lang="en-GB"/>
           </a:p>
@@ -514,7 +518,7 @@
           <a:p>
             <a:fld id="{0A32A3AE-AB11-404E-BB41-CA9E3181D408}" type="datetimeFigureOut">
               <a:rPr lang="en-GB" smtClean="0"/>
-              <a:t>26/07/2019</a:t>
+              <a:t>20/08/2019</a:t>
             </a:fld>
             <a:endParaRPr lang="en-GB"/>
           </a:p>
@@ -724,7 +728,7 @@
           <a:p>
             <a:fld id="{0A32A3AE-AB11-404E-BB41-CA9E3181D408}" type="datetimeFigureOut">
               <a:rPr lang="en-GB" smtClean="0"/>
-              <a:t>26/07/2019</a:t>
+              <a:t>20/08/2019</a:t>
             </a:fld>
             <a:endParaRPr lang="en-GB"/>
           </a:p>
@@ -924,7 +928,7 @@
           <a:p>
             <a:fld id="{0A32A3AE-AB11-404E-BB41-CA9E3181D408}" type="datetimeFigureOut">
               <a:rPr lang="en-GB" smtClean="0"/>
-              <a:t>26/07/2019</a:t>
+              <a:t>20/08/2019</a:t>
             </a:fld>
             <a:endParaRPr lang="en-GB"/>
           </a:p>
@@ -1200,7 +1204,7 @@
           <a:p>
             <a:fld id="{0A32A3AE-AB11-404E-BB41-CA9E3181D408}" type="datetimeFigureOut">
               <a:rPr lang="en-GB" smtClean="0"/>
-              <a:t>26/07/2019</a:t>
+              <a:t>20/08/2019</a:t>
             </a:fld>
             <a:endParaRPr lang="en-GB"/>
           </a:p>
@@ -1468,7 +1472,7 @@
           <a:p>
             <a:fld id="{0A32A3AE-AB11-404E-BB41-CA9E3181D408}" type="datetimeFigureOut">
               <a:rPr lang="en-GB" smtClean="0"/>
-              <a:t>26/07/2019</a:t>
+              <a:t>20/08/2019</a:t>
             </a:fld>
             <a:endParaRPr lang="en-GB"/>
           </a:p>
@@ -1883,7 +1887,7 @@
           <a:p>
             <a:fld id="{0A32A3AE-AB11-404E-BB41-CA9E3181D408}" type="datetimeFigureOut">
               <a:rPr lang="en-GB" smtClean="0"/>
-              <a:t>26/07/2019</a:t>
+              <a:t>20/08/2019</a:t>
             </a:fld>
             <a:endParaRPr lang="en-GB"/>
           </a:p>
@@ -2025,7 +2029,7 @@
           <a:p>
             <a:fld id="{0A32A3AE-AB11-404E-BB41-CA9E3181D408}" type="datetimeFigureOut">
               <a:rPr lang="en-GB" smtClean="0"/>
-              <a:t>26/07/2019</a:t>
+              <a:t>20/08/2019</a:t>
             </a:fld>
             <a:endParaRPr lang="en-GB"/>
           </a:p>
@@ -2138,7 +2142,7 @@
           <a:p>
             <a:fld id="{0A32A3AE-AB11-404E-BB41-CA9E3181D408}" type="datetimeFigureOut">
               <a:rPr lang="en-GB" smtClean="0"/>
-              <a:t>26/07/2019</a:t>
+              <a:t>20/08/2019</a:t>
             </a:fld>
             <a:endParaRPr lang="en-GB"/>
           </a:p>
@@ -2451,7 +2455,7 @@
           <a:p>
             <a:fld id="{0A32A3AE-AB11-404E-BB41-CA9E3181D408}" type="datetimeFigureOut">
               <a:rPr lang="en-GB" smtClean="0"/>
-              <a:t>26/07/2019</a:t>
+              <a:t>20/08/2019</a:t>
             </a:fld>
             <a:endParaRPr lang="en-GB"/>
           </a:p>
@@ -2740,7 +2744,7 @@
           <a:p>
             <a:fld id="{0A32A3AE-AB11-404E-BB41-CA9E3181D408}" type="datetimeFigureOut">
               <a:rPr lang="en-GB" smtClean="0"/>
-              <a:t>26/07/2019</a:t>
+              <a:t>20/08/2019</a:t>
             </a:fld>
             <a:endParaRPr lang="en-GB"/>
           </a:p>
@@ -2983,7 +2987,7 @@
           <a:p>
             <a:fld id="{0A32A3AE-AB11-404E-BB41-CA9E3181D408}" type="datetimeFigureOut">
               <a:rPr lang="en-GB" smtClean="0"/>
-              <a:t>26/07/2019</a:t>
+              <a:t>20/08/2019</a:t>
             </a:fld>
             <a:endParaRPr lang="en-GB"/>
           </a:p>
@@ -28069,6 +28073,7694 @@
 </p:sld>
 </file>
 
+<file path=ppt/slides/slide15.xml><?xml version="1.0" encoding="utf-8"?>
+<p:sld xmlns:a="http://schemas.openxmlformats.org/drawingml/2006/main" xmlns:r="http://schemas.openxmlformats.org/officeDocument/2006/relationships" xmlns:p="http://schemas.openxmlformats.org/presentationml/2006/main">
+  <p:cSld>
+    <p:spTree>
+      <p:nvGrpSpPr>
+        <p:cNvPr id="1" name=""/>
+        <p:cNvGrpSpPr/>
+        <p:nvPr/>
+      </p:nvGrpSpPr>
+      <p:grpSpPr>
+        <a:xfrm>
+          <a:off x="0" y="0"/>
+          <a:ext cx="0" cy="0"/>
+          <a:chOff x="0" y="0"/>
+          <a:chExt cx="0" cy="0"/>
+        </a:xfrm>
+      </p:grpSpPr>
+      <p:sp>
+        <p:nvSpPr>
+          <p:cNvPr id="4" name="Oval 3">
+            <a:extLst>
+              <a:ext uri="{FF2B5EF4-FFF2-40B4-BE49-F238E27FC236}">
+                <a16:creationId xmlns:a16="http://schemas.microsoft.com/office/drawing/2014/main" id="{D6721C2B-55CC-4DC3-991E-B44CE787942A}"/>
+              </a:ext>
+            </a:extLst>
+          </p:cNvPr>
+          <p:cNvSpPr/>
+          <p:nvPr/>
+        </p:nvSpPr>
+        <p:spPr>
+          <a:xfrm>
+            <a:off x="3804086" y="2646147"/>
+            <a:ext cx="430139" cy="430139"/>
+          </a:xfrm>
+          <a:prstGeom prst="ellipse">
+            <a:avLst/>
+          </a:prstGeom>
+          <a:ln>
+            <a:noFill/>
+          </a:ln>
+          <a:effectLst>
+            <a:outerShdw blurRad="44450" dist="27940" dir="5400000" algn="ctr">
+              <a:srgbClr val="000000">
+                <a:alpha val="32000"/>
+              </a:srgbClr>
+            </a:outerShdw>
+          </a:effectLst>
+          <a:scene3d>
+            <a:camera prst="orthographicFront">
+              <a:rot lat="0" lon="0" rev="0"/>
+            </a:camera>
+            <a:lightRig rig="balanced" dir="t">
+              <a:rot lat="0" lon="0" rev="8700000"/>
+            </a:lightRig>
+          </a:scene3d>
+          <a:sp3d>
+            <a:bevelT w="190500" h="38100"/>
+          </a:sp3d>
+        </p:spPr>
+        <p:style>
+          <a:lnRef idx="2">
+            <a:schemeClr val="accent1">
+              <a:shade val="50000"/>
+            </a:schemeClr>
+          </a:lnRef>
+          <a:fillRef idx="1">
+            <a:schemeClr val="accent1"/>
+          </a:fillRef>
+          <a:effectRef idx="0">
+            <a:schemeClr val="accent1"/>
+          </a:effectRef>
+          <a:fontRef idx="minor">
+            <a:schemeClr val="lt1"/>
+          </a:fontRef>
+        </p:style>
+        <p:txBody>
+          <a:bodyPr rtlCol="0" anchor="ctr"/>
+          <a:lstStyle/>
+          <a:p>
+            <a:pPr algn="ctr"/>
+            <a:endParaRPr lang="en-GB"/>
+          </a:p>
+        </p:txBody>
+      </p:sp>
+      <p:sp>
+        <p:nvSpPr>
+          <p:cNvPr id="5" name="Rectangle 4">
+            <a:extLst>
+              <a:ext uri="{FF2B5EF4-FFF2-40B4-BE49-F238E27FC236}">
+                <a16:creationId xmlns:a16="http://schemas.microsoft.com/office/drawing/2014/main" id="{5D985BD1-8D8E-44B1-B927-2FF88A5550D2}"/>
+              </a:ext>
+            </a:extLst>
+          </p:cNvPr>
+          <p:cNvSpPr/>
+          <p:nvPr/>
+        </p:nvSpPr>
+        <p:spPr>
+          <a:xfrm rot="17309149">
+            <a:off x="3579905" y="2639338"/>
+            <a:ext cx="830169" cy="689732"/>
+          </a:xfrm>
+          <a:prstGeom prst="rect">
+            <a:avLst/>
+          </a:prstGeom>
+          <a:noFill/>
+        </p:spPr>
+        <p:txBody>
+          <a:bodyPr wrap="none" lIns="91440" tIns="45720" rIns="91440" bIns="45720">
+            <a:prstTxWarp prst="textCircle">
+              <a:avLst>
+                <a:gd name="adj" fmla="val 18785066"/>
+              </a:avLst>
+            </a:prstTxWarp>
+            <a:spAutoFit/>
+          </a:bodyPr>
+          <a:lstStyle/>
+          <a:p>
+            <a:pPr algn="ctr"/>
+            <a:r>
+              <a:rPr lang="en-US" sz="5400" b="0" cap="none" spc="0">
+                <a:ln w="0"/>
+                <a:solidFill>
+                  <a:schemeClr val="tx1"/>
+                </a:solidFill>
+                <a:effectLst>
+                  <a:outerShdw blurRad="38100" dist="19050" dir="2700000" algn="tl" rotWithShape="0">
+                    <a:schemeClr val="dk1">
+                      <a:alpha val="40000"/>
+                    </a:schemeClr>
+                  </a:outerShdw>
+                </a:effectLst>
+              </a:rPr>
+              <a:t>Biochemistry</a:t>
+            </a:r>
+          </a:p>
+        </p:txBody>
+      </p:sp>
+      <p:sp>
+        <p:nvSpPr>
+          <p:cNvPr id="6" name="Oval 5">
+            <a:extLst>
+              <a:ext uri="{FF2B5EF4-FFF2-40B4-BE49-F238E27FC236}">
+                <a16:creationId xmlns:a16="http://schemas.microsoft.com/office/drawing/2014/main" id="{97B8A231-89C4-4D6E-9D3A-EA603403FC5B}"/>
+              </a:ext>
+            </a:extLst>
+          </p:cNvPr>
+          <p:cNvSpPr/>
+          <p:nvPr/>
+        </p:nvSpPr>
+        <p:spPr>
+          <a:xfrm>
+            <a:off x="4582201" y="1752040"/>
+            <a:ext cx="430139" cy="430139"/>
+          </a:xfrm>
+          <a:prstGeom prst="ellipse">
+            <a:avLst/>
+          </a:prstGeom>
+          <a:ln>
+            <a:noFill/>
+          </a:ln>
+          <a:effectLst>
+            <a:outerShdw blurRad="44450" dist="27940" dir="5400000" algn="ctr">
+              <a:srgbClr val="000000">
+                <a:alpha val="32000"/>
+              </a:srgbClr>
+            </a:outerShdw>
+          </a:effectLst>
+          <a:scene3d>
+            <a:camera prst="orthographicFront">
+              <a:rot lat="0" lon="0" rev="0"/>
+            </a:camera>
+            <a:lightRig rig="balanced" dir="t">
+              <a:rot lat="0" lon="0" rev="8700000"/>
+            </a:lightRig>
+          </a:scene3d>
+          <a:sp3d>
+            <a:bevelT w="190500" h="38100"/>
+          </a:sp3d>
+        </p:spPr>
+        <p:style>
+          <a:lnRef idx="2">
+            <a:schemeClr val="accent1">
+              <a:shade val="50000"/>
+            </a:schemeClr>
+          </a:lnRef>
+          <a:fillRef idx="1">
+            <a:schemeClr val="accent1"/>
+          </a:fillRef>
+          <a:effectRef idx="0">
+            <a:schemeClr val="accent1"/>
+          </a:effectRef>
+          <a:fontRef idx="minor">
+            <a:schemeClr val="lt1"/>
+          </a:fontRef>
+        </p:style>
+        <p:txBody>
+          <a:bodyPr rtlCol="0" anchor="ctr"/>
+          <a:lstStyle/>
+          <a:p>
+            <a:pPr algn="ctr"/>
+            <a:endParaRPr lang="en-GB"/>
+          </a:p>
+        </p:txBody>
+      </p:sp>
+      <p:sp>
+        <p:nvSpPr>
+          <p:cNvPr id="7" name="Rectangle 6">
+            <a:extLst>
+              <a:ext uri="{FF2B5EF4-FFF2-40B4-BE49-F238E27FC236}">
+                <a16:creationId xmlns:a16="http://schemas.microsoft.com/office/drawing/2014/main" id="{15F1B99C-E236-4C4A-8789-863283CEAE9A}"/>
+              </a:ext>
+            </a:extLst>
+          </p:cNvPr>
+          <p:cNvSpPr/>
+          <p:nvPr/>
+        </p:nvSpPr>
+        <p:spPr>
+          <a:xfrm rot="12611698">
+            <a:off x="4488512" y="1686727"/>
+            <a:ext cx="830169" cy="689732"/>
+          </a:xfrm>
+          <a:prstGeom prst="rect">
+            <a:avLst/>
+          </a:prstGeom>
+          <a:noFill/>
+        </p:spPr>
+        <p:txBody>
+          <a:bodyPr wrap="none" lIns="91440" tIns="45720" rIns="91440" bIns="45720">
+            <a:prstTxWarp prst="textCircle">
+              <a:avLst>
+                <a:gd name="adj" fmla="val 18785066"/>
+              </a:avLst>
+            </a:prstTxWarp>
+            <a:spAutoFit/>
+          </a:bodyPr>
+          <a:lstStyle/>
+          <a:p>
+            <a:pPr algn="ctr"/>
+            <a:r>
+              <a:rPr lang="en-US" sz="5400" b="0" cap="none" spc="0">
+                <a:ln w="0"/>
+                <a:solidFill>
+                  <a:schemeClr val="tx1"/>
+                </a:solidFill>
+                <a:effectLst>
+                  <a:outerShdw blurRad="38100" dist="19050" dir="2700000" algn="tl" rotWithShape="0">
+                    <a:schemeClr val="dk1">
+                      <a:alpha val="40000"/>
+                    </a:schemeClr>
+                  </a:outerShdw>
+                </a:effectLst>
+              </a:rPr>
+              <a:t>Haematology</a:t>
+            </a:r>
+          </a:p>
+        </p:txBody>
+      </p:sp>
+      <p:sp>
+        <p:nvSpPr>
+          <p:cNvPr id="8" name="Oval 7">
+            <a:extLst>
+              <a:ext uri="{FF2B5EF4-FFF2-40B4-BE49-F238E27FC236}">
+                <a16:creationId xmlns:a16="http://schemas.microsoft.com/office/drawing/2014/main" id="{19B3E0EF-155E-4964-A5AA-15AEF6A6C889}"/>
+              </a:ext>
+            </a:extLst>
+          </p:cNvPr>
+          <p:cNvSpPr/>
+          <p:nvPr/>
+        </p:nvSpPr>
+        <p:spPr>
+          <a:xfrm>
+            <a:off x="3373947" y="1114717"/>
+            <a:ext cx="430139" cy="430139"/>
+          </a:xfrm>
+          <a:prstGeom prst="ellipse">
+            <a:avLst/>
+          </a:prstGeom>
+          <a:ln>
+            <a:noFill/>
+          </a:ln>
+          <a:effectLst>
+            <a:outerShdw blurRad="44450" dist="27940" dir="5400000" algn="ctr">
+              <a:srgbClr val="000000">
+                <a:alpha val="32000"/>
+              </a:srgbClr>
+            </a:outerShdw>
+          </a:effectLst>
+          <a:scene3d>
+            <a:camera prst="orthographicFront">
+              <a:rot lat="0" lon="0" rev="0"/>
+            </a:camera>
+            <a:lightRig rig="balanced" dir="t">
+              <a:rot lat="0" lon="0" rev="8700000"/>
+            </a:lightRig>
+          </a:scene3d>
+          <a:sp3d>
+            <a:bevelT w="190500" h="38100"/>
+          </a:sp3d>
+        </p:spPr>
+        <p:style>
+          <a:lnRef idx="2">
+            <a:schemeClr val="accent1">
+              <a:shade val="50000"/>
+            </a:schemeClr>
+          </a:lnRef>
+          <a:fillRef idx="1">
+            <a:schemeClr val="accent1"/>
+          </a:fillRef>
+          <a:effectRef idx="0">
+            <a:schemeClr val="accent1"/>
+          </a:effectRef>
+          <a:fontRef idx="minor">
+            <a:schemeClr val="lt1"/>
+          </a:fontRef>
+        </p:style>
+        <p:txBody>
+          <a:bodyPr rtlCol="0" anchor="ctr"/>
+          <a:lstStyle/>
+          <a:p>
+            <a:pPr algn="ctr"/>
+            <a:endParaRPr lang="en-GB"/>
+          </a:p>
+        </p:txBody>
+      </p:sp>
+      <p:sp>
+        <p:nvSpPr>
+          <p:cNvPr id="9" name="Rectangle 8">
+            <a:extLst>
+              <a:ext uri="{FF2B5EF4-FFF2-40B4-BE49-F238E27FC236}">
+                <a16:creationId xmlns:a16="http://schemas.microsoft.com/office/drawing/2014/main" id="{78469639-646B-452B-9CF6-184036D0DA43}"/>
+              </a:ext>
+            </a:extLst>
+          </p:cNvPr>
+          <p:cNvSpPr/>
+          <p:nvPr/>
+        </p:nvSpPr>
+        <p:spPr>
+          <a:xfrm rot="18737639">
+            <a:off x="3076457" y="1074701"/>
+            <a:ext cx="830169" cy="689732"/>
+          </a:xfrm>
+          <a:prstGeom prst="rect">
+            <a:avLst/>
+          </a:prstGeom>
+          <a:noFill/>
+        </p:spPr>
+        <p:txBody>
+          <a:bodyPr wrap="none" lIns="91440" tIns="45720" rIns="91440" bIns="45720">
+            <a:prstTxWarp prst="textCircle">
+              <a:avLst>
+                <a:gd name="adj" fmla="val 18089056"/>
+              </a:avLst>
+            </a:prstTxWarp>
+            <a:spAutoFit/>
+          </a:bodyPr>
+          <a:lstStyle/>
+          <a:p>
+            <a:pPr algn="ctr"/>
+            <a:r>
+              <a:rPr lang="en-US" sz="5400" b="0" cap="none" spc="0">
+                <a:ln w="0"/>
+                <a:solidFill>
+                  <a:schemeClr val="tx1"/>
+                </a:solidFill>
+                <a:effectLst>
+                  <a:outerShdw blurRad="38100" dist="19050" dir="2700000" algn="tl" rotWithShape="0">
+                    <a:schemeClr val="dk1">
+                      <a:alpha val="40000"/>
+                    </a:schemeClr>
+                  </a:outerShdw>
+                </a:effectLst>
+              </a:rPr>
+              <a:t>Hospital Admissions</a:t>
+            </a:r>
+          </a:p>
+        </p:txBody>
+      </p:sp>
+      <p:sp>
+        <p:nvSpPr>
+          <p:cNvPr id="10" name="Oval 9">
+            <a:extLst>
+              <a:ext uri="{FF2B5EF4-FFF2-40B4-BE49-F238E27FC236}">
+                <a16:creationId xmlns:a16="http://schemas.microsoft.com/office/drawing/2014/main" id="{EF7ACC03-68B4-4BFA-8A63-00C11AB89501}"/>
+              </a:ext>
+            </a:extLst>
+          </p:cNvPr>
+          <p:cNvSpPr/>
+          <p:nvPr/>
+        </p:nvSpPr>
+        <p:spPr>
+          <a:xfrm>
+            <a:off x="2742049" y="-104601"/>
+            <a:ext cx="430139" cy="430139"/>
+          </a:xfrm>
+          <a:prstGeom prst="ellipse">
+            <a:avLst/>
+          </a:prstGeom>
+          <a:ln>
+            <a:noFill/>
+          </a:ln>
+          <a:effectLst>
+            <a:outerShdw blurRad="44450" dist="27940" dir="5400000" algn="ctr">
+              <a:srgbClr val="000000">
+                <a:alpha val="32000"/>
+              </a:srgbClr>
+            </a:outerShdw>
+          </a:effectLst>
+          <a:scene3d>
+            <a:camera prst="orthographicFront">
+              <a:rot lat="0" lon="0" rev="0"/>
+            </a:camera>
+            <a:lightRig rig="balanced" dir="t">
+              <a:rot lat="0" lon="0" rev="8700000"/>
+            </a:lightRig>
+          </a:scene3d>
+          <a:sp3d>
+            <a:bevelT w="190500" h="38100"/>
+          </a:sp3d>
+        </p:spPr>
+        <p:style>
+          <a:lnRef idx="2">
+            <a:schemeClr val="accent1">
+              <a:shade val="50000"/>
+            </a:schemeClr>
+          </a:lnRef>
+          <a:fillRef idx="1">
+            <a:schemeClr val="accent1"/>
+          </a:fillRef>
+          <a:effectRef idx="0">
+            <a:schemeClr val="accent1"/>
+          </a:effectRef>
+          <a:fontRef idx="minor">
+            <a:schemeClr val="lt1"/>
+          </a:fontRef>
+        </p:style>
+        <p:txBody>
+          <a:bodyPr rtlCol="0" anchor="ctr"/>
+          <a:lstStyle/>
+          <a:p>
+            <a:pPr algn="ctr"/>
+            <a:endParaRPr lang="en-GB"/>
+          </a:p>
+        </p:txBody>
+      </p:sp>
+      <p:sp>
+        <p:nvSpPr>
+          <p:cNvPr id="11" name="Rectangle 10">
+            <a:extLst>
+              <a:ext uri="{FF2B5EF4-FFF2-40B4-BE49-F238E27FC236}">
+                <a16:creationId xmlns:a16="http://schemas.microsoft.com/office/drawing/2014/main" id="{C4F81A40-35C5-4AB1-AD23-7B3EA6AE40FC}"/>
+              </a:ext>
+            </a:extLst>
+          </p:cNvPr>
+          <p:cNvSpPr/>
+          <p:nvPr/>
+        </p:nvSpPr>
+        <p:spPr>
+          <a:xfrm rot="12611698">
+            <a:off x="2648360" y="-169914"/>
+            <a:ext cx="830169" cy="689732"/>
+          </a:xfrm>
+          <a:prstGeom prst="rect">
+            <a:avLst/>
+          </a:prstGeom>
+          <a:noFill/>
+        </p:spPr>
+        <p:txBody>
+          <a:bodyPr wrap="none" lIns="91440" tIns="45720" rIns="91440" bIns="45720">
+            <a:prstTxWarp prst="textCircle">
+              <a:avLst>
+                <a:gd name="adj" fmla="val 18785066"/>
+              </a:avLst>
+            </a:prstTxWarp>
+            <a:spAutoFit/>
+          </a:bodyPr>
+          <a:lstStyle/>
+          <a:p>
+            <a:pPr algn="ctr"/>
+            <a:r>
+              <a:rPr lang="en-US" sz="5400" b="0" cap="none" spc="0">
+                <a:ln w="0"/>
+                <a:solidFill>
+                  <a:schemeClr val="tx1"/>
+                </a:solidFill>
+                <a:effectLst>
+                  <a:outerShdw blurRad="38100" dist="19050" dir="2700000" algn="tl" rotWithShape="0">
+                    <a:schemeClr val="dk1">
+                      <a:alpha val="40000"/>
+                    </a:schemeClr>
+                  </a:outerShdw>
+                </a:effectLst>
+              </a:rPr>
+              <a:t>Stroke</a:t>
+            </a:r>
+          </a:p>
+        </p:txBody>
+      </p:sp>
+      <p:sp>
+        <p:nvSpPr>
+          <p:cNvPr id="12" name="Oval 11">
+            <a:extLst>
+              <a:ext uri="{FF2B5EF4-FFF2-40B4-BE49-F238E27FC236}">
+                <a16:creationId xmlns:a16="http://schemas.microsoft.com/office/drawing/2014/main" id="{60341F50-7BA2-4EE2-9D44-736E034E72F9}"/>
+              </a:ext>
+            </a:extLst>
+          </p:cNvPr>
+          <p:cNvSpPr/>
+          <p:nvPr/>
+        </p:nvSpPr>
+        <p:spPr>
+          <a:xfrm>
+            <a:off x="799479" y="880455"/>
+            <a:ext cx="430139" cy="430139"/>
+          </a:xfrm>
+          <a:prstGeom prst="ellipse">
+            <a:avLst/>
+          </a:prstGeom>
+          <a:ln>
+            <a:noFill/>
+          </a:ln>
+          <a:effectLst>
+            <a:outerShdw blurRad="44450" dist="27940" dir="5400000" algn="ctr">
+              <a:srgbClr val="000000">
+                <a:alpha val="32000"/>
+              </a:srgbClr>
+            </a:outerShdw>
+          </a:effectLst>
+          <a:scene3d>
+            <a:camera prst="orthographicFront">
+              <a:rot lat="0" lon="0" rev="0"/>
+            </a:camera>
+            <a:lightRig rig="balanced" dir="t">
+              <a:rot lat="0" lon="0" rev="8700000"/>
+            </a:lightRig>
+          </a:scene3d>
+          <a:sp3d>
+            <a:bevelT w="190500" h="38100"/>
+          </a:sp3d>
+        </p:spPr>
+        <p:style>
+          <a:lnRef idx="2">
+            <a:schemeClr val="accent1">
+              <a:shade val="50000"/>
+            </a:schemeClr>
+          </a:lnRef>
+          <a:fillRef idx="1">
+            <a:schemeClr val="accent1"/>
+          </a:fillRef>
+          <a:effectRef idx="0">
+            <a:schemeClr val="accent1"/>
+          </a:effectRef>
+          <a:fontRef idx="minor">
+            <a:schemeClr val="lt1"/>
+          </a:fontRef>
+        </p:style>
+        <p:txBody>
+          <a:bodyPr rtlCol="0" anchor="ctr"/>
+          <a:lstStyle/>
+          <a:p>
+            <a:pPr algn="ctr"/>
+            <a:endParaRPr lang="en-GB"/>
+          </a:p>
+        </p:txBody>
+      </p:sp>
+      <p:sp>
+        <p:nvSpPr>
+          <p:cNvPr id="13" name="Rectangle 12">
+            <a:extLst>
+              <a:ext uri="{FF2B5EF4-FFF2-40B4-BE49-F238E27FC236}">
+                <a16:creationId xmlns:a16="http://schemas.microsoft.com/office/drawing/2014/main" id="{620AEAD0-BAC7-4214-9D35-9F5672FBC7C1}"/>
+              </a:ext>
+            </a:extLst>
+          </p:cNvPr>
+          <p:cNvSpPr/>
+          <p:nvPr/>
+        </p:nvSpPr>
+        <p:spPr>
+          <a:xfrm rot="12611698">
+            <a:off x="705790" y="815142"/>
+            <a:ext cx="830169" cy="689732"/>
+          </a:xfrm>
+          <a:prstGeom prst="rect">
+            <a:avLst/>
+          </a:prstGeom>
+          <a:noFill/>
+        </p:spPr>
+        <p:txBody>
+          <a:bodyPr wrap="none" lIns="91440" tIns="45720" rIns="91440" bIns="45720">
+            <a:prstTxWarp prst="textCircle">
+              <a:avLst>
+                <a:gd name="adj" fmla="val 18785066"/>
+              </a:avLst>
+            </a:prstTxWarp>
+            <a:spAutoFit/>
+          </a:bodyPr>
+          <a:lstStyle/>
+          <a:p>
+            <a:pPr algn="ctr"/>
+            <a:r>
+              <a:rPr lang="en-GB" sz="5400"/>
+              <a:t>GRO_Deaths</a:t>
+            </a:r>
+            <a:endParaRPr lang="en-US" sz="5400" b="0" cap="none" spc="0">
+              <a:ln w="0"/>
+              <a:solidFill>
+                <a:schemeClr val="tx1"/>
+              </a:solidFill>
+              <a:effectLst>
+                <a:outerShdw blurRad="38100" dist="19050" dir="2700000" algn="tl" rotWithShape="0">
+                  <a:schemeClr val="dk1">
+                    <a:alpha val="40000"/>
+                  </a:schemeClr>
+                </a:outerShdw>
+              </a:effectLst>
+            </a:endParaRPr>
+          </a:p>
+        </p:txBody>
+      </p:sp>
+      <p:sp>
+        <p:nvSpPr>
+          <p:cNvPr id="14" name="Oval 13">
+            <a:extLst>
+              <a:ext uri="{FF2B5EF4-FFF2-40B4-BE49-F238E27FC236}">
+                <a16:creationId xmlns:a16="http://schemas.microsoft.com/office/drawing/2014/main" id="{839CDEF8-E235-4BB1-AD2C-67E72BE69F1D}"/>
+              </a:ext>
+            </a:extLst>
+          </p:cNvPr>
+          <p:cNvSpPr/>
+          <p:nvPr/>
+        </p:nvSpPr>
+        <p:spPr>
+          <a:xfrm>
+            <a:off x="2058025" y="1524754"/>
+            <a:ext cx="430139" cy="430139"/>
+          </a:xfrm>
+          <a:prstGeom prst="ellipse">
+            <a:avLst/>
+          </a:prstGeom>
+          <a:ln>
+            <a:noFill/>
+          </a:ln>
+          <a:effectLst>
+            <a:outerShdw blurRad="44450" dist="27940" dir="5400000" algn="ctr">
+              <a:srgbClr val="000000">
+                <a:alpha val="32000"/>
+              </a:srgbClr>
+            </a:outerShdw>
+          </a:effectLst>
+          <a:scene3d>
+            <a:camera prst="orthographicFront">
+              <a:rot lat="0" lon="0" rev="0"/>
+            </a:camera>
+            <a:lightRig rig="balanced" dir="t">
+              <a:rot lat="0" lon="0" rev="8700000"/>
+            </a:lightRig>
+          </a:scene3d>
+          <a:sp3d>
+            <a:bevelT w="190500" h="38100"/>
+          </a:sp3d>
+        </p:spPr>
+        <p:style>
+          <a:lnRef idx="2">
+            <a:schemeClr val="accent1">
+              <a:shade val="50000"/>
+            </a:schemeClr>
+          </a:lnRef>
+          <a:fillRef idx="1">
+            <a:schemeClr val="accent1"/>
+          </a:fillRef>
+          <a:effectRef idx="0">
+            <a:schemeClr val="accent1"/>
+          </a:effectRef>
+          <a:fontRef idx="minor">
+            <a:schemeClr val="lt1"/>
+          </a:fontRef>
+        </p:style>
+        <p:txBody>
+          <a:bodyPr rtlCol="0" anchor="ctr"/>
+          <a:lstStyle/>
+          <a:p>
+            <a:pPr algn="ctr"/>
+            <a:endParaRPr lang="en-GB"/>
+          </a:p>
+        </p:txBody>
+      </p:sp>
+      <p:sp>
+        <p:nvSpPr>
+          <p:cNvPr id="15" name="Rectangle 14">
+            <a:extLst>
+              <a:ext uri="{FF2B5EF4-FFF2-40B4-BE49-F238E27FC236}">
+                <a16:creationId xmlns:a16="http://schemas.microsoft.com/office/drawing/2014/main" id="{327A050E-7E14-481B-B961-51E3211FA319}"/>
+              </a:ext>
+            </a:extLst>
+          </p:cNvPr>
+          <p:cNvSpPr/>
+          <p:nvPr/>
+        </p:nvSpPr>
+        <p:spPr>
+          <a:xfrm rot="12611698">
+            <a:off x="1964335" y="1459441"/>
+            <a:ext cx="830169" cy="689732"/>
+          </a:xfrm>
+          <a:prstGeom prst="rect">
+            <a:avLst/>
+          </a:prstGeom>
+          <a:noFill/>
+        </p:spPr>
+        <p:txBody>
+          <a:bodyPr wrap="none" lIns="91440" tIns="45720" rIns="91440" bIns="45720">
+            <a:prstTxWarp prst="textCircle">
+              <a:avLst>
+                <a:gd name="adj" fmla="val 18785066"/>
+              </a:avLst>
+            </a:prstTxWarp>
+            <a:spAutoFit/>
+          </a:bodyPr>
+          <a:lstStyle/>
+          <a:p>
+            <a:pPr algn="ctr"/>
+            <a:r>
+              <a:rPr lang="en-GB" sz="5400"/>
+              <a:t>Demography</a:t>
+            </a:r>
+            <a:endParaRPr lang="en-US" sz="5400" b="0" cap="none" spc="0">
+              <a:ln w="0"/>
+              <a:solidFill>
+                <a:schemeClr val="tx1"/>
+              </a:solidFill>
+              <a:effectLst>
+                <a:outerShdw blurRad="38100" dist="19050" dir="2700000" algn="tl" rotWithShape="0">
+                  <a:schemeClr val="dk1">
+                    <a:alpha val="40000"/>
+                  </a:schemeClr>
+                </a:outerShdw>
+              </a:effectLst>
+            </a:endParaRPr>
+          </a:p>
+        </p:txBody>
+      </p:sp>
+      <p:sp>
+        <p:nvSpPr>
+          <p:cNvPr id="16" name="Oval 15">
+            <a:extLst>
+              <a:ext uri="{FF2B5EF4-FFF2-40B4-BE49-F238E27FC236}">
+                <a16:creationId xmlns:a16="http://schemas.microsoft.com/office/drawing/2014/main" id="{E8CE77AA-1A16-4B32-8F55-E0EB29C2D5B8}"/>
+              </a:ext>
+            </a:extLst>
+          </p:cNvPr>
+          <p:cNvSpPr/>
+          <p:nvPr/>
+        </p:nvSpPr>
+        <p:spPr>
+          <a:xfrm>
+            <a:off x="4144887" y="-272179"/>
+            <a:ext cx="430139" cy="430139"/>
+          </a:xfrm>
+          <a:prstGeom prst="ellipse">
+            <a:avLst/>
+          </a:prstGeom>
+          <a:ln>
+            <a:noFill/>
+          </a:ln>
+          <a:effectLst>
+            <a:outerShdw blurRad="44450" dist="27940" dir="5400000" algn="ctr">
+              <a:srgbClr val="000000">
+                <a:alpha val="32000"/>
+              </a:srgbClr>
+            </a:outerShdw>
+          </a:effectLst>
+          <a:scene3d>
+            <a:camera prst="orthographicFront">
+              <a:rot lat="0" lon="0" rev="0"/>
+            </a:camera>
+            <a:lightRig rig="balanced" dir="t">
+              <a:rot lat="0" lon="0" rev="8700000"/>
+            </a:lightRig>
+          </a:scene3d>
+          <a:sp3d>
+            <a:bevelT w="190500" h="38100"/>
+          </a:sp3d>
+        </p:spPr>
+        <p:style>
+          <a:lnRef idx="2">
+            <a:schemeClr val="accent1">
+              <a:shade val="50000"/>
+            </a:schemeClr>
+          </a:lnRef>
+          <a:fillRef idx="1">
+            <a:schemeClr val="accent1"/>
+          </a:fillRef>
+          <a:effectRef idx="0">
+            <a:schemeClr val="accent1"/>
+          </a:effectRef>
+          <a:fontRef idx="minor">
+            <a:schemeClr val="lt1"/>
+          </a:fontRef>
+        </p:style>
+        <p:txBody>
+          <a:bodyPr rtlCol="0" anchor="ctr"/>
+          <a:lstStyle/>
+          <a:p>
+            <a:pPr algn="ctr"/>
+            <a:endParaRPr lang="en-GB"/>
+          </a:p>
+        </p:txBody>
+      </p:sp>
+      <p:sp>
+        <p:nvSpPr>
+          <p:cNvPr id="17" name="Rectangle 16">
+            <a:extLst>
+              <a:ext uri="{FF2B5EF4-FFF2-40B4-BE49-F238E27FC236}">
+                <a16:creationId xmlns:a16="http://schemas.microsoft.com/office/drawing/2014/main" id="{5ACF7742-379C-47B1-A3D4-F83718677050}"/>
+              </a:ext>
+            </a:extLst>
+          </p:cNvPr>
+          <p:cNvSpPr/>
+          <p:nvPr/>
+        </p:nvSpPr>
+        <p:spPr>
+          <a:xfrm rot="12611698">
+            <a:off x="4051198" y="-337492"/>
+            <a:ext cx="830169" cy="689732"/>
+          </a:xfrm>
+          <a:prstGeom prst="rect">
+            <a:avLst/>
+          </a:prstGeom>
+          <a:noFill/>
+        </p:spPr>
+        <p:txBody>
+          <a:bodyPr wrap="none" lIns="91440" tIns="45720" rIns="91440" bIns="45720">
+            <a:prstTxWarp prst="textCircle">
+              <a:avLst>
+                <a:gd name="adj" fmla="val 18785066"/>
+              </a:avLst>
+            </a:prstTxWarp>
+            <a:spAutoFit/>
+          </a:bodyPr>
+          <a:lstStyle/>
+          <a:p>
+            <a:pPr algn="ctr"/>
+            <a:r>
+              <a:rPr lang="en-US" sz="5400" b="0" cap="none" spc="0">
+                <a:ln w="0"/>
+                <a:solidFill>
+                  <a:schemeClr val="tx1"/>
+                </a:solidFill>
+                <a:effectLst>
+                  <a:outerShdw blurRad="38100" dist="19050" dir="2700000" algn="tl" rotWithShape="0">
+                    <a:schemeClr val="dk1">
+                      <a:alpha val="40000"/>
+                    </a:schemeClr>
+                  </a:outerShdw>
+                </a:effectLst>
+              </a:rPr>
+              <a:t>A&amp;E Drugs</a:t>
+            </a:r>
+          </a:p>
+        </p:txBody>
+      </p:sp>
+      <p:sp>
+        <p:nvSpPr>
+          <p:cNvPr id="18" name="Oval 17">
+            <a:extLst>
+              <a:ext uri="{FF2B5EF4-FFF2-40B4-BE49-F238E27FC236}">
+                <a16:creationId xmlns:a16="http://schemas.microsoft.com/office/drawing/2014/main" id="{8DEE5E7C-7BB4-47BA-B9B2-FBBB10646E2D}"/>
+              </a:ext>
+            </a:extLst>
+          </p:cNvPr>
+          <p:cNvSpPr/>
+          <p:nvPr/>
+        </p:nvSpPr>
+        <p:spPr>
+          <a:xfrm>
+            <a:off x="1049400" y="-1279550"/>
+            <a:ext cx="430139" cy="430139"/>
+          </a:xfrm>
+          <a:prstGeom prst="ellipse">
+            <a:avLst/>
+          </a:prstGeom>
+          <a:ln>
+            <a:noFill/>
+          </a:ln>
+          <a:effectLst>
+            <a:outerShdw blurRad="44450" dist="27940" dir="5400000" algn="ctr">
+              <a:srgbClr val="000000">
+                <a:alpha val="32000"/>
+              </a:srgbClr>
+            </a:outerShdw>
+          </a:effectLst>
+          <a:scene3d>
+            <a:camera prst="orthographicFront">
+              <a:rot lat="0" lon="0" rev="0"/>
+            </a:camera>
+            <a:lightRig rig="balanced" dir="t">
+              <a:rot lat="0" lon="0" rev="8700000"/>
+            </a:lightRig>
+          </a:scene3d>
+          <a:sp3d>
+            <a:bevelT w="190500" h="38100"/>
+          </a:sp3d>
+        </p:spPr>
+        <p:style>
+          <a:lnRef idx="2">
+            <a:schemeClr val="accent1">
+              <a:shade val="50000"/>
+            </a:schemeClr>
+          </a:lnRef>
+          <a:fillRef idx="1">
+            <a:schemeClr val="accent1"/>
+          </a:fillRef>
+          <a:effectRef idx="0">
+            <a:schemeClr val="accent1"/>
+          </a:effectRef>
+          <a:fontRef idx="minor">
+            <a:schemeClr val="lt1"/>
+          </a:fontRef>
+        </p:style>
+        <p:txBody>
+          <a:bodyPr rtlCol="0" anchor="ctr"/>
+          <a:lstStyle/>
+          <a:p>
+            <a:pPr algn="ctr"/>
+            <a:endParaRPr lang="en-GB"/>
+          </a:p>
+        </p:txBody>
+      </p:sp>
+      <p:sp>
+        <p:nvSpPr>
+          <p:cNvPr id="19" name="Rectangle 18">
+            <a:extLst>
+              <a:ext uri="{FF2B5EF4-FFF2-40B4-BE49-F238E27FC236}">
+                <a16:creationId xmlns:a16="http://schemas.microsoft.com/office/drawing/2014/main" id="{725831B8-CA76-4E0B-A631-DED449373AC8}"/>
+              </a:ext>
+            </a:extLst>
+          </p:cNvPr>
+          <p:cNvSpPr/>
+          <p:nvPr/>
+        </p:nvSpPr>
+        <p:spPr>
+          <a:xfrm rot="12611698">
+            <a:off x="955711" y="-1344863"/>
+            <a:ext cx="830169" cy="689732"/>
+          </a:xfrm>
+          <a:prstGeom prst="rect">
+            <a:avLst/>
+          </a:prstGeom>
+          <a:noFill/>
+        </p:spPr>
+        <p:txBody>
+          <a:bodyPr wrap="none" lIns="91440" tIns="45720" rIns="91440" bIns="45720">
+            <a:prstTxWarp prst="textCircle">
+              <a:avLst>
+                <a:gd name="adj" fmla="val 18785066"/>
+              </a:avLst>
+            </a:prstTxWarp>
+            <a:spAutoFit/>
+          </a:bodyPr>
+          <a:lstStyle/>
+          <a:p>
+            <a:pPr algn="ctr"/>
+            <a:r>
+              <a:rPr lang="en-US" sz="5400" b="0" cap="none" spc="0">
+                <a:ln w="0"/>
+                <a:solidFill>
+                  <a:schemeClr val="tx1"/>
+                </a:solidFill>
+                <a:effectLst>
+                  <a:outerShdw blurRad="38100" dist="19050" dir="2700000" algn="tl" rotWithShape="0">
+                    <a:schemeClr val="dk1">
+                      <a:alpha val="40000"/>
+                    </a:schemeClr>
+                  </a:outerShdw>
+                </a:effectLst>
+              </a:rPr>
+              <a:t>A&amp;E Diagnosis</a:t>
+            </a:r>
+          </a:p>
+        </p:txBody>
+      </p:sp>
+      <p:sp>
+        <p:nvSpPr>
+          <p:cNvPr id="20" name="Oval 19">
+            <a:extLst>
+              <a:ext uri="{FF2B5EF4-FFF2-40B4-BE49-F238E27FC236}">
+                <a16:creationId xmlns:a16="http://schemas.microsoft.com/office/drawing/2014/main" id="{925B08EF-D1FF-48A6-A0AB-DE4A21038CA0}"/>
+              </a:ext>
+            </a:extLst>
+          </p:cNvPr>
+          <p:cNvSpPr/>
+          <p:nvPr/>
+        </p:nvSpPr>
+        <p:spPr>
+          <a:xfrm>
+            <a:off x="3106168" y="-1707595"/>
+            <a:ext cx="430139" cy="430139"/>
+          </a:xfrm>
+          <a:prstGeom prst="ellipse">
+            <a:avLst/>
+          </a:prstGeom>
+          <a:ln>
+            <a:noFill/>
+          </a:ln>
+          <a:effectLst>
+            <a:outerShdw blurRad="44450" dist="27940" dir="5400000" algn="ctr">
+              <a:srgbClr val="000000">
+                <a:alpha val="32000"/>
+              </a:srgbClr>
+            </a:outerShdw>
+          </a:effectLst>
+          <a:scene3d>
+            <a:camera prst="orthographicFront">
+              <a:rot lat="0" lon="0" rev="0"/>
+            </a:camera>
+            <a:lightRig rig="balanced" dir="t">
+              <a:rot lat="0" lon="0" rev="8700000"/>
+            </a:lightRig>
+          </a:scene3d>
+          <a:sp3d>
+            <a:bevelT w="190500" h="38100"/>
+          </a:sp3d>
+        </p:spPr>
+        <p:style>
+          <a:lnRef idx="2">
+            <a:schemeClr val="accent1">
+              <a:shade val="50000"/>
+            </a:schemeClr>
+          </a:lnRef>
+          <a:fillRef idx="1">
+            <a:schemeClr val="accent1"/>
+          </a:fillRef>
+          <a:effectRef idx="0">
+            <a:schemeClr val="accent1"/>
+          </a:effectRef>
+          <a:fontRef idx="minor">
+            <a:schemeClr val="lt1"/>
+          </a:fontRef>
+        </p:style>
+        <p:txBody>
+          <a:bodyPr rtlCol="0" anchor="ctr"/>
+          <a:lstStyle/>
+          <a:p>
+            <a:pPr algn="ctr"/>
+            <a:endParaRPr lang="en-GB"/>
+          </a:p>
+        </p:txBody>
+      </p:sp>
+      <p:sp>
+        <p:nvSpPr>
+          <p:cNvPr id="21" name="Rectangle 20">
+            <a:extLst>
+              <a:ext uri="{FF2B5EF4-FFF2-40B4-BE49-F238E27FC236}">
+                <a16:creationId xmlns:a16="http://schemas.microsoft.com/office/drawing/2014/main" id="{7F169D71-B7B4-41A1-A438-DA4DC06CB5AB}"/>
+              </a:ext>
+            </a:extLst>
+          </p:cNvPr>
+          <p:cNvSpPr/>
+          <p:nvPr/>
+        </p:nvSpPr>
+        <p:spPr>
+          <a:xfrm rot="12611698">
+            <a:off x="3012479" y="-1772908"/>
+            <a:ext cx="830169" cy="689732"/>
+          </a:xfrm>
+          <a:prstGeom prst="rect">
+            <a:avLst/>
+          </a:prstGeom>
+          <a:noFill/>
+        </p:spPr>
+        <p:txBody>
+          <a:bodyPr wrap="none" lIns="91440" tIns="45720" rIns="91440" bIns="45720">
+            <a:prstTxWarp prst="textCircle">
+              <a:avLst>
+                <a:gd name="adj" fmla="val 18785066"/>
+              </a:avLst>
+            </a:prstTxWarp>
+            <a:spAutoFit/>
+          </a:bodyPr>
+          <a:lstStyle/>
+          <a:p>
+            <a:pPr algn="ctr"/>
+            <a:r>
+              <a:rPr lang="en-US" sz="5400" b="0" cap="none" spc="0">
+                <a:ln w="0"/>
+                <a:solidFill>
+                  <a:schemeClr val="tx1"/>
+                </a:solidFill>
+                <a:effectLst>
+                  <a:outerShdw blurRad="38100" dist="19050" dir="2700000" algn="tl" rotWithShape="0">
+                    <a:schemeClr val="dk1">
+                      <a:alpha val="40000"/>
+                    </a:schemeClr>
+                  </a:outerShdw>
+                </a:effectLst>
+              </a:rPr>
+              <a:t>TARDIS</a:t>
+            </a:r>
+          </a:p>
+        </p:txBody>
+      </p:sp>
+      <p:sp>
+        <p:nvSpPr>
+          <p:cNvPr id="22" name="Oval 21">
+            <a:extLst>
+              <a:ext uri="{FF2B5EF4-FFF2-40B4-BE49-F238E27FC236}">
+                <a16:creationId xmlns:a16="http://schemas.microsoft.com/office/drawing/2014/main" id="{5C780B11-E2EC-4501-B950-D213116E7FEC}"/>
+              </a:ext>
+            </a:extLst>
+          </p:cNvPr>
+          <p:cNvSpPr/>
+          <p:nvPr/>
+        </p:nvSpPr>
+        <p:spPr>
+          <a:xfrm>
+            <a:off x="-268491" y="2383036"/>
+            <a:ext cx="430139" cy="430139"/>
+          </a:xfrm>
+          <a:prstGeom prst="ellipse">
+            <a:avLst/>
+          </a:prstGeom>
+          <a:ln>
+            <a:noFill/>
+          </a:ln>
+          <a:effectLst>
+            <a:outerShdw blurRad="44450" dist="27940" dir="5400000" algn="ctr">
+              <a:srgbClr val="000000">
+                <a:alpha val="32000"/>
+              </a:srgbClr>
+            </a:outerShdw>
+          </a:effectLst>
+          <a:scene3d>
+            <a:camera prst="orthographicFront">
+              <a:rot lat="0" lon="0" rev="0"/>
+            </a:camera>
+            <a:lightRig rig="balanced" dir="t">
+              <a:rot lat="0" lon="0" rev="8700000"/>
+            </a:lightRig>
+          </a:scene3d>
+          <a:sp3d>
+            <a:bevelT w="190500" h="38100"/>
+          </a:sp3d>
+        </p:spPr>
+        <p:style>
+          <a:lnRef idx="2">
+            <a:schemeClr val="accent1">
+              <a:shade val="50000"/>
+            </a:schemeClr>
+          </a:lnRef>
+          <a:fillRef idx="1">
+            <a:schemeClr val="accent1"/>
+          </a:fillRef>
+          <a:effectRef idx="0">
+            <a:schemeClr val="accent1"/>
+          </a:effectRef>
+          <a:fontRef idx="minor">
+            <a:schemeClr val="lt1"/>
+          </a:fontRef>
+        </p:style>
+        <p:txBody>
+          <a:bodyPr rtlCol="0" anchor="ctr"/>
+          <a:lstStyle/>
+          <a:p>
+            <a:pPr algn="ctr"/>
+            <a:endParaRPr lang="en-GB"/>
+          </a:p>
+        </p:txBody>
+      </p:sp>
+      <p:sp>
+        <p:nvSpPr>
+          <p:cNvPr id="23" name="Rectangle 22">
+            <a:extLst>
+              <a:ext uri="{FF2B5EF4-FFF2-40B4-BE49-F238E27FC236}">
+                <a16:creationId xmlns:a16="http://schemas.microsoft.com/office/drawing/2014/main" id="{FBC6A874-0C26-42FE-ACF9-8F4F49CB62ED}"/>
+              </a:ext>
+            </a:extLst>
+          </p:cNvPr>
+          <p:cNvSpPr/>
+          <p:nvPr/>
+        </p:nvSpPr>
+        <p:spPr>
+          <a:xfrm rot="12611698">
+            <a:off x="-362180" y="2317723"/>
+            <a:ext cx="830169" cy="689732"/>
+          </a:xfrm>
+          <a:prstGeom prst="rect">
+            <a:avLst/>
+          </a:prstGeom>
+          <a:noFill/>
+        </p:spPr>
+        <p:txBody>
+          <a:bodyPr wrap="none" lIns="91440" tIns="45720" rIns="91440" bIns="45720">
+            <a:prstTxWarp prst="textCircle">
+              <a:avLst>
+                <a:gd name="adj" fmla="val 18785066"/>
+              </a:avLst>
+            </a:prstTxWarp>
+            <a:spAutoFit/>
+          </a:bodyPr>
+          <a:lstStyle/>
+          <a:p>
+            <a:pPr algn="ctr"/>
+            <a:r>
+              <a:rPr lang="en-US" sz="5400" b="0" cap="none" spc="0">
+                <a:ln w="0"/>
+                <a:solidFill>
+                  <a:schemeClr val="tx1"/>
+                </a:solidFill>
+                <a:effectLst>
+                  <a:outerShdw blurRad="38100" dist="19050" dir="2700000" algn="tl" rotWithShape="0">
+                    <a:schemeClr val="dk1">
+                      <a:alpha val="40000"/>
+                    </a:schemeClr>
+                  </a:outerShdw>
+                </a:effectLst>
+              </a:rPr>
+              <a:t>W</a:t>
+            </a:r>
+            <a:r>
+              <a:rPr lang="en-GB" sz="5400" b="0" cap="none" spc="0">
+                <a:ln w="0"/>
+                <a:solidFill>
+                  <a:schemeClr val="tx1"/>
+                </a:solidFill>
+                <a:effectLst>
+                  <a:outerShdw blurRad="38100" dist="19050" dir="2700000" algn="tl" rotWithShape="0">
+                    <a:schemeClr val="dk1">
+                      <a:alpha val="40000"/>
+                    </a:schemeClr>
+                  </a:outerShdw>
+                </a:effectLst>
+              </a:rPr>
+              <a:t>ard Data</a:t>
+            </a:r>
+            <a:endParaRPr lang="en-US" sz="5400" b="0" cap="none" spc="0">
+              <a:ln w="0"/>
+              <a:solidFill>
+                <a:schemeClr val="tx1"/>
+              </a:solidFill>
+              <a:effectLst>
+                <a:outerShdw blurRad="38100" dist="19050" dir="2700000" algn="tl" rotWithShape="0">
+                  <a:schemeClr val="dk1">
+                    <a:alpha val="40000"/>
+                  </a:schemeClr>
+                </a:outerShdw>
+              </a:effectLst>
+            </a:endParaRPr>
+          </a:p>
+        </p:txBody>
+      </p:sp>
+      <p:sp>
+        <p:nvSpPr>
+          <p:cNvPr id="24" name="Oval 23">
+            <a:extLst>
+              <a:ext uri="{FF2B5EF4-FFF2-40B4-BE49-F238E27FC236}">
+                <a16:creationId xmlns:a16="http://schemas.microsoft.com/office/drawing/2014/main" id="{0A1C2058-A617-472E-9966-19E6643F6782}"/>
+              </a:ext>
+            </a:extLst>
+          </p:cNvPr>
+          <p:cNvSpPr/>
+          <p:nvPr/>
+        </p:nvSpPr>
+        <p:spPr>
+          <a:xfrm>
+            <a:off x="1049400" y="4664116"/>
+            <a:ext cx="430139" cy="430139"/>
+          </a:xfrm>
+          <a:prstGeom prst="ellipse">
+            <a:avLst/>
+          </a:prstGeom>
+          <a:ln>
+            <a:noFill/>
+          </a:ln>
+          <a:effectLst>
+            <a:outerShdw blurRad="44450" dist="27940" dir="5400000" algn="ctr">
+              <a:srgbClr val="000000">
+                <a:alpha val="32000"/>
+              </a:srgbClr>
+            </a:outerShdw>
+          </a:effectLst>
+          <a:scene3d>
+            <a:camera prst="orthographicFront">
+              <a:rot lat="0" lon="0" rev="0"/>
+            </a:camera>
+            <a:lightRig rig="balanced" dir="t">
+              <a:rot lat="0" lon="0" rev="8700000"/>
+            </a:lightRig>
+          </a:scene3d>
+          <a:sp3d>
+            <a:bevelT w="190500" h="38100"/>
+          </a:sp3d>
+        </p:spPr>
+        <p:style>
+          <a:lnRef idx="2">
+            <a:schemeClr val="accent1">
+              <a:shade val="50000"/>
+            </a:schemeClr>
+          </a:lnRef>
+          <a:fillRef idx="1">
+            <a:schemeClr val="accent1"/>
+          </a:fillRef>
+          <a:effectRef idx="0">
+            <a:schemeClr val="accent1"/>
+          </a:effectRef>
+          <a:fontRef idx="minor">
+            <a:schemeClr val="lt1"/>
+          </a:fontRef>
+        </p:style>
+        <p:txBody>
+          <a:bodyPr rtlCol="0" anchor="ctr"/>
+          <a:lstStyle/>
+          <a:p>
+            <a:pPr algn="ctr"/>
+            <a:endParaRPr lang="en-GB"/>
+          </a:p>
+        </p:txBody>
+      </p:sp>
+      <p:sp>
+        <p:nvSpPr>
+          <p:cNvPr id="25" name="Rectangle 24">
+            <a:extLst>
+              <a:ext uri="{FF2B5EF4-FFF2-40B4-BE49-F238E27FC236}">
+                <a16:creationId xmlns:a16="http://schemas.microsoft.com/office/drawing/2014/main" id="{8CD7BEA4-EF58-47F5-A7DE-3E691178A4C0}"/>
+              </a:ext>
+            </a:extLst>
+          </p:cNvPr>
+          <p:cNvSpPr/>
+          <p:nvPr/>
+        </p:nvSpPr>
+        <p:spPr>
+          <a:xfrm rot="12611698">
+            <a:off x="955711" y="4598803"/>
+            <a:ext cx="830169" cy="689732"/>
+          </a:xfrm>
+          <a:prstGeom prst="rect">
+            <a:avLst/>
+          </a:prstGeom>
+          <a:noFill/>
+        </p:spPr>
+        <p:txBody>
+          <a:bodyPr wrap="none" lIns="91440" tIns="45720" rIns="91440" bIns="45720">
+            <a:prstTxWarp prst="textCircle">
+              <a:avLst>
+                <a:gd name="adj" fmla="val 18785066"/>
+              </a:avLst>
+            </a:prstTxWarp>
+            <a:spAutoFit/>
+          </a:bodyPr>
+          <a:lstStyle/>
+          <a:p>
+            <a:pPr algn="ctr"/>
+            <a:r>
+              <a:rPr lang="en-GB" sz="5400"/>
+              <a:t>SCIDiabetes</a:t>
+            </a:r>
+            <a:endParaRPr lang="en-US" sz="5400" b="0" cap="none" spc="0">
+              <a:ln w="0"/>
+              <a:solidFill>
+                <a:schemeClr val="tx1"/>
+              </a:solidFill>
+              <a:effectLst>
+                <a:outerShdw blurRad="38100" dist="19050" dir="2700000" algn="tl" rotWithShape="0">
+                  <a:schemeClr val="dk1">
+                    <a:alpha val="40000"/>
+                  </a:schemeClr>
+                </a:outerShdw>
+              </a:effectLst>
+            </a:endParaRPr>
+          </a:p>
+        </p:txBody>
+      </p:sp>
+      <p:sp>
+        <p:nvSpPr>
+          <p:cNvPr id="26" name="Oval 25">
+            <a:extLst>
+              <a:ext uri="{FF2B5EF4-FFF2-40B4-BE49-F238E27FC236}">
+                <a16:creationId xmlns:a16="http://schemas.microsoft.com/office/drawing/2014/main" id="{D7CE878F-A8A8-4B3E-902C-20A75D721FAB}"/>
+              </a:ext>
+            </a:extLst>
+          </p:cNvPr>
+          <p:cNvSpPr/>
+          <p:nvPr/>
+        </p:nvSpPr>
+        <p:spPr>
+          <a:xfrm>
+            <a:off x="3959777" y="5542114"/>
+            <a:ext cx="430139" cy="430139"/>
+          </a:xfrm>
+          <a:prstGeom prst="ellipse">
+            <a:avLst/>
+          </a:prstGeom>
+          <a:ln>
+            <a:noFill/>
+          </a:ln>
+          <a:effectLst>
+            <a:outerShdw blurRad="44450" dist="27940" dir="5400000" algn="ctr">
+              <a:srgbClr val="000000">
+                <a:alpha val="32000"/>
+              </a:srgbClr>
+            </a:outerShdw>
+          </a:effectLst>
+          <a:scene3d>
+            <a:camera prst="orthographicFront">
+              <a:rot lat="0" lon="0" rev="0"/>
+            </a:camera>
+            <a:lightRig rig="balanced" dir="t">
+              <a:rot lat="0" lon="0" rev="8700000"/>
+            </a:lightRig>
+          </a:scene3d>
+          <a:sp3d>
+            <a:bevelT w="190500" h="38100"/>
+          </a:sp3d>
+        </p:spPr>
+        <p:style>
+          <a:lnRef idx="2">
+            <a:schemeClr val="accent1">
+              <a:shade val="50000"/>
+            </a:schemeClr>
+          </a:lnRef>
+          <a:fillRef idx="1">
+            <a:schemeClr val="accent1"/>
+          </a:fillRef>
+          <a:effectRef idx="0">
+            <a:schemeClr val="accent1"/>
+          </a:effectRef>
+          <a:fontRef idx="minor">
+            <a:schemeClr val="lt1"/>
+          </a:fontRef>
+        </p:style>
+        <p:txBody>
+          <a:bodyPr rtlCol="0" anchor="ctr"/>
+          <a:lstStyle/>
+          <a:p>
+            <a:pPr algn="ctr"/>
+            <a:endParaRPr lang="en-GB"/>
+          </a:p>
+        </p:txBody>
+      </p:sp>
+      <p:sp>
+        <p:nvSpPr>
+          <p:cNvPr id="27" name="Rectangle 26">
+            <a:extLst>
+              <a:ext uri="{FF2B5EF4-FFF2-40B4-BE49-F238E27FC236}">
+                <a16:creationId xmlns:a16="http://schemas.microsoft.com/office/drawing/2014/main" id="{6B75D7CB-7E25-4EA6-930A-A515F7295DC2}"/>
+              </a:ext>
+            </a:extLst>
+          </p:cNvPr>
+          <p:cNvSpPr/>
+          <p:nvPr/>
+        </p:nvSpPr>
+        <p:spPr>
+          <a:xfrm rot="12611698">
+            <a:off x="3866087" y="5476801"/>
+            <a:ext cx="830169" cy="689732"/>
+          </a:xfrm>
+          <a:prstGeom prst="rect">
+            <a:avLst/>
+          </a:prstGeom>
+          <a:noFill/>
+        </p:spPr>
+        <p:txBody>
+          <a:bodyPr wrap="none" lIns="91440" tIns="45720" rIns="91440" bIns="45720">
+            <a:prstTxWarp prst="textCircle">
+              <a:avLst>
+                <a:gd name="adj" fmla="val 18785066"/>
+              </a:avLst>
+            </a:prstTxWarp>
+            <a:spAutoFit/>
+          </a:bodyPr>
+          <a:lstStyle/>
+          <a:p>
+            <a:pPr algn="ctr"/>
+            <a:r>
+              <a:rPr lang="en-GB" sz="5400"/>
+              <a:t>Radiology</a:t>
+            </a:r>
+            <a:endParaRPr lang="en-US" sz="5400" b="0" cap="none" spc="0">
+              <a:ln w="0"/>
+              <a:solidFill>
+                <a:schemeClr val="tx1"/>
+              </a:solidFill>
+              <a:effectLst>
+                <a:outerShdw blurRad="38100" dist="19050" dir="2700000" algn="tl" rotWithShape="0">
+                  <a:schemeClr val="dk1">
+                    <a:alpha val="40000"/>
+                  </a:schemeClr>
+                </a:outerShdw>
+              </a:effectLst>
+            </a:endParaRPr>
+          </a:p>
+        </p:txBody>
+      </p:sp>
+      <p:sp>
+        <p:nvSpPr>
+          <p:cNvPr id="28" name="Oval 27">
+            <a:extLst>
+              <a:ext uri="{FF2B5EF4-FFF2-40B4-BE49-F238E27FC236}">
+                <a16:creationId xmlns:a16="http://schemas.microsoft.com/office/drawing/2014/main" id="{F9C00292-0AA0-4565-852B-D7F25B781B78}"/>
+              </a:ext>
+            </a:extLst>
+          </p:cNvPr>
+          <p:cNvSpPr/>
+          <p:nvPr/>
+        </p:nvSpPr>
+        <p:spPr>
+          <a:xfrm>
+            <a:off x="1413955" y="2926824"/>
+            <a:ext cx="430139" cy="430139"/>
+          </a:xfrm>
+          <a:prstGeom prst="ellipse">
+            <a:avLst/>
+          </a:prstGeom>
+          <a:ln>
+            <a:noFill/>
+          </a:ln>
+          <a:effectLst>
+            <a:outerShdw blurRad="44450" dist="27940" dir="5400000" algn="ctr">
+              <a:srgbClr val="000000">
+                <a:alpha val="32000"/>
+              </a:srgbClr>
+            </a:outerShdw>
+          </a:effectLst>
+          <a:scene3d>
+            <a:camera prst="orthographicFront">
+              <a:rot lat="0" lon="0" rev="0"/>
+            </a:camera>
+            <a:lightRig rig="balanced" dir="t">
+              <a:rot lat="0" lon="0" rev="8700000"/>
+            </a:lightRig>
+          </a:scene3d>
+          <a:sp3d>
+            <a:bevelT w="190500" h="38100"/>
+          </a:sp3d>
+        </p:spPr>
+        <p:style>
+          <a:lnRef idx="2">
+            <a:schemeClr val="accent1">
+              <a:shade val="50000"/>
+            </a:schemeClr>
+          </a:lnRef>
+          <a:fillRef idx="1">
+            <a:schemeClr val="accent1"/>
+          </a:fillRef>
+          <a:effectRef idx="0">
+            <a:schemeClr val="accent1"/>
+          </a:effectRef>
+          <a:fontRef idx="minor">
+            <a:schemeClr val="lt1"/>
+          </a:fontRef>
+        </p:style>
+        <p:txBody>
+          <a:bodyPr rtlCol="0" anchor="ctr"/>
+          <a:lstStyle/>
+          <a:p>
+            <a:pPr algn="ctr"/>
+            <a:endParaRPr lang="en-GB"/>
+          </a:p>
+        </p:txBody>
+      </p:sp>
+      <p:sp>
+        <p:nvSpPr>
+          <p:cNvPr id="29" name="Rectangle 28">
+            <a:extLst>
+              <a:ext uri="{FF2B5EF4-FFF2-40B4-BE49-F238E27FC236}">
+                <a16:creationId xmlns:a16="http://schemas.microsoft.com/office/drawing/2014/main" id="{33372A85-F070-4278-8149-166A42831672}"/>
+              </a:ext>
+            </a:extLst>
+          </p:cNvPr>
+          <p:cNvSpPr/>
+          <p:nvPr/>
+        </p:nvSpPr>
+        <p:spPr>
+          <a:xfrm rot="12611698">
+            <a:off x="1320266" y="2861511"/>
+            <a:ext cx="830169" cy="689732"/>
+          </a:xfrm>
+          <a:prstGeom prst="rect">
+            <a:avLst/>
+          </a:prstGeom>
+          <a:noFill/>
+        </p:spPr>
+        <p:txBody>
+          <a:bodyPr wrap="none" lIns="91440" tIns="45720" rIns="91440" bIns="45720">
+            <a:prstTxWarp prst="textCircle">
+              <a:avLst>
+                <a:gd name="adj" fmla="val 18785066"/>
+              </a:avLst>
+            </a:prstTxWarp>
+            <a:spAutoFit/>
+          </a:bodyPr>
+          <a:lstStyle/>
+          <a:p>
+            <a:pPr algn="ctr"/>
+            <a:r>
+              <a:rPr lang="en-US" sz="5400" b="0" cap="none" spc="0">
+                <a:ln w="0"/>
+                <a:solidFill>
+                  <a:schemeClr val="tx1"/>
+                </a:solidFill>
+                <a:effectLst>
+                  <a:outerShdw blurRad="38100" dist="19050" dir="2700000" algn="tl" rotWithShape="0">
+                    <a:schemeClr val="dk1">
+                      <a:alpha val="40000"/>
+                    </a:schemeClr>
+                  </a:outerShdw>
+                </a:effectLst>
+              </a:rPr>
+              <a:t>Immunology</a:t>
+            </a:r>
+          </a:p>
+        </p:txBody>
+      </p:sp>
+      <p:sp>
+        <p:nvSpPr>
+          <p:cNvPr id="30" name="Oval 29">
+            <a:extLst>
+              <a:ext uri="{FF2B5EF4-FFF2-40B4-BE49-F238E27FC236}">
+                <a16:creationId xmlns:a16="http://schemas.microsoft.com/office/drawing/2014/main" id="{E0E8722E-B34C-4F19-8314-F4AF3ED2DA25}"/>
+              </a:ext>
+            </a:extLst>
+          </p:cNvPr>
+          <p:cNvSpPr/>
+          <p:nvPr/>
+        </p:nvSpPr>
+        <p:spPr>
+          <a:xfrm>
+            <a:off x="2758437" y="3713215"/>
+            <a:ext cx="430139" cy="430139"/>
+          </a:xfrm>
+          <a:prstGeom prst="ellipse">
+            <a:avLst/>
+          </a:prstGeom>
+          <a:ln>
+            <a:noFill/>
+          </a:ln>
+          <a:effectLst>
+            <a:outerShdw blurRad="44450" dist="27940" dir="5400000" algn="ctr">
+              <a:srgbClr val="000000">
+                <a:alpha val="32000"/>
+              </a:srgbClr>
+            </a:outerShdw>
+          </a:effectLst>
+          <a:scene3d>
+            <a:camera prst="orthographicFront">
+              <a:rot lat="0" lon="0" rev="0"/>
+            </a:camera>
+            <a:lightRig rig="balanced" dir="t">
+              <a:rot lat="0" lon="0" rev="8700000"/>
+            </a:lightRig>
+          </a:scene3d>
+          <a:sp3d>
+            <a:bevelT w="190500" h="38100"/>
+          </a:sp3d>
+        </p:spPr>
+        <p:style>
+          <a:lnRef idx="2">
+            <a:schemeClr val="accent1">
+              <a:shade val="50000"/>
+            </a:schemeClr>
+          </a:lnRef>
+          <a:fillRef idx="1">
+            <a:schemeClr val="accent1"/>
+          </a:fillRef>
+          <a:effectRef idx="0">
+            <a:schemeClr val="accent1"/>
+          </a:effectRef>
+          <a:fontRef idx="minor">
+            <a:schemeClr val="lt1"/>
+          </a:fontRef>
+        </p:style>
+        <p:txBody>
+          <a:bodyPr rtlCol="0" anchor="ctr"/>
+          <a:lstStyle/>
+          <a:p>
+            <a:pPr algn="ctr"/>
+            <a:endParaRPr lang="en-GB"/>
+          </a:p>
+        </p:txBody>
+      </p:sp>
+      <p:sp>
+        <p:nvSpPr>
+          <p:cNvPr id="31" name="Rectangle 30">
+            <a:extLst>
+              <a:ext uri="{FF2B5EF4-FFF2-40B4-BE49-F238E27FC236}">
+                <a16:creationId xmlns:a16="http://schemas.microsoft.com/office/drawing/2014/main" id="{52203ACD-7C9D-4245-82F1-1131DAB15219}"/>
+              </a:ext>
+            </a:extLst>
+          </p:cNvPr>
+          <p:cNvSpPr/>
+          <p:nvPr/>
+        </p:nvSpPr>
+        <p:spPr>
+          <a:xfrm rot="12611698">
+            <a:off x="2664748" y="3647903"/>
+            <a:ext cx="830169" cy="689732"/>
+          </a:xfrm>
+          <a:prstGeom prst="rect">
+            <a:avLst/>
+          </a:prstGeom>
+          <a:noFill/>
+        </p:spPr>
+        <p:txBody>
+          <a:bodyPr wrap="none" lIns="91440" tIns="45720" rIns="91440" bIns="45720">
+            <a:prstTxWarp prst="textCircle">
+              <a:avLst>
+                <a:gd name="adj" fmla="val 18785066"/>
+              </a:avLst>
+            </a:prstTxWarp>
+            <a:spAutoFit/>
+          </a:bodyPr>
+          <a:lstStyle/>
+          <a:p>
+            <a:pPr algn="ctr"/>
+            <a:r>
+              <a:rPr lang="en-US" sz="5400" b="0" cap="none" spc="0">
+                <a:ln w="0"/>
+                <a:solidFill>
+                  <a:schemeClr val="tx1"/>
+                </a:solidFill>
+                <a:effectLst>
+                  <a:outerShdw blurRad="38100" dist="19050" dir="2700000" algn="tl" rotWithShape="0">
+                    <a:schemeClr val="dk1">
+                      <a:alpha val="40000"/>
+                    </a:schemeClr>
+                  </a:outerShdw>
+                </a:effectLst>
+              </a:rPr>
+              <a:t>Diabetes</a:t>
+            </a:r>
+          </a:p>
+        </p:txBody>
+      </p:sp>
+      <p:sp>
+        <p:nvSpPr>
+          <p:cNvPr id="33" name="Oval 32">
+            <a:extLst>
+              <a:ext uri="{FF2B5EF4-FFF2-40B4-BE49-F238E27FC236}">
+                <a16:creationId xmlns:a16="http://schemas.microsoft.com/office/drawing/2014/main" id="{BCA5C6A3-7AAE-40C4-9325-44C64D28E5FB}"/>
+              </a:ext>
+            </a:extLst>
+          </p:cNvPr>
+          <p:cNvSpPr/>
+          <p:nvPr/>
+        </p:nvSpPr>
+        <p:spPr>
+          <a:xfrm>
+            <a:off x="5705335" y="2861217"/>
+            <a:ext cx="430139" cy="430139"/>
+          </a:xfrm>
+          <a:prstGeom prst="ellipse">
+            <a:avLst/>
+          </a:prstGeom>
+          <a:solidFill>
+            <a:schemeClr val="accent2"/>
+          </a:solidFill>
+          <a:ln>
+            <a:noFill/>
+          </a:ln>
+          <a:effectLst>
+            <a:outerShdw blurRad="44450" dist="27940" dir="5400000" algn="ctr">
+              <a:srgbClr val="000000">
+                <a:alpha val="32000"/>
+              </a:srgbClr>
+            </a:outerShdw>
+          </a:effectLst>
+          <a:scene3d>
+            <a:camera prst="orthographicFront">
+              <a:rot lat="0" lon="0" rev="0"/>
+            </a:camera>
+            <a:lightRig rig="balanced" dir="t">
+              <a:rot lat="0" lon="0" rev="8700000"/>
+            </a:lightRig>
+          </a:scene3d>
+          <a:sp3d>
+            <a:bevelT w="190500" h="38100"/>
+          </a:sp3d>
+        </p:spPr>
+        <p:style>
+          <a:lnRef idx="2">
+            <a:schemeClr val="accent1">
+              <a:shade val="50000"/>
+            </a:schemeClr>
+          </a:lnRef>
+          <a:fillRef idx="1">
+            <a:schemeClr val="accent1"/>
+          </a:fillRef>
+          <a:effectRef idx="0">
+            <a:schemeClr val="accent1"/>
+          </a:effectRef>
+          <a:fontRef idx="minor">
+            <a:schemeClr val="lt1"/>
+          </a:fontRef>
+        </p:style>
+        <p:txBody>
+          <a:bodyPr rot="0" spcFirstLastPara="0" vertOverflow="overflow" horzOverflow="overflow" vert="horz" wrap="square" lIns="91440" tIns="45720" rIns="91440" bIns="45720" numCol="1" spcCol="0" rtlCol="0" fromWordArt="0" anchor="ctr" anchorCtr="0" forceAA="0" compatLnSpc="1">
+            <a:prstTxWarp prst="textNoShape">
+              <a:avLst/>
+            </a:prstTxWarp>
+            <a:noAutofit/>
+          </a:bodyPr>
+          <a:lstStyle/>
+          <a:p>
+            <a:pPr algn="ctr"/>
+            <a:endParaRPr lang="en-GB"/>
+          </a:p>
+        </p:txBody>
+      </p:sp>
+      <p:sp>
+        <p:nvSpPr>
+          <p:cNvPr id="34" name="Rectangle 33">
+            <a:extLst>
+              <a:ext uri="{FF2B5EF4-FFF2-40B4-BE49-F238E27FC236}">
+                <a16:creationId xmlns:a16="http://schemas.microsoft.com/office/drawing/2014/main" id="{9F0577CD-CD67-41E4-A61E-73B9B36ACB3E}"/>
+              </a:ext>
+            </a:extLst>
+          </p:cNvPr>
+          <p:cNvSpPr/>
+          <p:nvPr/>
+        </p:nvSpPr>
+        <p:spPr>
+          <a:xfrm rot="12611698">
+            <a:off x="5611646" y="2795904"/>
+            <a:ext cx="830169" cy="689732"/>
+          </a:xfrm>
+          <a:prstGeom prst="rect">
+            <a:avLst/>
+          </a:prstGeom>
+          <a:noFill/>
+        </p:spPr>
+        <p:txBody>
+          <a:bodyPr wrap="none" lIns="91440" tIns="45720" rIns="91440" bIns="45720">
+            <a:prstTxWarp prst="textCircle">
+              <a:avLst>
+                <a:gd name="adj" fmla="val 18785066"/>
+              </a:avLst>
+            </a:prstTxWarp>
+            <a:spAutoFit/>
+          </a:bodyPr>
+          <a:lstStyle/>
+          <a:p>
+            <a:pPr algn="ctr"/>
+            <a:r>
+              <a:rPr lang="en-US" sz="5400">
+                <a:ln w="0"/>
+                <a:effectLst>
+                  <a:outerShdw blurRad="38100" dist="19050" dir="2700000" algn="tl" rotWithShape="0">
+                    <a:schemeClr val="dk1">
+                      <a:alpha val="40000"/>
+                    </a:schemeClr>
+                  </a:outerShdw>
+                </a:effectLst>
+              </a:rPr>
+              <a:t>ECLS Cohort 1</a:t>
+            </a:r>
+            <a:endParaRPr lang="en-US" sz="5400" b="0" cap="none" spc="0">
+              <a:ln w="0"/>
+              <a:solidFill>
+                <a:schemeClr val="tx1"/>
+              </a:solidFill>
+              <a:effectLst>
+                <a:outerShdw blurRad="38100" dist="19050" dir="2700000" algn="tl" rotWithShape="0">
+                  <a:schemeClr val="dk1">
+                    <a:alpha val="40000"/>
+                  </a:schemeClr>
+                </a:outerShdw>
+              </a:effectLst>
+            </a:endParaRPr>
+          </a:p>
+        </p:txBody>
+      </p:sp>
+      <p:sp>
+        <p:nvSpPr>
+          <p:cNvPr id="35" name="Oval 34">
+            <a:extLst>
+              <a:ext uri="{FF2B5EF4-FFF2-40B4-BE49-F238E27FC236}">
+                <a16:creationId xmlns:a16="http://schemas.microsoft.com/office/drawing/2014/main" id="{6E5478FF-1F67-4688-AA8C-87E21BA28CCD}"/>
+              </a:ext>
+            </a:extLst>
+          </p:cNvPr>
+          <p:cNvSpPr/>
+          <p:nvPr/>
+        </p:nvSpPr>
+        <p:spPr>
+          <a:xfrm>
+            <a:off x="4958349" y="4086494"/>
+            <a:ext cx="430139" cy="430139"/>
+          </a:xfrm>
+          <a:prstGeom prst="ellipse">
+            <a:avLst/>
+          </a:prstGeom>
+          <a:solidFill>
+            <a:schemeClr val="accent2"/>
+          </a:solidFill>
+          <a:ln>
+            <a:noFill/>
+          </a:ln>
+          <a:effectLst>
+            <a:outerShdw blurRad="44450" dist="27940" dir="5400000" algn="ctr">
+              <a:srgbClr val="000000">
+                <a:alpha val="32000"/>
+              </a:srgbClr>
+            </a:outerShdw>
+          </a:effectLst>
+          <a:scene3d>
+            <a:camera prst="orthographicFront">
+              <a:rot lat="0" lon="0" rev="0"/>
+            </a:camera>
+            <a:lightRig rig="balanced" dir="t">
+              <a:rot lat="0" lon="0" rev="8700000"/>
+            </a:lightRig>
+          </a:scene3d>
+          <a:sp3d>
+            <a:bevelT w="190500" h="38100"/>
+          </a:sp3d>
+        </p:spPr>
+        <p:style>
+          <a:lnRef idx="2">
+            <a:schemeClr val="accent1">
+              <a:shade val="50000"/>
+            </a:schemeClr>
+          </a:lnRef>
+          <a:fillRef idx="1">
+            <a:schemeClr val="accent1"/>
+          </a:fillRef>
+          <a:effectRef idx="0">
+            <a:schemeClr val="accent1"/>
+          </a:effectRef>
+          <a:fontRef idx="minor">
+            <a:schemeClr val="lt1"/>
+          </a:fontRef>
+        </p:style>
+        <p:txBody>
+          <a:bodyPr rot="0" spcFirstLastPara="0" vertOverflow="overflow" horzOverflow="overflow" vert="horz" wrap="square" lIns="91440" tIns="45720" rIns="91440" bIns="45720" numCol="1" spcCol="0" rtlCol="0" fromWordArt="0" anchor="ctr" anchorCtr="0" forceAA="0" compatLnSpc="1">
+            <a:prstTxWarp prst="textNoShape">
+              <a:avLst/>
+            </a:prstTxWarp>
+            <a:noAutofit/>
+          </a:bodyPr>
+          <a:lstStyle/>
+          <a:p>
+            <a:pPr algn="ctr"/>
+            <a:endParaRPr lang="en-GB"/>
+          </a:p>
+        </p:txBody>
+      </p:sp>
+      <p:sp>
+        <p:nvSpPr>
+          <p:cNvPr id="36" name="Rectangle 35">
+            <a:extLst>
+              <a:ext uri="{FF2B5EF4-FFF2-40B4-BE49-F238E27FC236}">
+                <a16:creationId xmlns:a16="http://schemas.microsoft.com/office/drawing/2014/main" id="{66853FEF-BBAD-4ACA-80F7-45FB39777844}"/>
+              </a:ext>
+            </a:extLst>
+          </p:cNvPr>
+          <p:cNvSpPr/>
+          <p:nvPr/>
+        </p:nvSpPr>
+        <p:spPr>
+          <a:xfrm rot="12611698">
+            <a:off x="4864659" y="4021181"/>
+            <a:ext cx="830169" cy="689732"/>
+          </a:xfrm>
+          <a:prstGeom prst="rect">
+            <a:avLst/>
+          </a:prstGeom>
+          <a:noFill/>
+        </p:spPr>
+        <p:txBody>
+          <a:bodyPr wrap="none" lIns="91440" tIns="45720" rIns="91440" bIns="45720">
+            <a:prstTxWarp prst="textCircle">
+              <a:avLst>
+                <a:gd name="adj" fmla="val 18785066"/>
+              </a:avLst>
+            </a:prstTxWarp>
+            <a:spAutoFit/>
+          </a:bodyPr>
+          <a:lstStyle/>
+          <a:p>
+            <a:pPr algn="ctr"/>
+            <a:r>
+              <a:rPr lang="en-US" sz="5400" b="0" cap="none" spc="0">
+                <a:ln w="0"/>
+                <a:solidFill>
+                  <a:schemeClr val="tx1"/>
+                </a:solidFill>
+                <a:effectLst>
+                  <a:outerShdw blurRad="38100" dist="19050" dir="2700000" algn="tl" rotWithShape="0">
+                    <a:schemeClr val="dk1">
+                      <a:alpha val="40000"/>
+                    </a:schemeClr>
+                  </a:outerShdw>
+                </a:effectLst>
+              </a:rPr>
+              <a:t>EPAD Batch 1</a:t>
+            </a:r>
+          </a:p>
+        </p:txBody>
+      </p:sp>
+      <p:sp>
+        <p:nvSpPr>
+          <p:cNvPr id="37" name="Oval 36">
+            <a:extLst>
+              <a:ext uri="{FF2B5EF4-FFF2-40B4-BE49-F238E27FC236}">
+                <a16:creationId xmlns:a16="http://schemas.microsoft.com/office/drawing/2014/main" id="{81F4D4F8-27E3-43A1-99C1-5B2A1D4233FB}"/>
+              </a:ext>
+            </a:extLst>
+          </p:cNvPr>
+          <p:cNvSpPr/>
+          <p:nvPr/>
+        </p:nvSpPr>
+        <p:spPr>
+          <a:xfrm>
+            <a:off x="6991069" y="3781856"/>
+            <a:ext cx="430139" cy="430139"/>
+          </a:xfrm>
+          <a:prstGeom prst="ellipse">
+            <a:avLst/>
+          </a:prstGeom>
+          <a:solidFill>
+            <a:schemeClr val="accent2"/>
+          </a:solidFill>
+          <a:ln>
+            <a:noFill/>
+          </a:ln>
+          <a:effectLst>
+            <a:outerShdw blurRad="44450" dist="27940" dir="5400000" algn="ctr">
+              <a:srgbClr val="000000">
+                <a:alpha val="32000"/>
+              </a:srgbClr>
+            </a:outerShdw>
+          </a:effectLst>
+          <a:scene3d>
+            <a:camera prst="orthographicFront">
+              <a:rot lat="0" lon="0" rev="0"/>
+            </a:camera>
+            <a:lightRig rig="balanced" dir="t">
+              <a:rot lat="0" lon="0" rev="8700000"/>
+            </a:lightRig>
+          </a:scene3d>
+          <a:sp3d>
+            <a:bevelT w="190500" h="38100"/>
+          </a:sp3d>
+        </p:spPr>
+        <p:style>
+          <a:lnRef idx="2">
+            <a:schemeClr val="accent1">
+              <a:shade val="50000"/>
+            </a:schemeClr>
+          </a:lnRef>
+          <a:fillRef idx="1">
+            <a:schemeClr val="accent1"/>
+          </a:fillRef>
+          <a:effectRef idx="0">
+            <a:schemeClr val="accent1"/>
+          </a:effectRef>
+          <a:fontRef idx="minor">
+            <a:schemeClr val="lt1"/>
+          </a:fontRef>
+        </p:style>
+        <p:txBody>
+          <a:bodyPr rot="0" spcFirstLastPara="0" vertOverflow="overflow" horzOverflow="overflow" vert="horz" wrap="square" lIns="91440" tIns="45720" rIns="91440" bIns="45720" numCol="1" spcCol="0" rtlCol="0" fromWordArt="0" anchor="ctr" anchorCtr="0" forceAA="0" compatLnSpc="1">
+            <a:prstTxWarp prst="textNoShape">
+              <a:avLst/>
+            </a:prstTxWarp>
+            <a:noAutofit/>
+          </a:bodyPr>
+          <a:lstStyle/>
+          <a:p>
+            <a:pPr algn="ctr"/>
+            <a:endParaRPr lang="en-GB"/>
+          </a:p>
+        </p:txBody>
+      </p:sp>
+      <p:sp>
+        <p:nvSpPr>
+          <p:cNvPr id="38" name="Rectangle 37">
+            <a:extLst>
+              <a:ext uri="{FF2B5EF4-FFF2-40B4-BE49-F238E27FC236}">
+                <a16:creationId xmlns:a16="http://schemas.microsoft.com/office/drawing/2014/main" id="{BA15B266-06E6-4892-9179-07D98E867946}"/>
+              </a:ext>
+            </a:extLst>
+          </p:cNvPr>
+          <p:cNvSpPr/>
+          <p:nvPr/>
+        </p:nvSpPr>
+        <p:spPr>
+          <a:xfrm rot="16200000">
+            <a:off x="6798605" y="3756682"/>
+            <a:ext cx="830169" cy="689732"/>
+          </a:xfrm>
+          <a:prstGeom prst="rect">
+            <a:avLst/>
+          </a:prstGeom>
+          <a:noFill/>
+        </p:spPr>
+        <p:txBody>
+          <a:bodyPr wrap="none" lIns="91440" tIns="45720" rIns="91440" bIns="45720">
+            <a:prstTxWarp prst="textCircle">
+              <a:avLst>
+                <a:gd name="adj" fmla="val 18785066"/>
+              </a:avLst>
+            </a:prstTxWarp>
+            <a:spAutoFit/>
+          </a:bodyPr>
+          <a:lstStyle/>
+          <a:p>
+            <a:pPr algn="ctr"/>
+            <a:r>
+              <a:rPr lang="en-US" sz="5400">
+                <a:ln w="0"/>
+                <a:effectLst>
+                  <a:outerShdw blurRad="38100" dist="19050" dir="2700000" algn="tl" rotWithShape="0">
+                    <a:schemeClr val="dk1">
+                      <a:alpha val="40000"/>
+                    </a:schemeClr>
+                  </a:outerShdw>
+                </a:effectLst>
+              </a:rPr>
+              <a:t>For Fiona SHARE</a:t>
+            </a:r>
+            <a:endParaRPr lang="en-US" sz="5400" b="0" cap="none" spc="0">
+              <a:ln w="0"/>
+              <a:solidFill>
+                <a:schemeClr val="tx1"/>
+              </a:solidFill>
+              <a:effectLst>
+                <a:outerShdw blurRad="38100" dist="19050" dir="2700000" algn="tl" rotWithShape="0">
+                  <a:schemeClr val="dk1">
+                    <a:alpha val="40000"/>
+                  </a:schemeClr>
+                </a:outerShdw>
+              </a:effectLst>
+            </a:endParaRPr>
+          </a:p>
+        </p:txBody>
+      </p:sp>
+      <p:sp>
+        <p:nvSpPr>
+          <p:cNvPr id="39" name="Oval 38">
+            <a:extLst>
+              <a:ext uri="{FF2B5EF4-FFF2-40B4-BE49-F238E27FC236}">
+                <a16:creationId xmlns:a16="http://schemas.microsoft.com/office/drawing/2014/main" id="{6149D656-72AF-4087-ADDB-CB8569A28999}"/>
+              </a:ext>
+            </a:extLst>
+          </p:cNvPr>
+          <p:cNvSpPr/>
+          <p:nvPr/>
+        </p:nvSpPr>
+        <p:spPr>
+          <a:xfrm>
+            <a:off x="6137461" y="1891873"/>
+            <a:ext cx="430139" cy="430139"/>
+          </a:xfrm>
+          <a:prstGeom prst="ellipse">
+            <a:avLst/>
+          </a:prstGeom>
+          <a:solidFill>
+            <a:schemeClr val="accent6"/>
+          </a:solidFill>
+          <a:ln>
+            <a:noFill/>
+          </a:ln>
+          <a:effectLst>
+            <a:outerShdw blurRad="44450" dist="27940" dir="5400000" algn="ctr">
+              <a:srgbClr val="000000">
+                <a:alpha val="32000"/>
+              </a:srgbClr>
+            </a:outerShdw>
+          </a:effectLst>
+          <a:scene3d>
+            <a:camera prst="orthographicFront">
+              <a:rot lat="0" lon="0" rev="0"/>
+            </a:camera>
+            <a:lightRig rig="balanced" dir="t">
+              <a:rot lat="0" lon="0" rev="8700000"/>
+            </a:lightRig>
+          </a:scene3d>
+          <a:sp3d>
+            <a:bevelT w="190500" h="38100"/>
+          </a:sp3d>
+        </p:spPr>
+        <p:style>
+          <a:lnRef idx="2">
+            <a:schemeClr val="accent1">
+              <a:shade val="50000"/>
+            </a:schemeClr>
+          </a:lnRef>
+          <a:fillRef idx="1">
+            <a:schemeClr val="accent1"/>
+          </a:fillRef>
+          <a:effectRef idx="0">
+            <a:schemeClr val="accent1"/>
+          </a:effectRef>
+          <a:fontRef idx="minor">
+            <a:schemeClr val="lt1"/>
+          </a:fontRef>
+        </p:style>
+        <p:txBody>
+          <a:bodyPr rot="0" spcFirstLastPara="0" vertOverflow="overflow" horzOverflow="overflow" vert="horz" wrap="square" lIns="91440" tIns="45720" rIns="91440" bIns="45720" numCol="1" spcCol="0" rtlCol="0" fromWordArt="0" anchor="ctr" anchorCtr="0" forceAA="0" compatLnSpc="1">
+            <a:prstTxWarp prst="textNoShape">
+              <a:avLst/>
+            </a:prstTxWarp>
+            <a:noAutofit/>
+          </a:bodyPr>
+          <a:lstStyle/>
+          <a:p>
+            <a:pPr algn="ctr"/>
+            <a:endParaRPr lang="en-GB"/>
+          </a:p>
+        </p:txBody>
+      </p:sp>
+      <p:sp>
+        <p:nvSpPr>
+          <p:cNvPr id="40" name="Rectangle 39">
+            <a:extLst>
+              <a:ext uri="{FF2B5EF4-FFF2-40B4-BE49-F238E27FC236}">
+                <a16:creationId xmlns:a16="http://schemas.microsoft.com/office/drawing/2014/main" id="{A95E679C-8DB2-4E84-8C6B-BCF5B0ECB91F}"/>
+              </a:ext>
+            </a:extLst>
+          </p:cNvPr>
+          <p:cNvSpPr/>
+          <p:nvPr/>
+        </p:nvSpPr>
+        <p:spPr>
+          <a:xfrm rot="12611698">
+            <a:off x="6043772" y="1826560"/>
+            <a:ext cx="830169" cy="689732"/>
+          </a:xfrm>
+          <a:prstGeom prst="rect">
+            <a:avLst/>
+          </a:prstGeom>
+          <a:noFill/>
+        </p:spPr>
+        <p:txBody>
+          <a:bodyPr wrap="none" lIns="91440" tIns="45720" rIns="91440" bIns="45720">
+            <a:prstTxWarp prst="textCircle">
+              <a:avLst>
+                <a:gd name="adj" fmla="val 18785066"/>
+              </a:avLst>
+            </a:prstTxWarp>
+            <a:spAutoFit/>
+          </a:bodyPr>
+          <a:lstStyle/>
+          <a:p>
+            <a:pPr algn="ctr"/>
+            <a:r>
+              <a:rPr lang="en-US" sz="5400">
+                <a:ln w="0"/>
+                <a:effectLst>
+                  <a:outerShdw blurRad="38100" dist="19050" dir="2700000" algn="tl" rotWithShape="0">
+                    <a:schemeClr val="dk1">
+                      <a:alpha val="40000"/>
+                    </a:schemeClr>
+                  </a:outerShdw>
+                </a:effectLst>
+              </a:rPr>
+              <a:t>ECLS Project</a:t>
+            </a:r>
+            <a:endParaRPr lang="en-US" sz="5400" b="0" cap="none" spc="0">
+              <a:ln w="0"/>
+              <a:solidFill>
+                <a:schemeClr val="tx1"/>
+              </a:solidFill>
+              <a:effectLst>
+                <a:outerShdw blurRad="38100" dist="19050" dir="2700000" algn="tl" rotWithShape="0">
+                  <a:schemeClr val="dk1">
+                    <a:alpha val="40000"/>
+                  </a:schemeClr>
+                </a:outerShdw>
+              </a:effectLst>
+            </a:endParaRPr>
+          </a:p>
+        </p:txBody>
+      </p:sp>
+      <p:sp>
+        <p:nvSpPr>
+          <p:cNvPr id="41" name="Oval 40">
+            <a:extLst>
+              <a:ext uri="{FF2B5EF4-FFF2-40B4-BE49-F238E27FC236}">
+                <a16:creationId xmlns:a16="http://schemas.microsoft.com/office/drawing/2014/main" id="{2EBB9E01-90B3-4F10-9BFD-545E3C35418D}"/>
+              </a:ext>
+            </a:extLst>
+          </p:cNvPr>
+          <p:cNvSpPr/>
+          <p:nvPr/>
+        </p:nvSpPr>
+        <p:spPr>
+          <a:xfrm>
+            <a:off x="5949361" y="4784464"/>
+            <a:ext cx="430139" cy="430139"/>
+          </a:xfrm>
+          <a:prstGeom prst="ellipse">
+            <a:avLst/>
+          </a:prstGeom>
+          <a:solidFill>
+            <a:schemeClr val="accent2"/>
+          </a:solidFill>
+          <a:ln>
+            <a:noFill/>
+          </a:ln>
+          <a:effectLst>
+            <a:outerShdw blurRad="44450" dist="27940" dir="5400000" algn="ctr">
+              <a:srgbClr val="000000">
+                <a:alpha val="32000"/>
+              </a:srgbClr>
+            </a:outerShdw>
+          </a:effectLst>
+          <a:scene3d>
+            <a:camera prst="orthographicFront">
+              <a:rot lat="0" lon="0" rev="0"/>
+            </a:camera>
+            <a:lightRig rig="balanced" dir="t">
+              <a:rot lat="0" lon="0" rev="8700000"/>
+            </a:lightRig>
+          </a:scene3d>
+          <a:sp3d>
+            <a:bevelT w="190500" h="38100"/>
+          </a:sp3d>
+        </p:spPr>
+        <p:style>
+          <a:lnRef idx="2">
+            <a:schemeClr val="accent1">
+              <a:shade val="50000"/>
+            </a:schemeClr>
+          </a:lnRef>
+          <a:fillRef idx="1">
+            <a:schemeClr val="accent1"/>
+          </a:fillRef>
+          <a:effectRef idx="0">
+            <a:schemeClr val="accent1"/>
+          </a:effectRef>
+          <a:fontRef idx="minor">
+            <a:schemeClr val="lt1"/>
+          </a:fontRef>
+        </p:style>
+        <p:txBody>
+          <a:bodyPr rot="0" spcFirstLastPara="0" vertOverflow="overflow" horzOverflow="overflow" vert="horz" wrap="square" lIns="91440" tIns="45720" rIns="91440" bIns="45720" numCol="1" spcCol="0" rtlCol="0" fromWordArt="0" anchor="ctr" anchorCtr="0" forceAA="0" compatLnSpc="1">
+            <a:prstTxWarp prst="textNoShape">
+              <a:avLst/>
+            </a:prstTxWarp>
+            <a:noAutofit/>
+          </a:bodyPr>
+          <a:lstStyle/>
+          <a:p>
+            <a:pPr algn="ctr"/>
+            <a:endParaRPr lang="en-GB"/>
+          </a:p>
+        </p:txBody>
+      </p:sp>
+      <p:sp>
+        <p:nvSpPr>
+          <p:cNvPr id="42" name="Rectangle 41">
+            <a:extLst>
+              <a:ext uri="{FF2B5EF4-FFF2-40B4-BE49-F238E27FC236}">
+                <a16:creationId xmlns:a16="http://schemas.microsoft.com/office/drawing/2014/main" id="{917D32F8-71ED-4AD6-A39A-2828034638FC}"/>
+              </a:ext>
+            </a:extLst>
+          </p:cNvPr>
+          <p:cNvSpPr/>
+          <p:nvPr/>
+        </p:nvSpPr>
+        <p:spPr>
+          <a:xfrm rot="18549103">
+            <a:off x="5712788" y="4748991"/>
+            <a:ext cx="830169" cy="689732"/>
+          </a:xfrm>
+          <a:prstGeom prst="rect">
+            <a:avLst/>
+          </a:prstGeom>
+          <a:noFill/>
+        </p:spPr>
+        <p:txBody>
+          <a:bodyPr wrap="none" lIns="91440" tIns="45720" rIns="91440" bIns="45720">
+            <a:prstTxWarp prst="textCircle">
+              <a:avLst>
+                <a:gd name="adj" fmla="val 18785066"/>
+              </a:avLst>
+            </a:prstTxWarp>
+            <a:spAutoFit/>
+          </a:bodyPr>
+          <a:lstStyle/>
+          <a:p>
+            <a:pPr algn="ctr"/>
+            <a:r>
+              <a:rPr lang="en-US" sz="5400" b="0" cap="none" spc="0">
+                <a:ln w="0"/>
+                <a:solidFill>
+                  <a:schemeClr val="tx1"/>
+                </a:solidFill>
+                <a:effectLst>
+                  <a:outerShdw blurRad="38100" dist="19050" dir="2700000" algn="tl" rotWithShape="0">
+                    <a:schemeClr val="dk1">
+                      <a:alpha val="40000"/>
+                    </a:schemeClr>
+                  </a:outerShdw>
+                </a:effectLst>
+              </a:rPr>
+              <a:t>EPAD Batch </a:t>
+            </a:r>
+            <a:r>
+              <a:rPr lang="en-US" sz="5400">
+                <a:ln w="0"/>
+                <a:effectLst>
+                  <a:outerShdw blurRad="38100" dist="19050" dir="2700000" algn="tl" rotWithShape="0">
+                    <a:schemeClr val="dk1">
+                      <a:alpha val="40000"/>
+                    </a:schemeClr>
+                  </a:outerShdw>
+                </a:effectLst>
+              </a:rPr>
+              <a:t>2</a:t>
+            </a:r>
+            <a:endParaRPr lang="en-US" sz="5400" b="0" cap="none" spc="0">
+              <a:ln w="0"/>
+              <a:solidFill>
+                <a:schemeClr val="tx1"/>
+              </a:solidFill>
+              <a:effectLst>
+                <a:outerShdw blurRad="38100" dist="19050" dir="2700000" algn="tl" rotWithShape="0">
+                  <a:schemeClr val="dk1">
+                    <a:alpha val="40000"/>
+                  </a:schemeClr>
+                </a:outerShdw>
+              </a:effectLst>
+            </a:endParaRPr>
+          </a:p>
+        </p:txBody>
+      </p:sp>
+      <p:sp>
+        <p:nvSpPr>
+          <p:cNvPr id="43" name="Oval 42">
+            <a:extLst>
+              <a:ext uri="{FF2B5EF4-FFF2-40B4-BE49-F238E27FC236}">
+                <a16:creationId xmlns:a16="http://schemas.microsoft.com/office/drawing/2014/main" id="{C63073BF-FC60-432F-9307-630ECDD0208D}"/>
+              </a:ext>
+            </a:extLst>
+          </p:cNvPr>
+          <p:cNvSpPr/>
+          <p:nvPr/>
+        </p:nvSpPr>
+        <p:spPr>
+          <a:xfrm>
+            <a:off x="7266832" y="961621"/>
+            <a:ext cx="430139" cy="430139"/>
+          </a:xfrm>
+          <a:prstGeom prst="ellipse">
+            <a:avLst/>
+          </a:prstGeom>
+          <a:solidFill>
+            <a:schemeClr val="accent6"/>
+          </a:solidFill>
+          <a:ln>
+            <a:noFill/>
+          </a:ln>
+          <a:effectLst>
+            <a:outerShdw blurRad="44450" dist="27940" dir="5400000" algn="ctr">
+              <a:srgbClr val="000000">
+                <a:alpha val="32000"/>
+              </a:srgbClr>
+            </a:outerShdw>
+          </a:effectLst>
+          <a:scene3d>
+            <a:camera prst="orthographicFront">
+              <a:rot lat="0" lon="0" rev="0"/>
+            </a:camera>
+            <a:lightRig rig="balanced" dir="t">
+              <a:rot lat="0" lon="0" rev="8700000"/>
+            </a:lightRig>
+          </a:scene3d>
+          <a:sp3d>
+            <a:bevelT w="190500" h="38100"/>
+          </a:sp3d>
+        </p:spPr>
+        <p:style>
+          <a:lnRef idx="2">
+            <a:schemeClr val="accent1">
+              <a:shade val="50000"/>
+            </a:schemeClr>
+          </a:lnRef>
+          <a:fillRef idx="1">
+            <a:schemeClr val="accent1"/>
+          </a:fillRef>
+          <a:effectRef idx="0">
+            <a:schemeClr val="accent1"/>
+          </a:effectRef>
+          <a:fontRef idx="minor">
+            <a:schemeClr val="lt1"/>
+          </a:fontRef>
+        </p:style>
+        <p:txBody>
+          <a:bodyPr rot="0" spcFirstLastPara="0" vertOverflow="overflow" horzOverflow="overflow" vert="horz" wrap="square" lIns="91440" tIns="45720" rIns="91440" bIns="45720" numCol="1" spcCol="0" rtlCol="0" fromWordArt="0" anchor="ctr" anchorCtr="0" forceAA="0" compatLnSpc="1">
+            <a:prstTxWarp prst="textNoShape">
+              <a:avLst/>
+            </a:prstTxWarp>
+            <a:noAutofit/>
+          </a:bodyPr>
+          <a:lstStyle/>
+          <a:p>
+            <a:pPr algn="ctr"/>
+            <a:endParaRPr lang="en-GB"/>
+          </a:p>
+        </p:txBody>
+      </p:sp>
+      <p:sp>
+        <p:nvSpPr>
+          <p:cNvPr id="44" name="Rectangle 43">
+            <a:extLst>
+              <a:ext uri="{FF2B5EF4-FFF2-40B4-BE49-F238E27FC236}">
+                <a16:creationId xmlns:a16="http://schemas.microsoft.com/office/drawing/2014/main" id="{176096DE-5010-43A8-B9AC-03E5E7907619}"/>
+              </a:ext>
+            </a:extLst>
+          </p:cNvPr>
+          <p:cNvSpPr/>
+          <p:nvPr/>
+        </p:nvSpPr>
+        <p:spPr>
+          <a:xfrm rot="16536892">
+            <a:off x="7040521" y="969765"/>
+            <a:ext cx="830169" cy="689732"/>
+          </a:xfrm>
+          <a:prstGeom prst="rect">
+            <a:avLst/>
+          </a:prstGeom>
+          <a:noFill/>
+        </p:spPr>
+        <p:txBody>
+          <a:bodyPr wrap="none" lIns="91440" tIns="45720" rIns="91440" bIns="45720">
+            <a:prstTxWarp prst="textCircle">
+              <a:avLst>
+                <a:gd name="adj" fmla="val 18785066"/>
+              </a:avLst>
+            </a:prstTxWarp>
+            <a:spAutoFit/>
+          </a:bodyPr>
+          <a:lstStyle/>
+          <a:p>
+            <a:pPr algn="ctr"/>
+            <a:r>
+              <a:rPr lang="en-US" sz="5400" b="0" cap="none" spc="0">
+                <a:ln w="0"/>
+                <a:solidFill>
+                  <a:schemeClr val="tx1"/>
+                </a:solidFill>
+                <a:effectLst>
+                  <a:outerShdw blurRad="38100" dist="19050" dir="2700000" algn="tl" rotWithShape="0">
+                    <a:schemeClr val="dk1">
+                      <a:alpha val="40000"/>
+                    </a:schemeClr>
+                  </a:outerShdw>
+                </a:effectLst>
+              </a:rPr>
+              <a:t>SCI Diabetes RCT</a:t>
+            </a:r>
+          </a:p>
+        </p:txBody>
+      </p:sp>
+      <p:sp>
+        <p:nvSpPr>
+          <p:cNvPr id="45" name="Oval 44">
+            <a:extLst>
+              <a:ext uri="{FF2B5EF4-FFF2-40B4-BE49-F238E27FC236}">
+                <a16:creationId xmlns:a16="http://schemas.microsoft.com/office/drawing/2014/main" id="{A118D921-224B-42CF-B49F-3DC8A421308E}"/>
+              </a:ext>
+            </a:extLst>
+          </p:cNvPr>
+          <p:cNvSpPr/>
+          <p:nvPr/>
+        </p:nvSpPr>
+        <p:spPr>
+          <a:xfrm>
+            <a:off x="5826272" y="122685"/>
+            <a:ext cx="430139" cy="430139"/>
+          </a:xfrm>
+          <a:prstGeom prst="ellipse">
+            <a:avLst/>
+          </a:prstGeom>
+          <a:solidFill>
+            <a:schemeClr val="accent6"/>
+          </a:solidFill>
+          <a:ln>
+            <a:noFill/>
+          </a:ln>
+          <a:effectLst>
+            <a:outerShdw blurRad="44450" dist="27940" dir="5400000" algn="ctr">
+              <a:srgbClr val="000000">
+                <a:alpha val="32000"/>
+              </a:srgbClr>
+            </a:outerShdw>
+          </a:effectLst>
+          <a:scene3d>
+            <a:camera prst="orthographicFront">
+              <a:rot lat="0" lon="0" rev="0"/>
+            </a:camera>
+            <a:lightRig rig="balanced" dir="t">
+              <a:rot lat="0" lon="0" rev="8700000"/>
+            </a:lightRig>
+          </a:scene3d>
+          <a:sp3d>
+            <a:bevelT w="190500" h="38100"/>
+          </a:sp3d>
+        </p:spPr>
+        <p:style>
+          <a:lnRef idx="2">
+            <a:schemeClr val="accent1">
+              <a:shade val="50000"/>
+            </a:schemeClr>
+          </a:lnRef>
+          <a:fillRef idx="1">
+            <a:schemeClr val="accent1"/>
+          </a:fillRef>
+          <a:effectRef idx="0">
+            <a:schemeClr val="accent1"/>
+          </a:effectRef>
+          <a:fontRef idx="minor">
+            <a:schemeClr val="lt1"/>
+          </a:fontRef>
+        </p:style>
+        <p:txBody>
+          <a:bodyPr rot="0" spcFirstLastPara="0" vertOverflow="overflow" horzOverflow="overflow" vert="horz" wrap="square" lIns="91440" tIns="45720" rIns="91440" bIns="45720" numCol="1" spcCol="0" rtlCol="0" fromWordArt="0" anchor="ctr" anchorCtr="0" forceAA="0" compatLnSpc="1">
+            <a:prstTxWarp prst="textNoShape">
+              <a:avLst/>
+            </a:prstTxWarp>
+            <a:noAutofit/>
+          </a:bodyPr>
+          <a:lstStyle/>
+          <a:p>
+            <a:pPr algn="ctr"/>
+            <a:endParaRPr lang="en-GB"/>
+          </a:p>
+        </p:txBody>
+      </p:sp>
+      <p:sp>
+        <p:nvSpPr>
+          <p:cNvPr id="46" name="Rectangle 45">
+            <a:extLst>
+              <a:ext uri="{FF2B5EF4-FFF2-40B4-BE49-F238E27FC236}">
+                <a16:creationId xmlns:a16="http://schemas.microsoft.com/office/drawing/2014/main" id="{D0BC9AB5-AE67-4357-9617-F6A8C4E62E5D}"/>
+              </a:ext>
+            </a:extLst>
+          </p:cNvPr>
+          <p:cNvSpPr/>
+          <p:nvPr/>
+        </p:nvSpPr>
+        <p:spPr>
+          <a:xfrm rot="12611698">
+            <a:off x="5732582" y="57372"/>
+            <a:ext cx="830169" cy="689732"/>
+          </a:xfrm>
+          <a:prstGeom prst="rect">
+            <a:avLst/>
+          </a:prstGeom>
+          <a:noFill/>
+        </p:spPr>
+        <p:txBody>
+          <a:bodyPr wrap="none" lIns="91440" tIns="45720" rIns="91440" bIns="45720">
+            <a:prstTxWarp prst="textCircle">
+              <a:avLst>
+                <a:gd name="adj" fmla="val 18785066"/>
+              </a:avLst>
+            </a:prstTxWarp>
+            <a:spAutoFit/>
+          </a:bodyPr>
+          <a:lstStyle/>
+          <a:p>
+            <a:pPr algn="ctr"/>
+            <a:r>
+              <a:rPr lang="en-US" sz="5400">
+                <a:ln w="0"/>
+                <a:effectLst>
+                  <a:outerShdw blurRad="38100" dist="19050" dir="2700000" algn="tl" rotWithShape="0">
+                    <a:schemeClr val="dk1">
+                      <a:alpha val="40000"/>
+                    </a:schemeClr>
+                  </a:outerShdw>
+                </a:effectLst>
+              </a:rPr>
+              <a:t>S</a:t>
+            </a:r>
+            <a:r>
+              <a:rPr lang="en-US" sz="5400" b="0" cap="none" spc="0">
+                <a:ln w="0"/>
+                <a:solidFill>
+                  <a:schemeClr val="tx1"/>
+                </a:solidFill>
+                <a:effectLst>
+                  <a:outerShdw blurRad="38100" dist="19050" dir="2700000" algn="tl" rotWithShape="0">
+                    <a:schemeClr val="dk1">
+                      <a:alpha val="40000"/>
+                    </a:schemeClr>
+                  </a:outerShdw>
+                </a:effectLst>
+              </a:rPr>
+              <a:t>HARE</a:t>
+            </a:r>
+          </a:p>
+        </p:txBody>
+      </p:sp>
+      <p:sp>
+        <p:nvSpPr>
+          <p:cNvPr id="52" name="Oval 51">
+            <a:extLst>
+              <a:ext uri="{FF2B5EF4-FFF2-40B4-BE49-F238E27FC236}">
+                <a16:creationId xmlns:a16="http://schemas.microsoft.com/office/drawing/2014/main" id="{900F5D60-3C1D-47DD-A06D-14B4876066F9}"/>
+              </a:ext>
+            </a:extLst>
+          </p:cNvPr>
+          <p:cNvSpPr/>
+          <p:nvPr/>
+        </p:nvSpPr>
+        <p:spPr>
+          <a:xfrm>
+            <a:off x="3639093" y="2388009"/>
+            <a:ext cx="165547" cy="165547"/>
+          </a:xfrm>
+          <a:prstGeom prst="ellipse">
+            <a:avLst/>
+          </a:prstGeom>
+          <a:ln/>
+        </p:spPr>
+        <p:style>
+          <a:lnRef idx="0">
+            <a:schemeClr val="accent3"/>
+          </a:lnRef>
+          <a:fillRef idx="3">
+            <a:schemeClr val="accent3"/>
+          </a:fillRef>
+          <a:effectRef idx="3">
+            <a:schemeClr val="accent3"/>
+          </a:effectRef>
+          <a:fontRef idx="minor">
+            <a:schemeClr val="lt1"/>
+          </a:fontRef>
+        </p:style>
+        <p:txBody>
+          <a:bodyPr rtlCol="0" anchor="ctr"/>
+          <a:lstStyle/>
+          <a:p>
+            <a:pPr algn="ctr"/>
+            <a:endParaRPr lang="en-GB"/>
+          </a:p>
+        </p:txBody>
+      </p:sp>
+      <p:sp>
+        <p:nvSpPr>
+          <p:cNvPr id="54" name="Oval 53">
+            <a:extLst>
+              <a:ext uri="{FF2B5EF4-FFF2-40B4-BE49-F238E27FC236}">
+                <a16:creationId xmlns:a16="http://schemas.microsoft.com/office/drawing/2014/main" id="{D5170BF5-A26A-4BDC-A5EB-254C952E3768}"/>
+              </a:ext>
+            </a:extLst>
+          </p:cNvPr>
+          <p:cNvSpPr/>
+          <p:nvPr/>
+        </p:nvSpPr>
+        <p:spPr>
+          <a:xfrm>
+            <a:off x="3927944" y="2315644"/>
+            <a:ext cx="165547" cy="165547"/>
+          </a:xfrm>
+          <a:prstGeom prst="ellipse">
+            <a:avLst/>
+          </a:prstGeom>
+          <a:ln/>
+        </p:spPr>
+        <p:style>
+          <a:lnRef idx="0">
+            <a:schemeClr val="accent3"/>
+          </a:lnRef>
+          <a:fillRef idx="3">
+            <a:schemeClr val="accent3"/>
+          </a:fillRef>
+          <a:effectRef idx="3">
+            <a:schemeClr val="accent3"/>
+          </a:effectRef>
+          <a:fontRef idx="minor">
+            <a:schemeClr val="lt1"/>
+          </a:fontRef>
+        </p:style>
+        <p:txBody>
+          <a:bodyPr rtlCol="0" anchor="ctr"/>
+          <a:lstStyle/>
+          <a:p>
+            <a:pPr algn="ctr"/>
+            <a:endParaRPr lang="en-GB"/>
+          </a:p>
+        </p:txBody>
+      </p:sp>
+      <p:sp>
+        <p:nvSpPr>
+          <p:cNvPr id="55" name="Oval 54">
+            <a:extLst>
+              <a:ext uri="{FF2B5EF4-FFF2-40B4-BE49-F238E27FC236}">
+                <a16:creationId xmlns:a16="http://schemas.microsoft.com/office/drawing/2014/main" id="{7C956092-250A-4E82-A724-BC56D43645E5}"/>
+              </a:ext>
+            </a:extLst>
+          </p:cNvPr>
+          <p:cNvSpPr/>
+          <p:nvPr/>
+        </p:nvSpPr>
+        <p:spPr>
+          <a:xfrm>
+            <a:off x="4271249" y="2435096"/>
+            <a:ext cx="165547" cy="165547"/>
+          </a:xfrm>
+          <a:prstGeom prst="ellipse">
+            <a:avLst/>
+          </a:prstGeom>
+          <a:ln/>
+        </p:spPr>
+        <p:style>
+          <a:lnRef idx="0">
+            <a:schemeClr val="accent3"/>
+          </a:lnRef>
+          <a:fillRef idx="3">
+            <a:schemeClr val="accent3"/>
+          </a:fillRef>
+          <a:effectRef idx="3">
+            <a:schemeClr val="accent3"/>
+          </a:effectRef>
+          <a:fontRef idx="minor">
+            <a:schemeClr val="lt1"/>
+          </a:fontRef>
+        </p:style>
+        <p:txBody>
+          <a:bodyPr rtlCol="0" anchor="ctr"/>
+          <a:lstStyle/>
+          <a:p>
+            <a:pPr algn="ctr"/>
+            <a:endParaRPr lang="en-GB"/>
+          </a:p>
+        </p:txBody>
+      </p:sp>
+      <p:sp>
+        <p:nvSpPr>
+          <p:cNvPr id="56" name="Oval 55">
+            <a:extLst>
+              <a:ext uri="{FF2B5EF4-FFF2-40B4-BE49-F238E27FC236}">
+                <a16:creationId xmlns:a16="http://schemas.microsoft.com/office/drawing/2014/main" id="{5F9993B5-5DAE-44B0-90CF-66EF2C77DA99}"/>
+              </a:ext>
+            </a:extLst>
+          </p:cNvPr>
+          <p:cNvSpPr/>
+          <p:nvPr/>
+        </p:nvSpPr>
+        <p:spPr>
+          <a:xfrm>
+            <a:off x="5042807" y="1664588"/>
+            <a:ext cx="165547" cy="165547"/>
+          </a:xfrm>
+          <a:prstGeom prst="ellipse">
+            <a:avLst/>
+          </a:prstGeom>
+          <a:ln/>
+        </p:spPr>
+        <p:style>
+          <a:lnRef idx="0">
+            <a:schemeClr val="accent3"/>
+          </a:lnRef>
+          <a:fillRef idx="3">
+            <a:schemeClr val="accent3"/>
+          </a:fillRef>
+          <a:effectRef idx="3">
+            <a:schemeClr val="accent3"/>
+          </a:effectRef>
+          <a:fontRef idx="minor">
+            <a:schemeClr val="lt1"/>
+          </a:fontRef>
+        </p:style>
+        <p:txBody>
+          <a:bodyPr rtlCol="0" anchor="ctr"/>
+          <a:lstStyle/>
+          <a:p>
+            <a:pPr algn="ctr"/>
+            <a:endParaRPr lang="en-GB"/>
+          </a:p>
+        </p:txBody>
+      </p:sp>
+      <p:sp>
+        <p:nvSpPr>
+          <p:cNvPr id="57" name="Oval 56">
+            <a:extLst>
+              <a:ext uri="{FF2B5EF4-FFF2-40B4-BE49-F238E27FC236}">
+                <a16:creationId xmlns:a16="http://schemas.microsoft.com/office/drawing/2014/main" id="{D9B9113D-336A-4A7A-A287-D32E4B08DFB8}"/>
+              </a:ext>
+            </a:extLst>
+          </p:cNvPr>
+          <p:cNvSpPr/>
+          <p:nvPr/>
+        </p:nvSpPr>
+        <p:spPr>
+          <a:xfrm>
+            <a:off x="3168044" y="996003"/>
+            <a:ext cx="165547" cy="165547"/>
+          </a:xfrm>
+          <a:prstGeom prst="ellipse">
+            <a:avLst/>
+          </a:prstGeom>
+          <a:ln/>
+        </p:spPr>
+        <p:style>
+          <a:lnRef idx="0">
+            <a:schemeClr val="accent3"/>
+          </a:lnRef>
+          <a:fillRef idx="3">
+            <a:schemeClr val="accent3"/>
+          </a:fillRef>
+          <a:effectRef idx="3">
+            <a:schemeClr val="accent3"/>
+          </a:effectRef>
+          <a:fontRef idx="minor">
+            <a:schemeClr val="lt1"/>
+          </a:fontRef>
+        </p:style>
+        <p:txBody>
+          <a:bodyPr rtlCol="0" anchor="ctr"/>
+          <a:lstStyle/>
+          <a:p>
+            <a:pPr algn="ctr"/>
+            <a:endParaRPr lang="en-GB"/>
+          </a:p>
+        </p:txBody>
+      </p:sp>
+      <p:sp>
+        <p:nvSpPr>
+          <p:cNvPr id="58" name="Oval 57">
+            <a:extLst>
+              <a:ext uri="{FF2B5EF4-FFF2-40B4-BE49-F238E27FC236}">
+                <a16:creationId xmlns:a16="http://schemas.microsoft.com/office/drawing/2014/main" id="{166849AA-A2AD-4819-8CC3-84211C401E42}"/>
+              </a:ext>
+            </a:extLst>
+          </p:cNvPr>
+          <p:cNvSpPr/>
+          <p:nvPr/>
+        </p:nvSpPr>
+        <p:spPr>
+          <a:xfrm>
+            <a:off x="3142084" y="1271107"/>
+            <a:ext cx="165547" cy="165547"/>
+          </a:xfrm>
+          <a:prstGeom prst="ellipse">
+            <a:avLst/>
+          </a:prstGeom>
+          <a:ln/>
+        </p:spPr>
+        <p:style>
+          <a:lnRef idx="0">
+            <a:schemeClr val="accent3"/>
+          </a:lnRef>
+          <a:fillRef idx="3">
+            <a:schemeClr val="accent3"/>
+          </a:fillRef>
+          <a:effectRef idx="3">
+            <a:schemeClr val="accent3"/>
+          </a:effectRef>
+          <a:fontRef idx="minor">
+            <a:schemeClr val="lt1"/>
+          </a:fontRef>
+        </p:style>
+        <p:txBody>
+          <a:bodyPr rtlCol="0" anchor="ctr"/>
+          <a:lstStyle/>
+          <a:p>
+            <a:pPr algn="ctr"/>
+            <a:endParaRPr lang="en-GB"/>
+          </a:p>
+        </p:txBody>
+      </p:sp>
+      <p:sp>
+        <p:nvSpPr>
+          <p:cNvPr id="59" name="Oval 58">
+            <a:extLst>
+              <a:ext uri="{FF2B5EF4-FFF2-40B4-BE49-F238E27FC236}">
+                <a16:creationId xmlns:a16="http://schemas.microsoft.com/office/drawing/2014/main" id="{6F43B663-2B4D-415D-9695-AF6FCD7299EF}"/>
+              </a:ext>
+            </a:extLst>
+          </p:cNvPr>
+          <p:cNvSpPr/>
+          <p:nvPr/>
+        </p:nvSpPr>
+        <p:spPr>
+          <a:xfrm>
+            <a:off x="3268431" y="1499041"/>
+            <a:ext cx="165547" cy="165547"/>
+          </a:xfrm>
+          <a:prstGeom prst="ellipse">
+            <a:avLst/>
+          </a:prstGeom>
+          <a:ln/>
+        </p:spPr>
+        <p:style>
+          <a:lnRef idx="0">
+            <a:schemeClr val="accent3"/>
+          </a:lnRef>
+          <a:fillRef idx="3">
+            <a:schemeClr val="accent3"/>
+          </a:fillRef>
+          <a:effectRef idx="3">
+            <a:schemeClr val="accent3"/>
+          </a:effectRef>
+          <a:fontRef idx="minor">
+            <a:schemeClr val="lt1"/>
+          </a:fontRef>
+        </p:style>
+        <p:txBody>
+          <a:bodyPr rtlCol="0" anchor="ctr"/>
+          <a:lstStyle/>
+          <a:p>
+            <a:pPr algn="ctr"/>
+            <a:endParaRPr lang="en-GB"/>
+          </a:p>
+        </p:txBody>
+      </p:sp>
+      <p:sp>
+        <p:nvSpPr>
+          <p:cNvPr id="60" name="Oval 59">
+            <a:extLst>
+              <a:ext uri="{FF2B5EF4-FFF2-40B4-BE49-F238E27FC236}">
+                <a16:creationId xmlns:a16="http://schemas.microsoft.com/office/drawing/2014/main" id="{213AC06B-F0A6-4780-8A05-B1F971BD727A}"/>
+              </a:ext>
+            </a:extLst>
+          </p:cNvPr>
+          <p:cNvSpPr/>
+          <p:nvPr/>
+        </p:nvSpPr>
+        <p:spPr>
+          <a:xfrm>
+            <a:off x="2365058" y="1338265"/>
+            <a:ext cx="165547" cy="165547"/>
+          </a:xfrm>
+          <a:prstGeom prst="ellipse">
+            <a:avLst/>
+          </a:prstGeom>
+          <a:ln/>
+        </p:spPr>
+        <p:style>
+          <a:lnRef idx="0">
+            <a:schemeClr val="accent3"/>
+          </a:lnRef>
+          <a:fillRef idx="3">
+            <a:schemeClr val="accent3"/>
+          </a:fillRef>
+          <a:effectRef idx="3">
+            <a:schemeClr val="accent3"/>
+          </a:effectRef>
+          <a:fontRef idx="minor">
+            <a:schemeClr val="lt1"/>
+          </a:fontRef>
+        </p:style>
+        <p:txBody>
+          <a:bodyPr rtlCol="0" anchor="ctr"/>
+          <a:lstStyle/>
+          <a:p>
+            <a:pPr algn="ctr"/>
+            <a:endParaRPr lang="en-GB"/>
+          </a:p>
+        </p:txBody>
+      </p:sp>
+      <p:sp>
+        <p:nvSpPr>
+          <p:cNvPr id="61" name="Oval 60">
+            <a:extLst>
+              <a:ext uri="{FF2B5EF4-FFF2-40B4-BE49-F238E27FC236}">
+                <a16:creationId xmlns:a16="http://schemas.microsoft.com/office/drawing/2014/main" id="{9ECBCAA1-D0D6-4F3A-8768-3945AE903B9A}"/>
+              </a:ext>
+            </a:extLst>
+          </p:cNvPr>
+          <p:cNvSpPr/>
+          <p:nvPr/>
+        </p:nvSpPr>
+        <p:spPr>
+          <a:xfrm>
+            <a:off x="2519773" y="1574277"/>
+            <a:ext cx="165547" cy="165547"/>
+          </a:xfrm>
+          <a:prstGeom prst="ellipse">
+            <a:avLst/>
+          </a:prstGeom>
+          <a:ln/>
+        </p:spPr>
+        <p:style>
+          <a:lnRef idx="0">
+            <a:schemeClr val="accent3"/>
+          </a:lnRef>
+          <a:fillRef idx="3">
+            <a:schemeClr val="accent3"/>
+          </a:fillRef>
+          <a:effectRef idx="3">
+            <a:schemeClr val="accent3"/>
+          </a:effectRef>
+          <a:fontRef idx="minor">
+            <a:schemeClr val="lt1"/>
+          </a:fontRef>
+        </p:style>
+        <p:txBody>
+          <a:bodyPr rtlCol="0" anchor="ctr"/>
+          <a:lstStyle/>
+          <a:p>
+            <a:pPr algn="ctr"/>
+            <a:endParaRPr lang="en-GB"/>
+          </a:p>
+        </p:txBody>
+      </p:sp>
+      <p:sp>
+        <p:nvSpPr>
+          <p:cNvPr id="62" name="Oval 61">
+            <a:extLst>
+              <a:ext uri="{FF2B5EF4-FFF2-40B4-BE49-F238E27FC236}">
+                <a16:creationId xmlns:a16="http://schemas.microsoft.com/office/drawing/2014/main" id="{BD07D06C-A5E9-40D0-A02E-1AC3C0370A27}"/>
+              </a:ext>
+            </a:extLst>
+          </p:cNvPr>
+          <p:cNvSpPr/>
+          <p:nvPr/>
+        </p:nvSpPr>
+        <p:spPr>
+          <a:xfrm>
+            <a:off x="2729803" y="338117"/>
+            <a:ext cx="165547" cy="165547"/>
+          </a:xfrm>
+          <a:prstGeom prst="ellipse">
+            <a:avLst/>
+          </a:prstGeom>
+          <a:ln/>
+        </p:spPr>
+        <p:style>
+          <a:lnRef idx="0">
+            <a:schemeClr val="accent3"/>
+          </a:lnRef>
+          <a:fillRef idx="3">
+            <a:schemeClr val="accent3"/>
+          </a:fillRef>
+          <a:effectRef idx="3">
+            <a:schemeClr val="accent3"/>
+          </a:effectRef>
+          <a:fontRef idx="minor">
+            <a:schemeClr val="lt1"/>
+          </a:fontRef>
+        </p:style>
+        <p:txBody>
+          <a:bodyPr rtlCol="0" anchor="ctr"/>
+          <a:lstStyle/>
+          <a:p>
+            <a:pPr algn="ctr"/>
+            <a:endParaRPr lang="en-GB"/>
+          </a:p>
+        </p:txBody>
+      </p:sp>
+      <p:sp>
+        <p:nvSpPr>
+          <p:cNvPr id="63" name="Oval 62">
+            <a:extLst>
+              <a:ext uri="{FF2B5EF4-FFF2-40B4-BE49-F238E27FC236}">
+                <a16:creationId xmlns:a16="http://schemas.microsoft.com/office/drawing/2014/main" id="{A0BA347A-F56C-4F68-A4B6-7139BE60F044}"/>
+              </a:ext>
+            </a:extLst>
+          </p:cNvPr>
+          <p:cNvSpPr/>
+          <p:nvPr/>
+        </p:nvSpPr>
+        <p:spPr>
+          <a:xfrm>
+            <a:off x="3085271" y="308433"/>
+            <a:ext cx="165547" cy="165547"/>
+          </a:xfrm>
+          <a:prstGeom prst="ellipse">
+            <a:avLst/>
+          </a:prstGeom>
+          <a:ln/>
+        </p:spPr>
+        <p:style>
+          <a:lnRef idx="0">
+            <a:schemeClr val="accent3"/>
+          </a:lnRef>
+          <a:fillRef idx="3">
+            <a:schemeClr val="accent3"/>
+          </a:fillRef>
+          <a:effectRef idx="3">
+            <a:schemeClr val="accent3"/>
+          </a:effectRef>
+          <a:fontRef idx="minor">
+            <a:schemeClr val="lt1"/>
+          </a:fontRef>
+        </p:style>
+        <p:txBody>
+          <a:bodyPr rtlCol="0" anchor="ctr"/>
+          <a:lstStyle/>
+          <a:p>
+            <a:pPr algn="ctr"/>
+            <a:endParaRPr lang="en-GB"/>
+          </a:p>
+        </p:txBody>
+      </p:sp>
+      <p:sp>
+        <p:nvSpPr>
+          <p:cNvPr id="64" name="Oval 63">
+            <a:extLst>
+              <a:ext uri="{FF2B5EF4-FFF2-40B4-BE49-F238E27FC236}">
+                <a16:creationId xmlns:a16="http://schemas.microsoft.com/office/drawing/2014/main" id="{2A478A34-8AA5-44C0-9123-6FAD1A06A1B6}"/>
+              </a:ext>
+            </a:extLst>
+          </p:cNvPr>
+          <p:cNvSpPr/>
+          <p:nvPr/>
+        </p:nvSpPr>
+        <p:spPr>
+          <a:xfrm>
+            <a:off x="4188476" y="197878"/>
+            <a:ext cx="165547" cy="165547"/>
+          </a:xfrm>
+          <a:prstGeom prst="ellipse">
+            <a:avLst/>
+          </a:prstGeom>
+          <a:ln/>
+        </p:spPr>
+        <p:style>
+          <a:lnRef idx="0">
+            <a:schemeClr val="accent3"/>
+          </a:lnRef>
+          <a:fillRef idx="3">
+            <a:schemeClr val="accent3"/>
+          </a:fillRef>
+          <a:effectRef idx="3">
+            <a:schemeClr val="accent3"/>
+          </a:effectRef>
+          <a:fontRef idx="minor">
+            <a:schemeClr val="lt1"/>
+          </a:fontRef>
+        </p:style>
+        <p:txBody>
+          <a:bodyPr rtlCol="0" anchor="ctr"/>
+          <a:lstStyle/>
+          <a:p>
+            <a:pPr algn="ctr"/>
+            <a:endParaRPr lang="en-GB"/>
+          </a:p>
+        </p:txBody>
+      </p:sp>
+      <p:sp>
+        <p:nvSpPr>
+          <p:cNvPr id="65" name="Oval 64">
+            <a:extLst>
+              <a:ext uri="{FF2B5EF4-FFF2-40B4-BE49-F238E27FC236}">
+                <a16:creationId xmlns:a16="http://schemas.microsoft.com/office/drawing/2014/main" id="{9EAA0AC6-1B3F-497E-B2F4-65473AC97005}"/>
+              </a:ext>
+            </a:extLst>
+          </p:cNvPr>
+          <p:cNvSpPr/>
+          <p:nvPr/>
+        </p:nvSpPr>
+        <p:spPr>
+          <a:xfrm>
+            <a:off x="5811957" y="543839"/>
+            <a:ext cx="165547" cy="165547"/>
+          </a:xfrm>
+          <a:prstGeom prst="ellipse">
+            <a:avLst/>
+          </a:prstGeom>
+          <a:ln/>
+        </p:spPr>
+        <p:style>
+          <a:lnRef idx="0">
+            <a:schemeClr val="accent3"/>
+          </a:lnRef>
+          <a:fillRef idx="3">
+            <a:schemeClr val="accent3"/>
+          </a:fillRef>
+          <a:effectRef idx="3">
+            <a:schemeClr val="accent3"/>
+          </a:effectRef>
+          <a:fontRef idx="minor">
+            <a:schemeClr val="lt1"/>
+          </a:fontRef>
+        </p:style>
+        <p:txBody>
+          <a:bodyPr rtlCol="0" anchor="ctr"/>
+          <a:lstStyle/>
+          <a:p>
+            <a:pPr algn="ctr"/>
+            <a:endParaRPr lang="en-GB"/>
+          </a:p>
+        </p:txBody>
+      </p:sp>
+      <p:sp>
+        <p:nvSpPr>
+          <p:cNvPr id="66" name="Oval 65">
+            <a:extLst>
+              <a:ext uri="{FF2B5EF4-FFF2-40B4-BE49-F238E27FC236}">
+                <a16:creationId xmlns:a16="http://schemas.microsoft.com/office/drawing/2014/main" id="{58BFA294-2463-4AC8-B9CB-8EC7D40E596A}"/>
+              </a:ext>
+            </a:extLst>
+          </p:cNvPr>
+          <p:cNvSpPr/>
+          <p:nvPr/>
+        </p:nvSpPr>
+        <p:spPr>
+          <a:xfrm>
+            <a:off x="6245919" y="494817"/>
+            <a:ext cx="165547" cy="165547"/>
+          </a:xfrm>
+          <a:prstGeom prst="ellipse">
+            <a:avLst/>
+          </a:prstGeom>
+          <a:ln/>
+        </p:spPr>
+        <p:style>
+          <a:lnRef idx="0">
+            <a:schemeClr val="accent3"/>
+          </a:lnRef>
+          <a:fillRef idx="3">
+            <a:schemeClr val="accent3"/>
+          </a:fillRef>
+          <a:effectRef idx="3">
+            <a:schemeClr val="accent3"/>
+          </a:effectRef>
+          <a:fontRef idx="minor">
+            <a:schemeClr val="lt1"/>
+          </a:fontRef>
+        </p:style>
+        <p:txBody>
+          <a:bodyPr rtlCol="0" anchor="ctr"/>
+          <a:lstStyle/>
+          <a:p>
+            <a:pPr algn="ctr"/>
+            <a:endParaRPr lang="en-GB"/>
+          </a:p>
+        </p:txBody>
+      </p:sp>
+      <p:sp>
+        <p:nvSpPr>
+          <p:cNvPr id="67" name="Oval 66">
+            <a:extLst>
+              <a:ext uri="{FF2B5EF4-FFF2-40B4-BE49-F238E27FC236}">
+                <a16:creationId xmlns:a16="http://schemas.microsoft.com/office/drawing/2014/main" id="{A406F30A-B095-4962-A1D5-99445708046B}"/>
+              </a:ext>
+            </a:extLst>
+          </p:cNvPr>
+          <p:cNvSpPr/>
+          <p:nvPr/>
+        </p:nvSpPr>
+        <p:spPr>
+          <a:xfrm>
+            <a:off x="6291045" y="236691"/>
+            <a:ext cx="165547" cy="165547"/>
+          </a:xfrm>
+          <a:prstGeom prst="ellipse">
+            <a:avLst/>
+          </a:prstGeom>
+          <a:ln/>
+        </p:spPr>
+        <p:style>
+          <a:lnRef idx="0">
+            <a:schemeClr val="accent3"/>
+          </a:lnRef>
+          <a:fillRef idx="3">
+            <a:schemeClr val="accent3"/>
+          </a:fillRef>
+          <a:effectRef idx="3">
+            <a:schemeClr val="accent3"/>
+          </a:effectRef>
+          <a:fontRef idx="minor">
+            <a:schemeClr val="lt1"/>
+          </a:fontRef>
+        </p:style>
+        <p:txBody>
+          <a:bodyPr rtlCol="0" anchor="ctr"/>
+          <a:lstStyle/>
+          <a:p>
+            <a:pPr algn="ctr"/>
+            <a:endParaRPr lang="en-GB"/>
+          </a:p>
+        </p:txBody>
+      </p:sp>
+      <p:sp>
+        <p:nvSpPr>
+          <p:cNvPr id="68" name="Oval 67">
+            <a:extLst>
+              <a:ext uri="{FF2B5EF4-FFF2-40B4-BE49-F238E27FC236}">
+                <a16:creationId xmlns:a16="http://schemas.microsoft.com/office/drawing/2014/main" id="{EC048A7B-B02F-4D54-A77F-73F1065E5E83}"/>
+              </a:ext>
+            </a:extLst>
+          </p:cNvPr>
+          <p:cNvSpPr/>
+          <p:nvPr/>
+        </p:nvSpPr>
+        <p:spPr>
+          <a:xfrm>
+            <a:off x="7073003" y="1093917"/>
+            <a:ext cx="165547" cy="165547"/>
+          </a:xfrm>
+          <a:prstGeom prst="ellipse">
+            <a:avLst/>
+          </a:prstGeom>
+          <a:ln/>
+        </p:spPr>
+        <p:style>
+          <a:lnRef idx="0">
+            <a:schemeClr val="accent3"/>
+          </a:lnRef>
+          <a:fillRef idx="3">
+            <a:schemeClr val="accent3"/>
+          </a:fillRef>
+          <a:effectRef idx="3">
+            <a:schemeClr val="accent3"/>
+          </a:effectRef>
+          <a:fontRef idx="minor">
+            <a:schemeClr val="lt1"/>
+          </a:fontRef>
+        </p:style>
+        <p:txBody>
+          <a:bodyPr rtlCol="0" anchor="ctr"/>
+          <a:lstStyle/>
+          <a:p>
+            <a:pPr algn="ctr"/>
+            <a:endParaRPr lang="en-GB"/>
+          </a:p>
+        </p:txBody>
+      </p:sp>
+      <p:sp>
+        <p:nvSpPr>
+          <p:cNvPr id="69" name="Oval 68">
+            <a:extLst>
+              <a:ext uri="{FF2B5EF4-FFF2-40B4-BE49-F238E27FC236}">
+                <a16:creationId xmlns:a16="http://schemas.microsoft.com/office/drawing/2014/main" id="{D1439D6B-A592-40F0-A9CA-ECA2E94AB467}"/>
+              </a:ext>
+            </a:extLst>
+          </p:cNvPr>
+          <p:cNvSpPr/>
+          <p:nvPr/>
+        </p:nvSpPr>
+        <p:spPr>
+          <a:xfrm>
+            <a:off x="1737462" y="2730402"/>
+            <a:ext cx="165547" cy="165547"/>
+          </a:xfrm>
+          <a:prstGeom prst="ellipse">
+            <a:avLst/>
+          </a:prstGeom>
+          <a:ln/>
+        </p:spPr>
+        <p:style>
+          <a:lnRef idx="0">
+            <a:schemeClr val="accent3"/>
+          </a:lnRef>
+          <a:fillRef idx="3">
+            <a:schemeClr val="accent3"/>
+          </a:fillRef>
+          <a:effectRef idx="3">
+            <a:schemeClr val="accent3"/>
+          </a:effectRef>
+          <a:fontRef idx="minor">
+            <a:schemeClr val="lt1"/>
+          </a:fontRef>
+        </p:style>
+        <p:txBody>
+          <a:bodyPr rtlCol="0" anchor="ctr"/>
+          <a:lstStyle/>
+          <a:p>
+            <a:pPr algn="ctr"/>
+            <a:endParaRPr lang="en-GB"/>
+          </a:p>
+        </p:txBody>
+      </p:sp>
+      <p:sp>
+        <p:nvSpPr>
+          <p:cNvPr id="70" name="Oval 69">
+            <a:extLst>
+              <a:ext uri="{FF2B5EF4-FFF2-40B4-BE49-F238E27FC236}">
+                <a16:creationId xmlns:a16="http://schemas.microsoft.com/office/drawing/2014/main" id="{C65CA4CE-13A7-4837-9DB6-8B3EDF482922}"/>
+              </a:ext>
+            </a:extLst>
+          </p:cNvPr>
+          <p:cNvSpPr/>
+          <p:nvPr/>
+        </p:nvSpPr>
+        <p:spPr>
+          <a:xfrm>
+            <a:off x="1909326" y="3076286"/>
+            <a:ext cx="165547" cy="165547"/>
+          </a:xfrm>
+          <a:prstGeom prst="ellipse">
+            <a:avLst/>
+          </a:prstGeom>
+          <a:ln/>
+        </p:spPr>
+        <p:style>
+          <a:lnRef idx="0">
+            <a:schemeClr val="accent3"/>
+          </a:lnRef>
+          <a:fillRef idx="3">
+            <a:schemeClr val="accent3"/>
+          </a:fillRef>
+          <a:effectRef idx="3">
+            <a:schemeClr val="accent3"/>
+          </a:effectRef>
+          <a:fontRef idx="minor">
+            <a:schemeClr val="lt1"/>
+          </a:fontRef>
+        </p:style>
+        <p:txBody>
+          <a:bodyPr rtlCol="0" anchor="ctr"/>
+          <a:lstStyle/>
+          <a:p>
+            <a:pPr algn="ctr"/>
+            <a:endParaRPr lang="en-GB"/>
+          </a:p>
+        </p:txBody>
+      </p:sp>
+      <p:sp>
+        <p:nvSpPr>
+          <p:cNvPr id="71" name="Oval 70">
+            <a:extLst>
+              <a:ext uri="{FF2B5EF4-FFF2-40B4-BE49-F238E27FC236}">
+                <a16:creationId xmlns:a16="http://schemas.microsoft.com/office/drawing/2014/main" id="{581F76D3-844C-43D2-92B8-DDF7C83C35B1}"/>
+              </a:ext>
+            </a:extLst>
+          </p:cNvPr>
+          <p:cNvSpPr/>
+          <p:nvPr/>
+        </p:nvSpPr>
+        <p:spPr>
+          <a:xfrm>
+            <a:off x="3291174" y="3963505"/>
+            <a:ext cx="165547" cy="165547"/>
+          </a:xfrm>
+          <a:prstGeom prst="ellipse">
+            <a:avLst/>
+          </a:prstGeom>
+          <a:ln/>
+        </p:spPr>
+        <p:style>
+          <a:lnRef idx="0">
+            <a:schemeClr val="accent3"/>
+          </a:lnRef>
+          <a:fillRef idx="3">
+            <a:schemeClr val="accent3"/>
+          </a:fillRef>
+          <a:effectRef idx="3">
+            <a:schemeClr val="accent3"/>
+          </a:effectRef>
+          <a:fontRef idx="minor">
+            <a:schemeClr val="lt1"/>
+          </a:fontRef>
+        </p:style>
+        <p:txBody>
+          <a:bodyPr rtlCol="0" anchor="ctr"/>
+          <a:lstStyle/>
+          <a:p>
+            <a:pPr algn="ctr"/>
+            <a:endParaRPr lang="en-GB"/>
+          </a:p>
+        </p:txBody>
+      </p:sp>
+      <p:sp>
+        <p:nvSpPr>
+          <p:cNvPr id="72" name="Oval 71">
+            <a:extLst>
+              <a:ext uri="{FF2B5EF4-FFF2-40B4-BE49-F238E27FC236}">
+                <a16:creationId xmlns:a16="http://schemas.microsoft.com/office/drawing/2014/main" id="{1AEDEF95-6912-413B-B2D6-FF62F5C9B0D8}"/>
+              </a:ext>
+            </a:extLst>
+          </p:cNvPr>
+          <p:cNvSpPr/>
+          <p:nvPr/>
+        </p:nvSpPr>
+        <p:spPr>
+          <a:xfrm>
+            <a:off x="78875" y="2761277"/>
+            <a:ext cx="165547" cy="165547"/>
+          </a:xfrm>
+          <a:prstGeom prst="ellipse">
+            <a:avLst/>
+          </a:prstGeom>
+          <a:ln/>
+        </p:spPr>
+        <p:style>
+          <a:lnRef idx="0">
+            <a:schemeClr val="accent3"/>
+          </a:lnRef>
+          <a:fillRef idx="3">
+            <a:schemeClr val="accent3"/>
+          </a:fillRef>
+          <a:effectRef idx="3">
+            <a:schemeClr val="accent3"/>
+          </a:effectRef>
+          <a:fontRef idx="minor">
+            <a:schemeClr val="lt1"/>
+          </a:fontRef>
+        </p:style>
+        <p:txBody>
+          <a:bodyPr rtlCol="0" anchor="ctr"/>
+          <a:lstStyle/>
+          <a:p>
+            <a:pPr algn="ctr"/>
+            <a:endParaRPr lang="en-GB"/>
+          </a:p>
+        </p:txBody>
+      </p:sp>
+      <p:sp>
+        <p:nvSpPr>
+          <p:cNvPr id="73" name="Oval 72">
+            <a:extLst>
+              <a:ext uri="{FF2B5EF4-FFF2-40B4-BE49-F238E27FC236}">
+                <a16:creationId xmlns:a16="http://schemas.microsoft.com/office/drawing/2014/main" id="{3455FC99-377B-4BD3-92AE-E4B21AEEDC68}"/>
+              </a:ext>
+            </a:extLst>
+          </p:cNvPr>
+          <p:cNvSpPr/>
+          <p:nvPr/>
+        </p:nvSpPr>
+        <p:spPr>
+          <a:xfrm>
+            <a:off x="1112417" y="1338265"/>
+            <a:ext cx="165547" cy="165547"/>
+          </a:xfrm>
+          <a:prstGeom prst="ellipse">
+            <a:avLst/>
+          </a:prstGeom>
+          <a:ln/>
+        </p:spPr>
+        <p:style>
+          <a:lnRef idx="0">
+            <a:schemeClr val="accent3"/>
+          </a:lnRef>
+          <a:fillRef idx="3">
+            <a:schemeClr val="accent3"/>
+          </a:fillRef>
+          <a:effectRef idx="3">
+            <a:schemeClr val="accent3"/>
+          </a:effectRef>
+          <a:fontRef idx="minor">
+            <a:schemeClr val="lt1"/>
+          </a:fontRef>
+        </p:style>
+        <p:txBody>
+          <a:bodyPr rtlCol="0" anchor="ctr"/>
+          <a:lstStyle/>
+          <a:p>
+            <a:pPr algn="ctr"/>
+            <a:endParaRPr lang="en-GB"/>
+          </a:p>
+        </p:txBody>
+      </p:sp>
+      <p:sp>
+        <p:nvSpPr>
+          <p:cNvPr id="74" name="Oval 73">
+            <a:extLst>
+              <a:ext uri="{FF2B5EF4-FFF2-40B4-BE49-F238E27FC236}">
+                <a16:creationId xmlns:a16="http://schemas.microsoft.com/office/drawing/2014/main" id="{3E0D5DB0-8CC2-4EEC-8AD5-3AEFF4602125}"/>
+              </a:ext>
+            </a:extLst>
+          </p:cNvPr>
+          <p:cNvSpPr/>
+          <p:nvPr/>
+        </p:nvSpPr>
+        <p:spPr>
+          <a:xfrm>
+            <a:off x="5458752" y="5757183"/>
+            <a:ext cx="430139" cy="430139"/>
+          </a:xfrm>
+          <a:prstGeom prst="ellipse">
+            <a:avLst/>
+          </a:prstGeom>
+          <a:solidFill>
+            <a:schemeClr val="accent2"/>
+          </a:solidFill>
+          <a:ln>
+            <a:noFill/>
+          </a:ln>
+          <a:effectLst>
+            <a:outerShdw blurRad="44450" dist="27940" dir="5400000" algn="ctr">
+              <a:srgbClr val="000000">
+                <a:alpha val="32000"/>
+              </a:srgbClr>
+            </a:outerShdw>
+          </a:effectLst>
+          <a:scene3d>
+            <a:camera prst="orthographicFront">
+              <a:rot lat="0" lon="0" rev="0"/>
+            </a:camera>
+            <a:lightRig rig="balanced" dir="t">
+              <a:rot lat="0" lon="0" rev="8700000"/>
+            </a:lightRig>
+          </a:scene3d>
+          <a:sp3d>
+            <a:bevelT w="190500" h="38100"/>
+          </a:sp3d>
+        </p:spPr>
+        <p:style>
+          <a:lnRef idx="2">
+            <a:schemeClr val="accent1">
+              <a:shade val="50000"/>
+            </a:schemeClr>
+          </a:lnRef>
+          <a:fillRef idx="1">
+            <a:schemeClr val="accent1"/>
+          </a:fillRef>
+          <a:effectRef idx="0">
+            <a:schemeClr val="accent1"/>
+          </a:effectRef>
+          <a:fontRef idx="minor">
+            <a:schemeClr val="lt1"/>
+          </a:fontRef>
+        </p:style>
+        <p:txBody>
+          <a:bodyPr rot="0" spcFirstLastPara="0" vertOverflow="overflow" horzOverflow="overflow" vert="horz" wrap="square" lIns="91440" tIns="45720" rIns="91440" bIns="45720" numCol="1" spcCol="0" rtlCol="0" fromWordArt="0" anchor="ctr" anchorCtr="0" forceAA="0" compatLnSpc="1">
+            <a:prstTxWarp prst="textNoShape">
+              <a:avLst/>
+            </a:prstTxWarp>
+            <a:noAutofit/>
+          </a:bodyPr>
+          <a:lstStyle/>
+          <a:p>
+            <a:pPr algn="ctr"/>
+            <a:endParaRPr lang="en-GB"/>
+          </a:p>
+        </p:txBody>
+      </p:sp>
+      <p:sp>
+        <p:nvSpPr>
+          <p:cNvPr id="75" name="Rectangle 74">
+            <a:extLst>
+              <a:ext uri="{FF2B5EF4-FFF2-40B4-BE49-F238E27FC236}">
+                <a16:creationId xmlns:a16="http://schemas.microsoft.com/office/drawing/2014/main" id="{F21431FD-DE8A-45F7-8361-9133300D6BA1}"/>
+              </a:ext>
+            </a:extLst>
+          </p:cNvPr>
+          <p:cNvSpPr/>
+          <p:nvPr/>
+        </p:nvSpPr>
+        <p:spPr>
+          <a:xfrm rot="12611698">
+            <a:off x="5365063" y="5691870"/>
+            <a:ext cx="830169" cy="689732"/>
+          </a:xfrm>
+          <a:prstGeom prst="rect">
+            <a:avLst/>
+          </a:prstGeom>
+          <a:noFill/>
+        </p:spPr>
+        <p:txBody>
+          <a:bodyPr wrap="none" lIns="91440" tIns="45720" rIns="91440" bIns="45720">
+            <a:prstTxWarp prst="textCircle">
+              <a:avLst>
+                <a:gd name="adj" fmla="val 18785066"/>
+              </a:avLst>
+            </a:prstTxWarp>
+            <a:spAutoFit/>
+          </a:bodyPr>
+          <a:lstStyle/>
+          <a:p>
+            <a:pPr algn="ctr"/>
+            <a:r>
+              <a:rPr lang="en-US" sz="5400">
+                <a:ln w="0"/>
+                <a:effectLst>
+                  <a:outerShdw blurRad="38100" dist="19050" dir="2700000" algn="tl" rotWithShape="0">
+                    <a:schemeClr val="dk1">
+                      <a:alpha val="40000"/>
+                    </a:schemeClr>
+                  </a:outerShdw>
+                </a:effectLst>
+              </a:rPr>
+              <a:t>DOAC Angus</a:t>
+            </a:r>
+            <a:endParaRPr lang="en-US" sz="5400" b="0" cap="none" spc="0">
+              <a:ln w="0"/>
+              <a:solidFill>
+                <a:schemeClr val="tx1"/>
+              </a:solidFill>
+              <a:effectLst>
+                <a:outerShdw blurRad="38100" dist="19050" dir="2700000" algn="tl" rotWithShape="0">
+                  <a:schemeClr val="dk1">
+                    <a:alpha val="40000"/>
+                  </a:schemeClr>
+                </a:outerShdw>
+              </a:effectLst>
+            </a:endParaRPr>
+          </a:p>
+        </p:txBody>
+      </p:sp>
+      <p:sp>
+        <p:nvSpPr>
+          <p:cNvPr id="76" name="Oval 75">
+            <a:extLst>
+              <a:ext uri="{FF2B5EF4-FFF2-40B4-BE49-F238E27FC236}">
+                <a16:creationId xmlns:a16="http://schemas.microsoft.com/office/drawing/2014/main" id="{0B2C0D0E-98A4-4B9C-98E7-00B6D5DE8972}"/>
+              </a:ext>
+            </a:extLst>
+          </p:cNvPr>
+          <p:cNvSpPr/>
+          <p:nvPr/>
+        </p:nvSpPr>
+        <p:spPr>
+          <a:xfrm>
+            <a:off x="7752369" y="5295920"/>
+            <a:ext cx="430139" cy="430139"/>
+          </a:xfrm>
+          <a:prstGeom prst="ellipse">
+            <a:avLst/>
+          </a:prstGeom>
+          <a:solidFill>
+            <a:schemeClr val="accent2"/>
+          </a:solidFill>
+          <a:ln>
+            <a:noFill/>
+          </a:ln>
+          <a:effectLst>
+            <a:outerShdw blurRad="44450" dist="27940" dir="5400000" algn="ctr">
+              <a:srgbClr val="000000">
+                <a:alpha val="32000"/>
+              </a:srgbClr>
+            </a:outerShdw>
+          </a:effectLst>
+          <a:scene3d>
+            <a:camera prst="orthographicFront">
+              <a:rot lat="0" lon="0" rev="0"/>
+            </a:camera>
+            <a:lightRig rig="balanced" dir="t">
+              <a:rot lat="0" lon="0" rev="8700000"/>
+            </a:lightRig>
+          </a:scene3d>
+          <a:sp3d>
+            <a:bevelT w="190500" h="38100"/>
+          </a:sp3d>
+        </p:spPr>
+        <p:style>
+          <a:lnRef idx="2">
+            <a:schemeClr val="accent1">
+              <a:shade val="50000"/>
+            </a:schemeClr>
+          </a:lnRef>
+          <a:fillRef idx="1">
+            <a:schemeClr val="accent1"/>
+          </a:fillRef>
+          <a:effectRef idx="0">
+            <a:schemeClr val="accent1"/>
+          </a:effectRef>
+          <a:fontRef idx="minor">
+            <a:schemeClr val="lt1"/>
+          </a:fontRef>
+        </p:style>
+        <p:txBody>
+          <a:bodyPr rot="0" spcFirstLastPara="0" vertOverflow="overflow" horzOverflow="overflow" vert="horz" wrap="square" lIns="91440" tIns="45720" rIns="91440" bIns="45720" numCol="1" spcCol="0" rtlCol="0" fromWordArt="0" anchor="ctr" anchorCtr="0" forceAA="0" compatLnSpc="1">
+            <a:prstTxWarp prst="textNoShape">
+              <a:avLst/>
+            </a:prstTxWarp>
+            <a:noAutofit/>
+          </a:bodyPr>
+          <a:lstStyle/>
+          <a:p>
+            <a:pPr algn="ctr"/>
+            <a:endParaRPr lang="en-GB"/>
+          </a:p>
+        </p:txBody>
+      </p:sp>
+      <p:sp>
+        <p:nvSpPr>
+          <p:cNvPr id="77" name="Rectangle 76">
+            <a:extLst>
+              <a:ext uri="{FF2B5EF4-FFF2-40B4-BE49-F238E27FC236}">
+                <a16:creationId xmlns:a16="http://schemas.microsoft.com/office/drawing/2014/main" id="{D67F3366-22A3-4780-9CE8-CA2F09DB408D}"/>
+              </a:ext>
+            </a:extLst>
+          </p:cNvPr>
+          <p:cNvSpPr/>
+          <p:nvPr/>
+        </p:nvSpPr>
+        <p:spPr>
+          <a:xfrm rot="12611698">
+            <a:off x="7658679" y="5230607"/>
+            <a:ext cx="830169" cy="689732"/>
+          </a:xfrm>
+          <a:prstGeom prst="rect">
+            <a:avLst/>
+          </a:prstGeom>
+          <a:noFill/>
+        </p:spPr>
+        <p:txBody>
+          <a:bodyPr wrap="none" lIns="91440" tIns="45720" rIns="91440" bIns="45720">
+            <a:prstTxWarp prst="textCircle">
+              <a:avLst>
+                <a:gd name="adj" fmla="val 18785066"/>
+              </a:avLst>
+            </a:prstTxWarp>
+            <a:spAutoFit/>
+          </a:bodyPr>
+          <a:lstStyle/>
+          <a:p>
+            <a:pPr algn="ctr"/>
+            <a:r>
+              <a:rPr lang="en-US" sz="5400" b="0" cap="none" spc="0">
+                <a:ln w="0"/>
+                <a:solidFill>
+                  <a:schemeClr val="tx1"/>
+                </a:solidFill>
+                <a:effectLst>
+                  <a:outerShdw blurRad="38100" dist="19050" dir="2700000" algn="tl" rotWithShape="0">
+                    <a:schemeClr val="dk1">
+                      <a:alpha val="40000"/>
+                    </a:schemeClr>
+                  </a:outerShdw>
+                </a:effectLst>
+              </a:rPr>
+              <a:t>DQUIP</a:t>
+            </a:r>
+          </a:p>
+        </p:txBody>
+      </p:sp>
+      <p:sp>
+        <p:nvSpPr>
+          <p:cNvPr id="78" name="Oval 77">
+            <a:extLst>
+              <a:ext uri="{FF2B5EF4-FFF2-40B4-BE49-F238E27FC236}">
+                <a16:creationId xmlns:a16="http://schemas.microsoft.com/office/drawing/2014/main" id="{86E10391-ED57-48E3-97A7-EB9B1B056007}"/>
+              </a:ext>
+            </a:extLst>
+          </p:cNvPr>
+          <p:cNvSpPr/>
+          <p:nvPr/>
+        </p:nvSpPr>
+        <p:spPr>
+          <a:xfrm>
+            <a:off x="6704947" y="5872888"/>
+            <a:ext cx="430139" cy="430139"/>
+          </a:xfrm>
+          <a:prstGeom prst="ellipse">
+            <a:avLst/>
+          </a:prstGeom>
+          <a:solidFill>
+            <a:schemeClr val="accent2"/>
+          </a:solidFill>
+          <a:ln>
+            <a:noFill/>
+          </a:ln>
+          <a:effectLst>
+            <a:outerShdw blurRad="44450" dist="27940" dir="5400000" algn="ctr">
+              <a:srgbClr val="000000">
+                <a:alpha val="32000"/>
+              </a:srgbClr>
+            </a:outerShdw>
+          </a:effectLst>
+          <a:scene3d>
+            <a:camera prst="orthographicFront">
+              <a:rot lat="0" lon="0" rev="0"/>
+            </a:camera>
+            <a:lightRig rig="balanced" dir="t">
+              <a:rot lat="0" lon="0" rev="8700000"/>
+            </a:lightRig>
+          </a:scene3d>
+          <a:sp3d>
+            <a:bevelT w="190500" h="38100"/>
+          </a:sp3d>
+        </p:spPr>
+        <p:style>
+          <a:lnRef idx="2">
+            <a:schemeClr val="accent1">
+              <a:shade val="50000"/>
+            </a:schemeClr>
+          </a:lnRef>
+          <a:fillRef idx="1">
+            <a:schemeClr val="accent1"/>
+          </a:fillRef>
+          <a:effectRef idx="0">
+            <a:schemeClr val="accent1"/>
+          </a:effectRef>
+          <a:fontRef idx="minor">
+            <a:schemeClr val="lt1"/>
+          </a:fontRef>
+        </p:style>
+        <p:txBody>
+          <a:bodyPr rot="0" spcFirstLastPara="0" vertOverflow="overflow" horzOverflow="overflow" vert="horz" wrap="square" lIns="91440" tIns="45720" rIns="91440" bIns="45720" numCol="1" spcCol="0" rtlCol="0" fromWordArt="0" anchor="ctr" anchorCtr="0" forceAA="0" compatLnSpc="1">
+            <a:prstTxWarp prst="textNoShape">
+              <a:avLst/>
+            </a:prstTxWarp>
+            <a:noAutofit/>
+          </a:bodyPr>
+          <a:lstStyle/>
+          <a:p>
+            <a:pPr algn="ctr"/>
+            <a:endParaRPr lang="en-GB"/>
+          </a:p>
+        </p:txBody>
+      </p:sp>
+      <p:sp>
+        <p:nvSpPr>
+          <p:cNvPr id="79" name="Rectangle 78">
+            <a:extLst>
+              <a:ext uri="{FF2B5EF4-FFF2-40B4-BE49-F238E27FC236}">
+                <a16:creationId xmlns:a16="http://schemas.microsoft.com/office/drawing/2014/main" id="{EF058827-1781-48FD-99DA-6F25D4EDDF5B}"/>
+              </a:ext>
+            </a:extLst>
+          </p:cNvPr>
+          <p:cNvSpPr/>
+          <p:nvPr/>
+        </p:nvSpPr>
+        <p:spPr>
+          <a:xfrm rot="12611698">
+            <a:off x="6611257" y="5807575"/>
+            <a:ext cx="830169" cy="689732"/>
+          </a:xfrm>
+          <a:prstGeom prst="rect">
+            <a:avLst/>
+          </a:prstGeom>
+          <a:noFill/>
+        </p:spPr>
+        <p:txBody>
+          <a:bodyPr wrap="none" lIns="91440" tIns="45720" rIns="91440" bIns="45720">
+            <a:prstTxWarp prst="textCircle">
+              <a:avLst>
+                <a:gd name="adj" fmla="val 18785066"/>
+              </a:avLst>
+            </a:prstTxWarp>
+            <a:spAutoFit/>
+          </a:bodyPr>
+          <a:lstStyle/>
+          <a:p>
+            <a:pPr algn="ctr"/>
+            <a:r>
+              <a:rPr lang="en-US" sz="5400" b="0" cap="none" spc="0">
+                <a:ln w="0"/>
+                <a:solidFill>
+                  <a:schemeClr val="tx1"/>
+                </a:solidFill>
+                <a:effectLst>
+                  <a:outerShdw blurRad="38100" dist="19050" dir="2700000" algn="tl" rotWithShape="0">
+                    <a:schemeClr val="dk1">
+                      <a:alpha val="40000"/>
+                    </a:schemeClr>
+                  </a:outerShdw>
+                </a:effectLst>
+              </a:rPr>
+              <a:t>Collorectal Cancer</a:t>
+            </a:r>
+          </a:p>
+        </p:txBody>
+      </p:sp>
+      <p:sp>
+        <p:nvSpPr>
+          <p:cNvPr id="80" name="Oval 79">
+            <a:extLst>
+              <a:ext uri="{FF2B5EF4-FFF2-40B4-BE49-F238E27FC236}">
+                <a16:creationId xmlns:a16="http://schemas.microsoft.com/office/drawing/2014/main" id="{E1A12C41-187B-4F38-B702-4C7CE5486F7D}"/>
+              </a:ext>
+            </a:extLst>
+          </p:cNvPr>
+          <p:cNvSpPr/>
+          <p:nvPr/>
+        </p:nvSpPr>
+        <p:spPr>
+          <a:xfrm>
+            <a:off x="8250977" y="3928285"/>
+            <a:ext cx="430139" cy="430139"/>
+          </a:xfrm>
+          <a:prstGeom prst="ellipse">
+            <a:avLst/>
+          </a:prstGeom>
+          <a:solidFill>
+            <a:schemeClr val="accent2"/>
+          </a:solidFill>
+          <a:ln>
+            <a:noFill/>
+          </a:ln>
+          <a:effectLst>
+            <a:outerShdw blurRad="44450" dist="27940" dir="5400000" algn="ctr">
+              <a:srgbClr val="000000">
+                <a:alpha val="32000"/>
+              </a:srgbClr>
+            </a:outerShdw>
+          </a:effectLst>
+          <a:scene3d>
+            <a:camera prst="orthographicFront">
+              <a:rot lat="0" lon="0" rev="0"/>
+            </a:camera>
+            <a:lightRig rig="balanced" dir="t">
+              <a:rot lat="0" lon="0" rev="8700000"/>
+            </a:lightRig>
+          </a:scene3d>
+          <a:sp3d>
+            <a:bevelT w="190500" h="38100"/>
+          </a:sp3d>
+        </p:spPr>
+        <p:style>
+          <a:lnRef idx="2">
+            <a:schemeClr val="accent1">
+              <a:shade val="50000"/>
+            </a:schemeClr>
+          </a:lnRef>
+          <a:fillRef idx="1">
+            <a:schemeClr val="accent1"/>
+          </a:fillRef>
+          <a:effectRef idx="0">
+            <a:schemeClr val="accent1"/>
+          </a:effectRef>
+          <a:fontRef idx="minor">
+            <a:schemeClr val="lt1"/>
+          </a:fontRef>
+        </p:style>
+        <p:txBody>
+          <a:bodyPr rot="0" spcFirstLastPara="0" vertOverflow="overflow" horzOverflow="overflow" vert="horz" wrap="square" lIns="91440" tIns="45720" rIns="91440" bIns="45720" numCol="1" spcCol="0" rtlCol="0" fromWordArt="0" anchor="ctr" anchorCtr="0" forceAA="0" compatLnSpc="1">
+            <a:prstTxWarp prst="textNoShape">
+              <a:avLst/>
+            </a:prstTxWarp>
+            <a:noAutofit/>
+          </a:bodyPr>
+          <a:lstStyle/>
+          <a:p>
+            <a:pPr algn="ctr"/>
+            <a:endParaRPr lang="en-GB"/>
+          </a:p>
+        </p:txBody>
+      </p:sp>
+      <p:sp>
+        <p:nvSpPr>
+          <p:cNvPr id="81" name="Rectangle 80">
+            <a:extLst>
+              <a:ext uri="{FF2B5EF4-FFF2-40B4-BE49-F238E27FC236}">
+                <a16:creationId xmlns:a16="http://schemas.microsoft.com/office/drawing/2014/main" id="{9263944C-07C0-40A4-A5EB-F6651871ABD0}"/>
+              </a:ext>
+            </a:extLst>
+          </p:cNvPr>
+          <p:cNvSpPr/>
+          <p:nvPr/>
+        </p:nvSpPr>
+        <p:spPr>
+          <a:xfrm rot="12611698">
+            <a:off x="8157288" y="3862972"/>
+            <a:ext cx="830169" cy="689732"/>
+          </a:xfrm>
+          <a:prstGeom prst="rect">
+            <a:avLst/>
+          </a:prstGeom>
+          <a:noFill/>
+        </p:spPr>
+        <p:txBody>
+          <a:bodyPr wrap="none" lIns="91440" tIns="45720" rIns="91440" bIns="45720">
+            <a:prstTxWarp prst="textCircle">
+              <a:avLst>
+                <a:gd name="adj" fmla="val 18785066"/>
+              </a:avLst>
+            </a:prstTxWarp>
+            <a:spAutoFit/>
+          </a:bodyPr>
+          <a:lstStyle/>
+          <a:p>
+            <a:pPr algn="ctr"/>
+            <a:r>
+              <a:rPr lang="en-US" sz="5400">
+                <a:ln w="0"/>
+                <a:effectLst>
+                  <a:outerShdw blurRad="38100" dist="19050" dir="2700000" algn="tl" rotWithShape="0">
+                    <a:schemeClr val="dk1">
+                      <a:alpha val="40000"/>
+                    </a:schemeClr>
+                  </a:outerShdw>
+                </a:effectLst>
+              </a:rPr>
+              <a:t>ECLS Cohort 2</a:t>
+            </a:r>
+            <a:endParaRPr lang="en-US" sz="5400" b="0" cap="none" spc="0">
+              <a:ln w="0"/>
+              <a:solidFill>
+                <a:schemeClr val="tx1"/>
+              </a:solidFill>
+              <a:effectLst>
+                <a:outerShdw blurRad="38100" dist="19050" dir="2700000" algn="tl" rotWithShape="0">
+                  <a:schemeClr val="dk1">
+                    <a:alpha val="40000"/>
+                  </a:schemeClr>
+                </a:outerShdw>
+              </a:effectLst>
+            </a:endParaRPr>
+          </a:p>
+        </p:txBody>
+      </p:sp>
+      <p:sp>
+        <p:nvSpPr>
+          <p:cNvPr id="82" name="Oval 81">
+            <a:extLst>
+              <a:ext uri="{FF2B5EF4-FFF2-40B4-BE49-F238E27FC236}">
+                <a16:creationId xmlns:a16="http://schemas.microsoft.com/office/drawing/2014/main" id="{690366A7-B255-403C-A850-269373BBF682}"/>
+              </a:ext>
+            </a:extLst>
+          </p:cNvPr>
+          <p:cNvSpPr/>
+          <p:nvPr/>
+        </p:nvSpPr>
+        <p:spPr>
+          <a:xfrm>
+            <a:off x="9557101" y="4638496"/>
+            <a:ext cx="430139" cy="430139"/>
+          </a:xfrm>
+          <a:prstGeom prst="ellipse">
+            <a:avLst/>
+          </a:prstGeom>
+          <a:solidFill>
+            <a:schemeClr val="accent2"/>
+          </a:solidFill>
+          <a:ln>
+            <a:noFill/>
+          </a:ln>
+          <a:effectLst>
+            <a:outerShdw blurRad="44450" dist="27940" dir="5400000" algn="ctr">
+              <a:srgbClr val="000000">
+                <a:alpha val="32000"/>
+              </a:srgbClr>
+            </a:outerShdw>
+          </a:effectLst>
+          <a:scene3d>
+            <a:camera prst="orthographicFront">
+              <a:rot lat="0" lon="0" rev="0"/>
+            </a:camera>
+            <a:lightRig rig="balanced" dir="t">
+              <a:rot lat="0" lon="0" rev="8700000"/>
+            </a:lightRig>
+          </a:scene3d>
+          <a:sp3d>
+            <a:bevelT w="190500" h="38100"/>
+          </a:sp3d>
+        </p:spPr>
+        <p:style>
+          <a:lnRef idx="2">
+            <a:schemeClr val="accent1">
+              <a:shade val="50000"/>
+            </a:schemeClr>
+          </a:lnRef>
+          <a:fillRef idx="1">
+            <a:schemeClr val="accent1"/>
+          </a:fillRef>
+          <a:effectRef idx="0">
+            <a:schemeClr val="accent1"/>
+          </a:effectRef>
+          <a:fontRef idx="minor">
+            <a:schemeClr val="lt1"/>
+          </a:fontRef>
+        </p:style>
+        <p:txBody>
+          <a:bodyPr rot="0" spcFirstLastPara="0" vertOverflow="overflow" horzOverflow="overflow" vert="horz" wrap="square" lIns="91440" tIns="45720" rIns="91440" bIns="45720" numCol="1" spcCol="0" rtlCol="0" fromWordArt="0" anchor="ctr" anchorCtr="0" forceAA="0" compatLnSpc="1">
+            <a:prstTxWarp prst="textNoShape">
+              <a:avLst/>
+            </a:prstTxWarp>
+            <a:noAutofit/>
+          </a:bodyPr>
+          <a:lstStyle/>
+          <a:p>
+            <a:pPr algn="ctr"/>
+            <a:endParaRPr lang="en-GB"/>
+          </a:p>
+        </p:txBody>
+      </p:sp>
+      <p:sp>
+        <p:nvSpPr>
+          <p:cNvPr id="83" name="Rectangle 82">
+            <a:extLst>
+              <a:ext uri="{FF2B5EF4-FFF2-40B4-BE49-F238E27FC236}">
+                <a16:creationId xmlns:a16="http://schemas.microsoft.com/office/drawing/2014/main" id="{CE4684FD-A583-4E80-AD5E-61844EC8B1BC}"/>
+              </a:ext>
+            </a:extLst>
+          </p:cNvPr>
+          <p:cNvSpPr/>
+          <p:nvPr/>
+        </p:nvSpPr>
+        <p:spPr>
+          <a:xfrm rot="12611698">
+            <a:off x="9463411" y="4573183"/>
+            <a:ext cx="830169" cy="689732"/>
+          </a:xfrm>
+          <a:prstGeom prst="rect">
+            <a:avLst/>
+          </a:prstGeom>
+          <a:noFill/>
+        </p:spPr>
+        <p:txBody>
+          <a:bodyPr wrap="none" lIns="91440" tIns="45720" rIns="91440" bIns="45720">
+            <a:prstTxWarp prst="textCircle">
+              <a:avLst>
+                <a:gd name="adj" fmla="val 18785066"/>
+              </a:avLst>
+            </a:prstTxWarp>
+            <a:spAutoFit/>
+          </a:bodyPr>
+          <a:lstStyle/>
+          <a:p>
+            <a:pPr algn="ctr"/>
+            <a:r>
+              <a:rPr lang="en-US" sz="5400">
+                <a:ln w="0"/>
+                <a:effectLst>
+                  <a:outerShdw blurRad="38100" dist="19050" dir="2700000" algn="tl" rotWithShape="0">
+                    <a:schemeClr val="dk1">
+                      <a:alpha val="40000"/>
+                    </a:schemeClr>
+                  </a:outerShdw>
+                </a:effectLst>
+              </a:rPr>
+              <a:t>Diabetic Retinopathy</a:t>
+            </a:r>
+            <a:endParaRPr lang="en-US" sz="5400" b="0" cap="none" spc="0">
+              <a:ln w="0"/>
+              <a:solidFill>
+                <a:schemeClr val="tx1"/>
+              </a:solidFill>
+              <a:effectLst>
+                <a:outerShdw blurRad="38100" dist="19050" dir="2700000" algn="tl" rotWithShape="0">
+                  <a:schemeClr val="dk1">
+                    <a:alpha val="40000"/>
+                  </a:schemeClr>
+                </a:outerShdw>
+              </a:effectLst>
+            </a:endParaRPr>
+          </a:p>
+        </p:txBody>
+      </p:sp>
+      <p:sp>
+        <p:nvSpPr>
+          <p:cNvPr id="84" name="Oval 83">
+            <a:extLst>
+              <a:ext uri="{FF2B5EF4-FFF2-40B4-BE49-F238E27FC236}">
+                <a16:creationId xmlns:a16="http://schemas.microsoft.com/office/drawing/2014/main" id="{1D286849-209F-40C0-B536-6B085B81964F}"/>
+              </a:ext>
+            </a:extLst>
+          </p:cNvPr>
+          <p:cNvSpPr/>
+          <p:nvPr/>
+        </p:nvSpPr>
+        <p:spPr>
+          <a:xfrm>
+            <a:off x="8584722" y="5812484"/>
+            <a:ext cx="430139" cy="430139"/>
+          </a:xfrm>
+          <a:prstGeom prst="ellipse">
+            <a:avLst/>
+          </a:prstGeom>
+          <a:solidFill>
+            <a:schemeClr val="accent2"/>
+          </a:solidFill>
+          <a:ln>
+            <a:noFill/>
+          </a:ln>
+          <a:effectLst>
+            <a:outerShdw blurRad="44450" dist="27940" dir="5400000" algn="ctr">
+              <a:srgbClr val="000000">
+                <a:alpha val="32000"/>
+              </a:srgbClr>
+            </a:outerShdw>
+          </a:effectLst>
+          <a:scene3d>
+            <a:camera prst="orthographicFront">
+              <a:rot lat="0" lon="0" rev="0"/>
+            </a:camera>
+            <a:lightRig rig="balanced" dir="t">
+              <a:rot lat="0" lon="0" rev="8700000"/>
+            </a:lightRig>
+          </a:scene3d>
+          <a:sp3d>
+            <a:bevelT w="190500" h="38100"/>
+          </a:sp3d>
+        </p:spPr>
+        <p:style>
+          <a:lnRef idx="2">
+            <a:schemeClr val="accent1">
+              <a:shade val="50000"/>
+            </a:schemeClr>
+          </a:lnRef>
+          <a:fillRef idx="1">
+            <a:schemeClr val="accent1"/>
+          </a:fillRef>
+          <a:effectRef idx="0">
+            <a:schemeClr val="accent1"/>
+          </a:effectRef>
+          <a:fontRef idx="minor">
+            <a:schemeClr val="lt1"/>
+          </a:fontRef>
+        </p:style>
+        <p:txBody>
+          <a:bodyPr rot="0" spcFirstLastPara="0" vertOverflow="overflow" horzOverflow="overflow" vert="horz" wrap="square" lIns="91440" tIns="45720" rIns="91440" bIns="45720" numCol="1" spcCol="0" rtlCol="0" fromWordArt="0" anchor="ctr" anchorCtr="0" forceAA="0" compatLnSpc="1">
+            <a:prstTxWarp prst="textNoShape">
+              <a:avLst/>
+            </a:prstTxWarp>
+            <a:noAutofit/>
+          </a:bodyPr>
+          <a:lstStyle/>
+          <a:p>
+            <a:pPr algn="ctr"/>
+            <a:endParaRPr lang="en-GB"/>
+          </a:p>
+        </p:txBody>
+      </p:sp>
+      <p:sp>
+        <p:nvSpPr>
+          <p:cNvPr id="85" name="Rectangle 84">
+            <a:extLst>
+              <a:ext uri="{FF2B5EF4-FFF2-40B4-BE49-F238E27FC236}">
+                <a16:creationId xmlns:a16="http://schemas.microsoft.com/office/drawing/2014/main" id="{320FC9C2-9A70-4759-B380-D7712F5EA78B}"/>
+              </a:ext>
+            </a:extLst>
+          </p:cNvPr>
+          <p:cNvSpPr/>
+          <p:nvPr/>
+        </p:nvSpPr>
+        <p:spPr>
+          <a:xfrm rot="12611698">
+            <a:off x="8491032" y="5747171"/>
+            <a:ext cx="830169" cy="689732"/>
+          </a:xfrm>
+          <a:prstGeom prst="rect">
+            <a:avLst/>
+          </a:prstGeom>
+          <a:noFill/>
+        </p:spPr>
+        <p:txBody>
+          <a:bodyPr wrap="none" lIns="91440" tIns="45720" rIns="91440" bIns="45720">
+            <a:prstTxWarp prst="textCircle">
+              <a:avLst>
+                <a:gd name="adj" fmla="val 18785066"/>
+              </a:avLst>
+            </a:prstTxWarp>
+            <a:spAutoFit/>
+          </a:bodyPr>
+          <a:lstStyle/>
+          <a:p>
+            <a:pPr algn="ctr"/>
+            <a:r>
+              <a:rPr lang="en-US" sz="5400">
+                <a:ln w="0"/>
+                <a:effectLst>
+                  <a:outerShdw blurRad="38100" dist="19050" dir="2700000" algn="tl" rotWithShape="0">
+                    <a:schemeClr val="dk1">
+                      <a:alpha val="40000"/>
+                    </a:schemeClr>
+                  </a:outerShdw>
+                </a:effectLst>
+              </a:rPr>
+              <a:t>OOH Feasibility</a:t>
+            </a:r>
+            <a:endParaRPr lang="en-US" sz="5400" b="0" cap="none" spc="0">
+              <a:ln w="0"/>
+              <a:solidFill>
+                <a:schemeClr val="tx1"/>
+              </a:solidFill>
+              <a:effectLst>
+                <a:outerShdw blurRad="38100" dist="19050" dir="2700000" algn="tl" rotWithShape="0">
+                  <a:schemeClr val="dk1">
+                    <a:alpha val="40000"/>
+                  </a:schemeClr>
+                </a:outerShdw>
+              </a:effectLst>
+            </a:endParaRPr>
+          </a:p>
+        </p:txBody>
+      </p:sp>
+      <p:sp>
+        <p:nvSpPr>
+          <p:cNvPr id="86" name="Oval 85">
+            <a:extLst>
+              <a:ext uri="{FF2B5EF4-FFF2-40B4-BE49-F238E27FC236}">
+                <a16:creationId xmlns:a16="http://schemas.microsoft.com/office/drawing/2014/main" id="{238B3685-5F10-4D27-9813-0FE69FD290AB}"/>
+              </a:ext>
+            </a:extLst>
+          </p:cNvPr>
+          <p:cNvSpPr/>
+          <p:nvPr/>
+        </p:nvSpPr>
+        <p:spPr>
+          <a:xfrm>
+            <a:off x="7501782" y="2081920"/>
+            <a:ext cx="430139" cy="430139"/>
+          </a:xfrm>
+          <a:prstGeom prst="ellipse">
+            <a:avLst/>
+          </a:prstGeom>
+          <a:solidFill>
+            <a:schemeClr val="accent6"/>
+          </a:solidFill>
+          <a:ln>
+            <a:noFill/>
+          </a:ln>
+          <a:effectLst>
+            <a:outerShdw blurRad="44450" dist="27940" dir="5400000" algn="ctr">
+              <a:srgbClr val="000000">
+                <a:alpha val="32000"/>
+              </a:srgbClr>
+            </a:outerShdw>
+          </a:effectLst>
+          <a:scene3d>
+            <a:camera prst="orthographicFront">
+              <a:rot lat="0" lon="0" rev="0"/>
+            </a:camera>
+            <a:lightRig rig="balanced" dir="t">
+              <a:rot lat="0" lon="0" rev="8700000"/>
+            </a:lightRig>
+          </a:scene3d>
+          <a:sp3d>
+            <a:bevelT w="190500" h="38100"/>
+          </a:sp3d>
+        </p:spPr>
+        <p:style>
+          <a:lnRef idx="2">
+            <a:schemeClr val="accent1">
+              <a:shade val="50000"/>
+            </a:schemeClr>
+          </a:lnRef>
+          <a:fillRef idx="1">
+            <a:schemeClr val="accent1"/>
+          </a:fillRef>
+          <a:effectRef idx="0">
+            <a:schemeClr val="accent1"/>
+          </a:effectRef>
+          <a:fontRef idx="minor">
+            <a:schemeClr val="lt1"/>
+          </a:fontRef>
+        </p:style>
+        <p:txBody>
+          <a:bodyPr rot="0" spcFirstLastPara="0" vertOverflow="overflow" horzOverflow="overflow" vert="horz" wrap="square" lIns="91440" tIns="45720" rIns="91440" bIns="45720" numCol="1" spcCol="0" rtlCol="0" fromWordArt="0" anchor="ctr" anchorCtr="0" forceAA="0" compatLnSpc="1">
+            <a:prstTxWarp prst="textNoShape">
+              <a:avLst/>
+            </a:prstTxWarp>
+            <a:noAutofit/>
+          </a:bodyPr>
+          <a:lstStyle/>
+          <a:p>
+            <a:pPr algn="ctr"/>
+            <a:endParaRPr lang="en-GB"/>
+          </a:p>
+        </p:txBody>
+      </p:sp>
+      <p:sp>
+        <p:nvSpPr>
+          <p:cNvPr id="87" name="Rectangle 86">
+            <a:extLst>
+              <a:ext uri="{FF2B5EF4-FFF2-40B4-BE49-F238E27FC236}">
+                <a16:creationId xmlns:a16="http://schemas.microsoft.com/office/drawing/2014/main" id="{C22A9CF1-6D34-466C-AF71-009DE4D7CF81}"/>
+              </a:ext>
+            </a:extLst>
+          </p:cNvPr>
+          <p:cNvSpPr/>
+          <p:nvPr/>
+        </p:nvSpPr>
+        <p:spPr>
+          <a:xfrm rot="12611698">
+            <a:off x="7408093" y="2016608"/>
+            <a:ext cx="830169" cy="689732"/>
+          </a:xfrm>
+          <a:prstGeom prst="rect">
+            <a:avLst/>
+          </a:prstGeom>
+          <a:noFill/>
+        </p:spPr>
+        <p:txBody>
+          <a:bodyPr wrap="none" lIns="91440" tIns="45720" rIns="91440" bIns="45720">
+            <a:prstTxWarp prst="textCircle">
+              <a:avLst>
+                <a:gd name="adj" fmla="val 18785066"/>
+              </a:avLst>
+            </a:prstTxWarp>
+            <a:spAutoFit/>
+          </a:bodyPr>
+          <a:lstStyle/>
+          <a:p>
+            <a:pPr algn="ctr"/>
+            <a:r>
+              <a:rPr lang="en-US" sz="5400" b="0" cap="none" spc="0">
+                <a:ln w="0"/>
+                <a:solidFill>
+                  <a:schemeClr val="tx1"/>
+                </a:solidFill>
+                <a:effectLst>
+                  <a:outerShdw blurRad="38100" dist="19050" dir="2700000" algn="tl" rotWithShape="0">
+                    <a:schemeClr val="dk1">
+                      <a:alpha val="40000"/>
+                    </a:schemeClr>
+                  </a:outerShdw>
+                </a:effectLst>
+              </a:rPr>
+              <a:t>Share Custom Extract</a:t>
+            </a:r>
+          </a:p>
+        </p:txBody>
+      </p:sp>
+      <p:sp>
+        <p:nvSpPr>
+          <p:cNvPr id="88" name="Oval 87">
+            <a:extLst>
+              <a:ext uri="{FF2B5EF4-FFF2-40B4-BE49-F238E27FC236}">
+                <a16:creationId xmlns:a16="http://schemas.microsoft.com/office/drawing/2014/main" id="{16A41B62-4171-4897-9071-BA974734A965}"/>
+              </a:ext>
+            </a:extLst>
+          </p:cNvPr>
+          <p:cNvSpPr/>
+          <p:nvPr/>
+        </p:nvSpPr>
+        <p:spPr>
+          <a:xfrm>
+            <a:off x="6359401" y="-513381"/>
+            <a:ext cx="430139" cy="430139"/>
+          </a:xfrm>
+          <a:prstGeom prst="ellipse">
+            <a:avLst/>
+          </a:prstGeom>
+          <a:solidFill>
+            <a:schemeClr val="accent6"/>
+          </a:solidFill>
+          <a:ln>
+            <a:noFill/>
+          </a:ln>
+          <a:effectLst>
+            <a:outerShdw blurRad="44450" dist="27940" dir="5400000" algn="ctr">
+              <a:srgbClr val="000000">
+                <a:alpha val="32000"/>
+              </a:srgbClr>
+            </a:outerShdw>
+          </a:effectLst>
+          <a:scene3d>
+            <a:camera prst="orthographicFront">
+              <a:rot lat="0" lon="0" rev="0"/>
+            </a:camera>
+            <a:lightRig rig="balanced" dir="t">
+              <a:rot lat="0" lon="0" rev="8700000"/>
+            </a:lightRig>
+          </a:scene3d>
+          <a:sp3d>
+            <a:bevelT w="190500" h="38100"/>
+          </a:sp3d>
+        </p:spPr>
+        <p:style>
+          <a:lnRef idx="2">
+            <a:schemeClr val="accent1">
+              <a:shade val="50000"/>
+            </a:schemeClr>
+          </a:lnRef>
+          <a:fillRef idx="1">
+            <a:schemeClr val="accent1"/>
+          </a:fillRef>
+          <a:effectRef idx="0">
+            <a:schemeClr val="accent1"/>
+          </a:effectRef>
+          <a:fontRef idx="minor">
+            <a:schemeClr val="lt1"/>
+          </a:fontRef>
+        </p:style>
+        <p:txBody>
+          <a:bodyPr rot="0" spcFirstLastPara="0" vertOverflow="overflow" horzOverflow="overflow" vert="horz" wrap="square" lIns="91440" tIns="45720" rIns="91440" bIns="45720" numCol="1" spcCol="0" rtlCol="0" fromWordArt="0" anchor="ctr" anchorCtr="0" forceAA="0" compatLnSpc="1">
+            <a:prstTxWarp prst="textNoShape">
+              <a:avLst/>
+            </a:prstTxWarp>
+            <a:noAutofit/>
+          </a:bodyPr>
+          <a:lstStyle/>
+          <a:p>
+            <a:pPr algn="ctr"/>
+            <a:endParaRPr lang="en-GB"/>
+          </a:p>
+        </p:txBody>
+      </p:sp>
+      <p:sp>
+        <p:nvSpPr>
+          <p:cNvPr id="89" name="Rectangle 88">
+            <a:extLst>
+              <a:ext uri="{FF2B5EF4-FFF2-40B4-BE49-F238E27FC236}">
+                <a16:creationId xmlns:a16="http://schemas.microsoft.com/office/drawing/2014/main" id="{E732F90C-E914-4429-8121-6557E93F736A}"/>
+              </a:ext>
+            </a:extLst>
+          </p:cNvPr>
+          <p:cNvSpPr/>
+          <p:nvPr/>
+        </p:nvSpPr>
+        <p:spPr>
+          <a:xfrm rot="12611698">
+            <a:off x="6265712" y="-578694"/>
+            <a:ext cx="830169" cy="689732"/>
+          </a:xfrm>
+          <a:prstGeom prst="rect">
+            <a:avLst/>
+          </a:prstGeom>
+          <a:noFill/>
+        </p:spPr>
+        <p:txBody>
+          <a:bodyPr wrap="none" lIns="91440" tIns="45720" rIns="91440" bIns="45720">
+            <a:prstTxWarp prst="textCircle">
+              <a:avLst>
+                <a:gd name="adj" fmla="val 18785066"/>
+              </a:avLst>
+            </a:prstTxWarp>
+            <a:spAutoFit/>
+          </a:bodyPr>
+          <a:lstStyle/>
+          <a:p>
+            <a:pPr algn="ctr"/>
+            <a:r>
+              <a:rPr lang="en-US" sz="5400">
+                <a:ln w="0"/>
+                <a:effectLst>
+                  <a:outerShdw blurRad="38100" dist="19050" dir="2700000" algn="tl" rotWithShape="0">
+                    <a:schemeClr val="dk1">
+                      <a:alpha val="40000"/>
+                    </a:schemeClr>
+                  </a:outerShdw>
+                </a:effectLst>
+              </a:rPr>
+              <a:t>CHI Edris Proj</a:t>
+            </a:r>
+            <a:endParaRPr lang="en-US" sz="5400" b="0" cap="none" spc="0">
+              <a:ln w="0"/>
+              <a:solidFill>
+                <a:schemeClr val="tx1"/>
+              </a:solidFill>
+              <a:effectLst>
+                <a:outerShdw blurRad="38100" dist="19050" dir="2700000" algn="tl" rotWithShape="0">
+                  <a:schemeClr val="dk1">
+                    <a:alpha val="40000"/>
+                  </a:schemeClr>
+                </a:outerShdw>
+              </a:effectLst>
+            </a:endParaRPr>
+          </a:p>
+        </p:txBody>
+      </p:sp>
+      <p:sp>
+        <p:nvSpPr>
+          <p:cNvPr id="90" name="Oval 89">
+            <a:extLst>
+              <a:ext uri="{FF2B5EF4-FFF2-40B4-BE49-F238E27FC236}">
+                <a16:creationId xmlns:a16="http://schemas.microsoft.com/office/drawing/2014/main" id="{89D9C5AE-BADC-444F-BAF3-04C279CB1E9B}"/>
+              </a:ext>
+            </a:extLst>
+          </p:cNvPr>
+          <p:cNvSpPr/>
+          <p:nvPr/>
+        </p:nvSpPr>
+        <p:spPr>
+          <a:xfrm>
+            <a:off x="8107252" y="-728450"/>
+            <a:ext cx="430139" cy="430139"/>
+          </a:xfrm>
+          <a:prstGeom prst="ellipse">
+            <a:avLst/>
+          </a:prstGeom>
+          <a:solidFill>
+            <a:schemeClr val="accent6"/>
+          </a:solidFill>
+          <a:ln>
+            <a:noFill/>
+          </a:ln>
+          <a:effectLst>
+            <a:outerShdw blurRad="44450" dist="27940" dir="5400000" algn="ctr">
+              <a:srgbClr val="000000">
+                <a:alpha val="32000"/>
+              </a:srgbClr>
+            </a:outerShdw>
+          </a:effectLst>
+          <a:scene3d>
+            <a:camera prst="orthographicFront">
+              <a:rot lat="0" lon="0" rev="0"/>
+            </a:camera>
+            <a:lightRig rig="balanced" dir="t">
+              <a:rot lat="0" lon="0" rev="8700000"/>
+            </a:lightRig>
+          </a:scene3d>
+          <a:sp3d>
+            <a:bevelT w="190500" h="38100"/>
+          </a:sp3d>
+        </p:spPr>
+        <p:style>
+          <a:lnRef idx="2">
+            <a:schemeClr val="accent1">
+              <a:shade val="50000"/>
+            </a:schemeClr>
+          </a:lnRef>
+          <a:fillRef idx="1">
+            <a:schemeClr val="accent1"/>
+          </a:fillRef>
+          <a:effectRef idx="0">
+            <a:schemeClr val="accent1"/>
+          </a:effectRef>
+          <a:fontRef idx="minor">
+            <a:schemeClr val="lt1"/>
+          </a:fontRef>
+        </p:style>
+        <p:txBody>
+          <a:bodyPr rot="0" spcFirstLastPara="0" vertOverflow="overflow" horzOverflow="overflow" vert="horz" wrap="square" lIns="91440" tIns="45720" rIns="91440" bIns="45720" numCol="1" spcCol="0" rtlCol="0" fromWordArt="0" anchor="ctr" anchorCtr="0" forceAA="0" compatLnSpc="1">
+            <a:prstTxWarp prst="textNoShape">
+              <a:avLst/>
+            </a:prstTxWarp>
+            <a:noAutofit/>
+          </a:bodyPr>
+          <a:lstStyle/>
+          <a:p>
+            <a:pPr algn="ctr"/>
+            <a:endParaRPr lang="en-GB"/>
+          </a:p>
+        </p:txBody>
+      </p:sp>
+      <p:sp>
+        <p:nvSpPr>
+          <p:cNvPr id="91" name="Rectangle 90">
+            <a:extLst>
+              <a:ext uri="{FF2B5EF4-FFF2-40B4-BE49-F238E27FC236}">
+                <a16:creationId xmlns:a16="http://schemas.microsoft.com/office/drawing/2014/main" id="{F7EA0842-4C39-4E6B-9C46-3A5B09BAD73F}"/>
+              </a:ext>
+            </a:extLst>
+          </p:cNvPr>
+          <p:cNvSpPr/>
+          <p:nvPr/>
+        </p:nvSpPr>
+        <p:spPr>
+          <a:xfrm rot="12611698">
+            <a:off x="8013563" y="-793763"/>
+            <a:ext cx="830169" cy="689732"/>
+          </a:xfrm>
+          <a:prstGeom prst="rect">
+            <a:avLst/>
+          </a:prstGeom>
+          <a:noFill/>
+        </p:spPr>
+        <p:txBody>
+          <a:bodyPr wrap="none" lIns="91440" tIns="45720" rIns="91440" bIns="45720">
+            <a:prstTxWarp prst="textCircle">
+              <a:avLst>
+                <a:gd name="adj" fmla="val 18785066"/>
+              </a:avLst>
+            </a:prstTxWarp>
+            <a:spAutoFit/>
+          </a:bodyPr>
+          <a:lstStyle/>
+          <a:p>
+            <a:pPr algn="ctr"/>
+            <a:r>
+              <a:rPr lang="en-US" sz="5400">
+                <a:ln w="0"/>
+                <a:effectLst>
+                  <a:outerShdw blurRad="38100" dist="19050" dir="2700000" algn="tl" rotWithShape="0">
+                    <a:schemeClr val="dk1">
+                      <a:alpha val="40000"/>
+                    </a:schemeClr>
+                  </a:outerShdw>
+                </a:effectLst>
+              </a:rPr>
+              <a:t>Thenmalar</a:t>
+            </a:r>
+            <a:endParaRPr lang="en-US" sz="5400" b="0" cap="none" spc="0">
+              <a:ln w="0"/>
+              <a:solidFill>
+                <a:schemeClr val="tx1"/>
+              </a:solidFill>
+              <a:effectLst>
+                <a:outerShdw blurRad="38100" dist="19050" dir="2700000" algn="tl" rotWithShape="0">
+                  <a:schemeClr val="dk1">
+                    <a:alpha val="40000"/>
+                  </a:schemeClr>
+                </a:outerShdw>
+              </a:effectLst>
+            </a:endParaRPr>
+          </a:p>
+        </p:txBody>
+      </p:sp>
+      <p:sp>
+        <p:nvSpPr>
+          <p:cNvPr id="92" name="Oval 91">
+            <a:extLst>
+              <a:ext uri="{FF2B5EF4-FFF2-40B4-BE49-F238E27FC236}">
+                <a16:creationId xmlns:a16="http://schemas.microsoft.com/office/drawing/2014/main" id="{7EA73F3E-395F-4280-8DF3-D4C5102FE7DB}"/>
+              </a:ext>
+            </a:extLst>
+          </p:cNvPr>
+          <p:cNvSpPr/>
+          <p:nvPr/>
+        </p:nvSpPr>
+        <p:spPr>
+          <a:xfrm>
+            <a:off x="8543274" y="847528"/>
+            <a:ext cx="430139" cy="430139"/>
+          </a:xfrm>
+          <a:prstGeom prst="ellipse">
+            <a:avLst/>
+          </a:prstGeom>
+          <a:solidFill>
+            <a:schemeClr val="accent6"/>
+          </a:solidFill>
+          <a:ln>
+            <a:noFill/>
+          </a:ln>
+          <a:effectLst>
+            <a:outerShdw blurRad="44450" dist="27940" dir="5400000" algn="ctr">
+              <a:srgbClr val="000000">
+                <a:alpha val="32000"/>
+              </a:srgbClr>
+            </a:outerShdw>
+          </a:effectLst>
+          <a:scene3d>
+            <a:camera prst="orthographicFront">
+              <a:rot lat="0" lon="0" rev="0"/>
+            </a:camera>
+            <a:lightRig rig="balanced" dir="t">
+              <a:rot lat="0" lon="0" rev="8700000"/>
+            </a:lightRig>
+          </a:scene3d>
+          <a:sp3d>
+            <a:bevelT w="190500" h="38100"/>
+          </a:sp3d>
+        </p:spPr>
+        <p:style>
+          <a:lnRef idx="2">
+            <a:schemeClr val="accent1">
+              <a:shade val="50000"/>
+            </a:schemeClr>
+          </a:lnRef>
+          <a:fillRef idx="1">
+            <a:schemeClr val="accent1"/>
+          </a:fillRef>
+          <a:effectRef idx="0">
+            <a:schemeClr val="accent1"/>
+          </a:effectRef>
+          <a:fontRef idx="minor">
+            <a:schemeClr val="lt1"/>
+          </a:fontRef>
+        </p:style>
+        <p:txBody>
+          <a:bodyPr rot="0" spcFirstLastPara="0" vertOverflow="overflow" horzOverflow="overflow" vert="horz" wrap="square" lIns="91440" tIns="45720" rIns="91440" bIns="45720" numCol="1" spcCol="0" rtlCol="0" fromWordArt="0" anchor="ctr" anchorCtr="0" forceAA="0" compatLnSpc="1">
+            <a:prstTxWarp prst="textNoShape">
+              <a:avLst/>
+            </a:prstTxWarp>
+            <a:noAutofit/>
+          </a:bodyPr>
+          <a:lstStyle/>
+          <a:p>
+            <a:pPr algn="ctr"/>
+            <a:endParaRPr lang="en-GB"/>
+          </a:p>
+        </p:txBody>
+      </p:sp>
+      <p:sp>
+        <p:nvSpPr>
+          <p:cNvPr id="93" name="Rectangle 92">
+            <a:extLst>
+              <a:ext uri="{FF2B5EF4-FFF2-40B4-BE49-F238E27FC236}">
+                <a16:creationId xmlns:a16="http://schemas.microsoft.com/office/drawing/2014/main" id="{6A33F8F5-90C3-4D63-BA65-02BCD3D29EF5}"/>
+              </a:ext>
+            </a:extLst>
+          </p:cNvPr>
+          <p:cNvSpPr/>
+          <p:nvPr/>
+        </p:nvSpPr>
+        <p:spPr>
+          <a:xfrm rot="12611698">
+            <a:off x="8449584" y="782216"/>
+            <a:ext cx="830169" cy="689732"/>
+          </a:xfrm>
+          <a:prstGeom prst="rect">
+            <a:avLst/>
+          </a:prstGeom>
+          <a:noFill/>
+        </p:spPr>
+        <p:txBody>
+          <a:bodyPr wrap="none" lIns="91440" tIns="45720" rIns="91440" bIns="45720">
+            <a:prstTxWarp prst="textCircle">
+              <a:avLst>
+                <a:gd name="adj" fmla="val 18785066"/>
+              </a:avLst>
+            </a:prstTxWarp>
+            <a:spAutoFit/>
+          </a:bodyPr>
+          <a:lstStyle/>
+          <a:p>
+            <a:pPr algn="ctr"/>
+            <a:r>
+              <a:rPr lang="en-US" sz="5400">
+                <a:ln w="0"/>
+                <a:effectLst>
+                  <a:outerShdw blurRad="38100" dist="19050" dir="2700000" algn="tl" rotWithShape="0">
+                    <a:schemeClr val="dk1">
+                      <a:alpha val="40000"/>
+                    </a:schemeClr>
+                  </a:outerShdw>
+                </a:effectLst>
+              </a:rPr>
+              <a:t>ECLS Project</a:t>
+            </a:r>
+            <a:endParaRPr lang="en-US" sz="5400" b="0" cap="none" spc="0">
+              <a:ln w="0"/>
+              <a:solidFill>
+                <a:schemeClr val="tx1"/>
+              </a:solidFill>
+              <a:effectLst>
+                <a:outerShdw blurRad="38100" dist="19050" dir="2700000" algn="tl" rotWithShape="0">
+                  <a:schemeClr val="dk1">
+                    <a:alpha val="40000"/>
+                  </a:schemeClr>
+                </a:outerShdw>
+              </a:effectLst>
+            </a:endParaRPr>
+          </a:p>
+        </p:txBody>
+      </p:sp>
+      <p:sp>
+        <p:nvSpPr>
+          <p:cNvPr id="94" name="Oval 93">
+            <a:extLst>
+              <a:ext uri="{FF2B5EF4-FFF2-40B4-BE49-F238E27FC236}">
+                <a16:creationId xmlns:a16="http://schemas.microsoft.com/office/drawing/2014/main" id="{341F825E-B65B-4B7D-A24B-77526063ED59}"/>
+              </a:ext>
+            </a:extLst>
+          </p:cNvPr>
+          <p:cNvSpPr/>
+          <p:nvPr/>
+        </p:nvSpPr>
+        <p:spPr>
+          <a:xfrm>
+            <a:off x="8419222" y="2269399"/>
+            <a:ext cx="430139" cy="430139"/>
+          </a:xfrm>
+          <a:prstGeom prst="ellipse">
+            <a:avLst/>
+          </a:prstGeom>
+          <a:solidFill>
+            <a:schemeClr val="accent6"/>
+          </a:solidFill>
+          <a:ln>
+            <a:noFill/>
+          </a:ln>
+          <a:effectLst>
+            <a:outerShdw blurRad="44450" dist="27940" dir="5400000" algn="ctr">
+              <a:srgbClr val="000000">
+                <a:alpha val="32000"/>
+              </a:srgbClr>
+            </a:outerShdw>
+          </a:effectLst>
+          <a:scene3d>
+            <a:camera prst="orthographicFront">
+              <a:rot lat="0" lon="0" rev="0"/>
+            </a:camera>
+            <a:lightRig rig="balanced" dir="t">
+              <a:rot lat="0" lon="0" rev="8700000"/>
+            </a:lightRig>
+          </a:scene3d>
+          <a:sp3d>
+            <a:bevelT w="190500" h="38100"/>
+          </a:sp3d>
+        </p:spPr>
+        <p:style>
+          <a:lnRef idx="2">
+            <a:schemeClr val="accent1">
+              <a:shade val="50000"/>
+            </a:schemeClr>
+          </a:lnRef>
+          <a:fillRef idx="1">
+            <a:schemeClr val="accent1"/>
+          </a:fillRef>
+          <a:effectRef idx="0">
+            <a:schemeClr val="accent1"/>
+          </a:effectRef>
+          <a:fontRef idx="minor">
+            <a:schemeClr val="lt1"/>
+          </a:fontRef>
+        </p:style>
+        <p:txBody>
+          <a:bodyPr rot="0" spcFirstLastPara="0" vertOverflow="overflow" horzOverflow="overflow" vert="horz" wrap="square" lIns="91440" tIns="45720" rIns="91440" bIns="45720" numCol="1" spcCol="0" rtlCol="0" fromWordArt="0" anchor="ctr" anchorCtr="0" forceAA="0" compatLnSpc="1">
+            <a:prstTxWarp prst="textNoShape">
+              <a:avLst/>
+            </a:prstTxWarp>
+            <a:noAutofit/>
+          </a:bodyPr>
+          <a:lstStyle/>
+          <a:p>
+            <a:pPr algn="ctr"/>
+            <a:endParaRPr lang="en-GB"/>
+          </a:p>
+        </p:txBody>
+      </p:sp>
+      <p:sp>
+        <p:nvSpPr>
+          <p:cNvPr id="95" name="Rectangle 94">
+            <a:extLst>
+              <a:ext uri="{FF2B5EF4-FFF2-40B4-BE49-F238E27FC236}">
+                <a16:creationId xmlns:a16="http://schemas.microsoft.com/office/drawing/2014/main" id="{3FECC877-9F3B-4102-A81E-6ADE5D9B3C10}"/>
+              </a:ext>
+            </a:extLst>
+          </p:cNvPr>
+          <p:cNvSpPr/>
+          <p:nvPr/>
+        </p:nvSpPr>
+        <p:spPr>
+          <a:xfrm rot="12611698">
+            <a:off x="8325532" y="2204086"/>
+            <a:ext cx="830169" cy="689732"/>
+          </a:xfrm>
+          <a:prstGeom prst="rect">
+            <a:avLst/>
+          </a:prstGeom>
+          <a:noFill/>
+        </p:spPr>
+        <p:txBody>
+          <a:bodyPr wrap="none" lIns="91440" tIns="45720" rIns="91440" bIns="45720">
+            <a:prstTxWarp prst="textCircle">
+              <a:avLst>
+                <a:gd name="adj" fmla="val 18785066"/>
+              </a:avLst>
+            </a:prstTxWarp>
+            <a:spAutoFit/>
+          </a:bodyPr>
+          <a:lstStyle/>
+          <a:p>
+            <a:pPr algn="ctr"/>
+            <a:r>
+              <a:rPr lang="en-US" sz="5400">
+                <a:ln w="0"/>
+                <a:effectLst>
+                  <a:outerShdw blurRad="38100" dist="19050" dir="2700000" algn="tl" rotWithShape="0">
+                    <a:schemeClr val="dk1">
+                      <a:alpha val="40000"/>
+                    </a:schemeClr>
+                  </a:outerShdw>
+                </a:effectLst>
+              </a:rPr>
+              <a:t>Retinopathy Study</a:t>
+            </a:r>
+            <a:endParaRPr lang="en-US" sz="5400" b="0" cap="none" spc="0">
+              <a:ln w="0"/>
+              <a:solidFill>
+                <a:schemeClr val="tx1"/>
+              </a:solidFill>
+              <a:effectLst>
+                <a:outerShdw blurRad="38100" dist="19050" dir="2700000" algn="tl" rotWithShape="0">
+                  <a:schemeClr val="dk1">
+                    <a:alpha val="40000"/>
+                  </a:schemeClr>
+                </a:outerShdw>
+              </a:effectLst>
+            </a:endParaRPr>
+          </a:p>
+        </p:txBody>
+      </p:sp>
+      <p:sp>
+        <p:nvSpPr>
+          <p:cNvPr id="96" name="Oval 95">
+            <a:extLst>
+              <a:ext uri="{FF2B5EF4-FFF2-40B4-BE49-F238E27FC236}">
+                <a16:creationId xmlns:a16="http://schemas.microsoft.com/office/drawing/2014/main" id="{31B086C0-82B8-4300-B508-FBD64BA3C145}"/>
+              </a:ext>
+            </a:extLst>
+          </p:cNvPr>
+          <p:cNvSpPr/>
+          <p:nvPr/>
+        </p:nvSpPr>
+        <p:spPr>
+          <a:xfrm>
+            <a:off x="5630860" y="863420"/>
+            <a:ext cx="430139" cy="430139"/>
+          </a:xfrm>
+          <a:prstGeom prst="ellipse">
+            <a:avLst/>
+          </a:prstGeom>
+          <a:solidFill>
+            <a:schemeClr val="accent6"/>
+          </a:solidFill>
+          <a:ln>
+            <a:noFill/>
+          </a:ln>
+          <a:effectLst>
+            <a:outerShdw blurRad="44450" dist="27940" dir="5400000" algn="ctr">
+              <a:srgbClr val="000000">
+                <a:alpha val="32000"/>
+              </a:srgbClr>
+            </a:outerShdw>
+          </a:effectLst>
+          <a:scene3d>
+            <a:camera prst="orthographicFront">
+              <a:rot lat="0" lon="0" rev="0"/>
+            </a:camera>
+            <a:lightRig rig="balanced" dir="t">
+              <a:rot lat="0" lon="0" rev="8700000"/>
+            </a:lightRig>
+          </a:scene3d>
+          <a:sp3d>
+            <a:bevelT w="190500" h="38100"/>
+          </a:sp3d>
+        </p:spPr>
+        <p:style>
+          <a:lnRef idx="2">
+            <a:schemeClr val="accent1">
+              <a:shade val="50000"/>
+            </a:schemeClr>
+          </a:lnRef>
+          <a:fillRef idx="1">
+            <a:schemeClr val="accent1"/>
+          </a:fillRef>
+          <a:effectRef idx="0">
+            <a:schemeClr val="accent1"/>
+          </a:effectRef>
+          <a:fontRef idx="minor">
+            <a:schemeClr val="lt1"/>
+          </a:fontRef>
+        </p:style>
+        <p:txBody>
+          <a:bodyPr rot="0" spcFirstLastPara="0" vertOverflow="overflow" horzOverflow="overflow" vert="horz" wrap="square" lIns="91440" tIns="45720" rIns="91440" bIns="45720" numCol="1" spcCol="0" rtlCol="0" fromWordArt="0" anchor="ctr" anchorCtr="0" forceAA="0" compatLnSpc="1">
+            <a:prstTxWarp prst="textNoShape">
+              <a:avLst/>
+            </a:prstTxWarp>
+            <a:noAutofit/>
+          </a:bodyPr>
+          <a:lstStyle/>
+          <a:p>
+            <a:pPr algn="ctr"/>
+            <a:endParaRPr lang="en-GB"/>
+          </a:p>
+        </p:txBody>
+      </p:sp>
+      <p:sp>
+        <p:nvSpPr>
+          <p:cNvPr id="97" name="Rectangle 96">
+            <a:extLst>
+              <a:ext uri="{FF2B5EF4-FFF2-40B4-BE49-F238E27FC236}">
+                <a16:creationId xmlns:a16="http://schemas.microsoft.com/office/drawing/2014/main" id="{518F4188-DB8C-4078-988D-F892F9A932D9}"/>
+              </a:ext>
+            </a:extLst>
+          </p:cNvPr>
+          <p:cNvSpPr/>
+          <p:nvPr/>
+        </p:nvSpPr>
+        <p:spPr>
+          <a:xfrm rot="12611698">
+            <a:off x="5537171" y="798107"/>
+            <a:ext cx="830169" cy="689732"/>
+          </a:xfrm>
+          <a:prstGeom prst="rect">
+            <a:avLst/>
+          </a:prstGeom>
+          <a:noFill/>
+        </p:spPr>
+        <p:txBody>
+          <a:bodyPr wrap="none" lIns="91440" tIns="45720" rIns="91440" bIns="45720">
+            <a:prstTxWarp prst="textCircle">
+              <a:avLst>
+                <a:gd name="adj" fmla="val 18785066"/>
+              </a:avLst>
+            </a:prstTxWarp>
+            <a:spAutoFit/>
+          </a:bodyPr>
+          <a:lstStyle/>
+          <a:p>
+            <a:pPr algn="ctr"/>
+            <a:r>
+              <a:rPr lang="en-US" sz="5400">
+                <a:ln w="0"/>
+                <a:effectLst>
+                  <a:outerShdw blurRad="38100" dist="19050" dir="2700000" algn="tl" rotWithShape="0">
+                    <a:schemeClr val="dk1">
+                      <a:alpha val="40000"/>
+                    </a:schemeClr>
+                  </a:outerShdw>
+                </a:effectLst>
+              </a:rPr>
+              <a:t>Genomics Db</a:t>
+            </a:r>
+            <a:endParaRPr lang="en-US" sz="5400" b="0" cap="none" spc="0">
+              <a:ln w="0"/>
+              <a:solidFill>
+                <a:schemeClr val="tx1"/>
+              </a:solidFill>
+              <a:effectLst>
+                <a:outerShdw blurRad="38100" dist="19050" dir="2700000" algn="tl" rotWithShape="0">
+                  <a:schemeClr val="dk1">
+                    <a:alpha val="40000"/>
+                  </a:schemeClr>
+                </a:outerShdw>
+              </a:effectLst>
+            </a:endParaRPr>
+          </a:p>
+        </p:txBody>
+      </p:sp>
+      <p:sp>
+        <p:nvSpPr>
+          <p:cNvPr id="98" name="Oval 97">
+            <a:extLst>
+              <a:ext uri="{FF2B5EF4-FFF2-40B4-BE49-F238E27FC236}">
+                <a16:creationId xmlns:a16="http://schemas.microsoft.com/office/drawing/2014/main" id="{9E4685A9-EFF7-4515-AD55-58209AD91BDC}"/>
+              </a:ext>
+            </a:extLst>
+          </p:cNvPr>
+          <p:cNvSpPr/>
+          <p:nvPr/>
+        </p:nvSpPr>
+        <p:spPr>
+          <a:xfrm>
+            <a:off x="7140014" y="-61735"/>
+            <a:ext cx="430139" cy="430139"/>
+          </a:xfrm>
+          <a:prstGeom prst="ellipse">
+            <a:avLst/>
+          </a:prstGeom>
+          <a:solidFill>
+            <a:schemeClr val="accent6"/>
+          </a:solidFill>
+          <a:ln>
+            <a:noFill/>
+          </a:ln>
+          <a:effectLst>
+            <a:outerShdw blurRad="44450" dist="27940" dir="5400000" algn="ctr">
+              <a:srgbClr val="000000">
+                <a:alpha val="32000"/>
+              </a:srgbClr>
+            </a:outerShdw>
+          </a:effectLst>
+          <a:scene3d>
+            <a:camera prst="orthographicFront">
+              <a:rot lat="0" lon="0" rev="0"/>
+            </a:camera>
+            <a:lightRig rig="balanced" dir="t">
+              <a:rot lat="0" lon="0" rev="8700000"/>
+            </a:lightRig>
+          </a:scene3d>
+          <a:sp3d>
+            <a:bevelT w="190500" h="38100"/>
+          </a:sp3d>
+        </p:spPr>
+        <p:style>
+          <a:lnRef idx="2">
+            <a:schemeClr val="accent1">
+              <a:shade val="50000"/>
+            </a:schemeClr>
+          </a:lnRef>
+          <a:fillRef idx="1">
+            <a:schemeClr val="accent1"/>
+          </a:fillRef>
+          <a:effectRef idx="0">
+            <a:schemeClr val="accent1"/>
+          </a:effectRef>
+          <a:fontRef idx="minor">
+            <a:schemeClr val="lt1"/>
+          </a:fontRef>
+        </p:style>
+        <p:txBody>
+          <a:bodyPr rot="0" spcFirstLastPara="0" vertOverflow="overflow" horzOverflow="overflow" vert="horz" wrap="square" lIns="91440" tIns="45720" rIns="91440" bIns="45720" numCol="1" spcCol="0" rtlCol="0" fromWordArt="0" anchor="ctr" anchorCtr="0" forceAA="0" compatLnSpc="1">
+            <a:prstTxWarp prst="textNoShape">
+              <a:avLst/>
+            </a:prstTxWarp>
+            <a:noAutofit/>
+          </a:bodyPr>
+          <a:lstStyle/>
+          <a:p>
+            <a:pPr algn="ctr"/>
+            <a:endParaRPr lang="en-GB"/>
+          </a:p>
+        </p:txBody>
+      </p:sp>
+      <p:sp>
+        <p:nvSpPr>
+          <p:cNvPr id="99" name="Rectangle 98">
+            <a:extLst>
+              <a:ext uri="{FF2B5EF4-FFF2-40B4-BE49-F238E27FC236}">
+                <a16:creationId xmlns:a16="http://schemas.microsoft.com/office/drawing/2014/main" id="{93C24722-5173-4479-BCFF-C2788FF73FE3}"/>
+              </a:ext>
+            </a:extLst>
+          </p:cNvPr>
+          <p:cNvSpPr/>
+          <p:nvPr/>
+        </p:nvSpPr>
+        <p:spPr>
+          <a:xfrm rot="12611698">
+            <a:off x="7046325" y="-127048"/>
+            <a:ext cx="830169" cy="689732"/>
+          </a:xfrm>
+          <a:prstGeom prst="rect">
+            <a:avLst/>
+          </a:prstGeom>
+          <a:noFill/>
+        </p:spPr>
+        <p:txBody>
+          <a:bodyPr wrap="none" lIns="91440" tIns="45720" rIns="91440" bIns="45720">
+            <a:prstTxWarp prst="textCircle">
+              <a:avLst>
+                <a:gd name="adj" fmla="val 18785066"/>
+              </a:avLst>
+            </a:prstTxWarp>
+            <a:spAutoFit/>
+          </a:bodyPr>
+          <a:lstStyle/>
+          <a:p>
+            <a:pPr algn="ctr"/>
+            <a:r>
+              <a:rPr lang="en-US" sz="5400">
+                <a:ln w="0"/>
+                <a:effectLst>
+                  <a:outerShdw blurRad="38100" dist="19050" dir="2700000" algn="tl" rotWithShape="0">
+                    <a:schemeClr val="dk1">
+                      <a:alpha val="40000"/>
+                    </a:schemeClr>
+                  </a:outerShdw>
+                </a:effectLst>
+              </a:rPr>
+              <a:t>DQUIP 2017</a:t>
+            </a:r>
+            <a:endParaRPr lang="en-US" sz="5400" b="0" cap="none" spc="0">
+              <a:ln w="0"/>
+              <a:solidFill>
+                <a:schemeClr val="tx1"/>
+              </a:solidFill>
+              <a:effectLst>
+                <a:outerShdw blurRad="38100" dist="19050" dir="2700000" algn="tl" rotWithShape="0">
+                  <a:schemeClr val="dk1">
+                    <a:alpha val="40000"/>
+                  </a:schemeClr>
+                </a:outerShdw>
+              </a:effectLst>
+            </a:endParaRPr>
+          </a:p>
+        </p:txBody>
+      </p:sp>
+      <p:sp>
+        <p:nvSpPr>
+          <p:cNvPr id="2" name="Arc 1">
+            <a:extLst>
+              <a:ext uri="{FF2B5EF4-FFF2-40B4-BE49-F238E27FC236}">
+                <a16:creationId xmlns:a16="http://schemas.microsoft.com/office/drawing/2014/main" id="{6C74780D-18C1-4E21-846D-F9669D2F5FBC}"/>
+              </a:ext>
+            </a:extLst>
+          </p:cNvPr>
+          <p:cNvSpPr/>
+          <p:nvPr/>
+        </p:nvSpPr>
+        <p:spPr>
+          <a:xfrm>
+            <a:off x="3578967" y="2833099"/>
+            <a:ext cx="1682537" cy="2381504"/>
+          </a:xfrm>
+          <a:prstGeom prst="arc">
+            <a:avLst>
+              <a:gd name="adj1" fmla="val 16194448"/>
+              <a:gd name="adj2" fmla="val 0"/>
+            </a:avLst>
+          </a:prstGeom>
+          <a:ln>
+            <a:tailEnd type="triangle"/>
+          </a:ln>
+        </p:spPr>
+        <p:style>
+          <a:lnRef idx="3">
+            <a:schemeClr val="accent1"/>
+          </a:lnRef>
+          <a:fillRef idx="0">
+            <a:schemeClr val="accent1"/>
+          </a:fillRef>
+          <a:effectRef idx="2">
+            <a:schemeClr val="accent1"/>
+          </a:effectRef>
+          <a:fontRef idx="minor">
+            <a:schemeClr val="tx1"/>
+          </a:fontRef>
+        </p:style>
+        <p:txBody>
+          <a:bodyPr rtlCol="0" anchor="ctr"/>
+          <a:lstStyle/>
+          <a:p>
+            <a:pPr algn="ctr"/>
+            <a:endParaRPr lang="en-GB"/>
+          </a:p>
+        </p:txBody>
+      </p:sp>
+      <p:sp>
+        <p:nvSpPr>
+          <p:cNvPr id="100" name="Arc 99">
+            <a:extLst>
+              <a:ext uri="{FF2B5EF4-FFF2-40B4-BE49-F238E27FC236}">
+                <a16:creationId xmlns:a16="http://schemas.microsoft.com/office/drawing/2014/main" id="{957F9A6C-41A5-4B96-B269-1C7118626C9C}"/>
+              </a:ext>
+            </a:extLst>
+          </p:cNvPr>
+          <p:cNvSpPr/>
+          <p:nvPr/>
+        </p:nvSpPr>
+        <p:spPr>
+          <a:xfrm flipV="1">
+            <a:off x="3126059" y="-14584"/>
+            <a:ext cx="2683694" cy="2660730"/>
+          </a:xfrm>
+          <a:prstGeom prst="arc">
+            <a:avLst>
+              <a:gd name="adj1" fmla="val 16114825"/>
+              <a:gd name="adj2" fmla="val 0"/>
+            </a:avLst>
+          </a:prstGeom>
+          <a:ln>
+            <a:tailEnd type="triangle"/>
+          </a:ln>
+        </p:spPr>
+        <p:style>
+          <a:lnRef idx="3">
+            <a:schemeClr val="accent1"/>
+          </a:lnRef>
+          <a:fillRef idx="0">
+            <a:schemeClr val="accent1"/>
+          </a:fillRef>
+          <a:effectRef idx="2">
+            <a:schemeClr val="accent1"/>
+          </a:effectRef>
+          <a:fontRef idx="minor">
+            <a:schemeClr val="tx1"/>
+          </a:fontRef>
+        </p:style>
+        <p:txBody>
+          <a:bodyPr rtlCol="0" anchor="ctr"/>
+          <a:lstStyle/>
+          <a:p>
+            <a:pPr algn="ctr"/>
+            <a:endParaRPr lang="en-GB"/>
+          </a:p>
+        </p:txBody>
+      </p:sp>
+      <p:sp>
+        <p:nvSpPr>
+          <p:cNvPr id="101" name="Arc 100">
+            <a:extLst>
+              <a:ext uri="{FF2B5EF4-FFF2-40B4-BE49-F238E27FC236}">
+                <a16:creationId xmlns:a16="http://schemas.microsoft.com/office/drawing/2014/main" id="{EC3B30C3-1319-4C51-9E2D-4A5207A5D50C}"/>
+              </a:ext>
+            </a:extLst>
+          </p:cNvPr>
+          <p:cNvSpPr/>
+          <p:nvPr/>
+        </p:nvSpPr>
+        <p:spPr>
+          <a:xfrm>
+            <a:off x="2316568" y="2771447"/>
+            <a:ext cx="3906778" cy="3531580"/>
+          </a:xfrm>
+          <a:prstGeom prst="arc">
+            <a:avLst>
+              <a:gd name="adj1" fmla="val 16513970"/>
+              <a:gd name="adj2" fmla="val 0"/>
+            </a:avLst>
+          </a:prstGeom>
+          <a:ln>
+            <a:tailEnd type="triangle"/>
+          </a:ln>
+        </p:spPr>
+        <p:style>
+          <a:lnRef idx="3">
+            <a:schemeClr val="accent1"/>
+          </a:lnRef>
+          <a:fillRef idx="0">
+            <a:schemeClr val="accent1"/>
+          </a:fillRef>
+          <a:effectRef idx="2">
+            <a:schemeClr val="accent1"/>
+          </a:effectRef>
+          <a:fontRef idx="minor">
+            <a:schemeClr val="tx1"/>
+          </a:fontRef>
+        </p:style>
+        <p:txBody>
+          <a:bodyPr rtlCol="0" anchor="ctr"/>
+          <a:lstStyle/>
+          <a:p>
+            <a:pPr algn="ctr"/>
+            <a:endParaRPr lang="en-GB"/>
+          </a:p>
+        </p:txBody>
+      </p:sp>
+      <p:sp>
+        <p:nvSpPr>
+          <p:cNvPr id="102" name="Arc 101">
+            <a:extLst>
+              <a:ext uri="{FF2B5EF4-FFF2-40B4-BE49-F238E27FC236}">
+                <a16:creationId xmlns:a16="http://schemas.microsoft.com/office/drawing/2014/main" id="{491994E8-91AF-4753-A243-E6C926D8B404}"/>
+              </a:ext>
+            </a:extLst>
+          </p:cNvPr>
+          <p:cNvSpPr/>
+          <p:nvPr/>
+        </p:nvSpPr>
+        <p:spPr>
+          <a:xfrm flipV="1">
+            <a:off x="648950" y="35233"/>
+            <a:ext cx="8029794" cy="2682162"/>
+          </a:xfrm>
+          <a:prstGeom prst="arc">
+            <a:avLst>
+              <a:gd name="adj1" fmla="val 15570728"/>
+              <a:gd name="adj2" fmla="val 0"/>
+            </a:avLst>
+          </a:prstGeom>
+          <a:ln>
+            <a:tailEnd type="triangle"/>
+          </a:ln>
+        </p:spPr>
+        <p:style>
+          <a:lnRef idx="3">
+            <a:schemeClr val="accent1"/>
+          </a:lnRef>
+          <a:fillRef idx="0">
+            <a:schemeClr val="accent1"/>
+          </a:fillRef>
+          <a:effectRef idx="2">
+            <a:schemeClr val="accent1"/>
+          </a:effectRef>
+          <a:fontRef idx="minor">
+            <a:schemeClr val="tx1"/>
+          </a:fontRef>
+        </p:style>
+        <p:txBody>
+          <a:bodyPr rtlCol="0" anchor="ctr"/>
+          <a:lstStyle/>
+          <a:p>
+            <a:pPr algn="ctr"/>
+            <a:endParaRPr lang="en-GB"/>
+          </a:p>
+        </p:txBody>
+      </p:sp>
+    </p:spTree>
+    <p:extLst>
+      <p:ext uri="{BB962C8B-B14F-4D97-AF65-F5344CB8AC3E}">
+        <p14:creationId xmlns:p14="http://schemas.microsoft.com/office/powerpoint/2010/main" val="3318774624"/>
+      </p:ext>
+    </p:extLst>
+  </p:cSld>
+  <p:clrMapOvr>
+    <a:masterClrMapping/>
+  </p:clrMapOvr>
+  <p:timing>
+    <p:tnLst>
+      <p:par>
+        <p:cTn id="1" dur="indefinite" restart="never" nodeType="tmRoot">
+          <p:childTnLst>
+            <p:seq concurrent="1" nextAc="seek">
+              <p:cTn id="2" dur="indefinite" nodeType="mainSeq">
+                <p:childTnLst>
+                  <p:par>
+                    <p:cTn id="3" fill="hold">
+                      <p:stCondLst>
+                        <p:cond delay="indefinite"/>
+                        <p:cond evt="onBegin" delay="0">
+                          <p:tn val="2"/>
+                        </p:cond>
+                      </p:stCondLst>
+                      <p:childTnLst>
+                        <p:par>
+                          <p:cTn id="4" fill="hold">
+                            <p:stCondLst>
+                              <p:cond delay="0"/>
+                            </p:stCondLst>
+                            <p:childTnLst>
+                              <p:par>
+                                <p:cTn id="5" presetID="26" presetClass="emph" presetSubtype="0" repeatCount="indefinite" fill="hold" nodeType="withEffect">
+                                  <p:stCondLst>
+                                    <p:cond delay="0"/>
+                                  </p:stCondLst>
+                                  <p:endCondLst>
+                                    <p:cond evt="onNext" delay="0">
+                                      <p:tgtEl>
+                                        <p:sldTgt/>
+                                      </p:tgtEl>
+                                    </p:cond>
+                                  </p:endCondLst>
+                                  <p:childTnLst>
+                                    <p:animEffect transition="out" filter="fade">
+                                      <p:cBhvr>
+                                        <p:cTn id="6" dur="500" tmFilter="0, 0; .2, .5; .8, .5; 1, 0"/>
+                                        <p:tgtEl>
+                                          <p:spTgt spid="14"/>
+                                        </p:tgtEl>
+                                      </p:cBhvr>
+                                    </p:animEffect>
+                                    <p:animScale>
+                                      <p:cBhvr>
+                                        <p:cTn id="7" dur="250" autoRev="1" fill="hold"/>
+                                        <p:tgtEl>
+                                          <p:spTgt spid="14"/>
+                                        </p:tgtEl>
+                                      </p:cBhvr>
+                                      <p:by x="105000" y="105000"/>
+                                    </p:animScale>
+                                  </p:childTnLst>
+                                </p:cTn>
+                              </p:par>
+                              <p:par>
+                                <p:cTn id="8" presetID="26" presetClass="emph" presetSubtype="0" repeatCount="indefinite" fill="hold" nodeType="withEffect">
+                                  <p:stCondLst>
+                                    <p:cond delay="0"/>
+                                  </p:stCondLst>
+                                  <p:endCondLst>
+                                    <p:cond evt="onNext" delay="0">
+                                      <p:tgtEl>
+                                        <p:sldTgt/>
+                                      </p:tgtEl>
+                                    </p:cond>
+                                  </p:endCondLst>
+                                  <p:childTnLst>
+                                    <p:animEffect transition="out" filter="fade">
+                                      <p:cBhvr>
+                                        <p:cTn id="9" dur="500" tmFilter="0, 0; .2, .5; .8, .5; 1, 0"/>
+                                        <p:tgtEl>
+                                          <p:spTgt spid="10"/>
+                                        </p:tgtEl>
+                                      </p:cBhvr>
+                                    </p:animEffect>
+                                    <p:animScale>
+                                      <p:cBhvr>
+                                        <p:cTn id="10" dur="250" autoRev="1" fill="hold"/>
+                                        <p:tgtEl>
+                                          <p:spTgt spid="10"/>
+                                        </p:tgtEl>
+                                      </p:cBhvr>
+                                      <p:by x="105000" y="105000"/>
+                                    </p:animScale>
+                                  </p:childTnLst>
+                                </p:cTn>
+                              </p:par>
+                              <p:par>
+                                <p:cTn id="11" presetID="26" presetClass="emph" presetSubtype="0" repeatCount="indefinite" fill="hold" grpId="0" nodeType="withEffect">
+                                  <p:stCondLst>
+                                    <p:cond delay="0"/>
+                                  </p:stCondLst>
+                                  <p:endCondLst>
+                                    <p:cond evt="onNext" delay="0">
+                                      <p:tgtEl>
+                                        <p:sldTgt/>
+                                      </p:tgtEl>
+                                    </p:cond>
+                                  </p:endCondLst>
+                                  <p:childTnLst>
+                                    <p:animEffect transition="out" filter="fade">
+                                      <p:cBhvr>
+                                        <p:cTn id="12" dur="500" tmFilter="0, 0; .2, .5; .8, .5; 1, 0"/>
+                                        <p:tgtEl>
+                                          <p:spTgt spid="96"/>
+                                        </p:tgtEl>
+                                      </p:cBhvr>
+                                    </p:animEffect>
+                                    <p:animScale>
+                                      <p:cBhvr>
+                                        <p:cTn id="13" dur="250" autoRev="1" fill="hold"/>
+                                        <p:tgtEl>
+                                          <p:spTgt spid="96"/>
+                                        </p:tgtEl>
+                                      </p:cBhvr>
+                                      <p:by x="105000" y="105000"/>
+                                    </p:animScale>
+                                  </p:childTnLst>
+                                </p:cTn>
+                              </p:par>
+                              <p:par>
+                                <p:cTn id="14" presetID="26" presetClass="emph" presetSubtype="0" repeatCount="indefinite" fill="hold" nodeType="withEffect">
+                                  <p:stCondLst>
+                                    <p:cond delay="0"/>
+                                  </p:stCondLst>
+                                  <p:endCondLst>
+                                    <p:cond evt="onNext" delay="0">
+                                      <p:tgtEl>
+                                        <p:sldTgt/>
+                                      </p:tgtEl>
+                                    </p:cond>
+                                  </p:endCondLst>
+                                  <p:childTnLst>
+                                    <p:animEffect transition="out" filter="fade">
+                                      <p:cBhvr>
+                                        <p:cTn id="15" dur="500" tmFilter="0, 0; .2, .5; .8, .5; 1, 0"/>
+                                        <p:tgtEl>
+                                          <p:spTgt spid="43"/>
+                                        </p:tgtEl>
+                                      </p:cBhvr>
+                                    </p:animEffect>
+                                    <p:animScale>
+                                      <p:cBhvr>
+                                        <p:cTn id="16" dur="250" autoRev="1" fill="hold"/>
+                                        <p:tgtEl>
+                                          <p:spTgt spid="43"/>
+                                        </p:tgtEl>
+                                      </p:cBhvr>
+                                      <p:by x="105000" y="105000"/>
+                                    </p:animScale>
+                                  </p:childTnLst>
+                                </p:cTn>
+                              </p:par>
+                              <p:par>
+                                <p:cTn id="17" presetID="26" presetClass="emph" presetSubtype="0" repeatCount="indefinite" fill="hold" nodeType="withEffect">
+                                  <p:stCondLst>
+                                    <p:cond delay="0"/>
+                                  </p:stCondLst>
+                                  <p:endCondLst>
+                                    <p:cond evt="onNext" delay="0">
+                                      <p:tgtEl>
+                                        <p:sldTgt/>
+                                      </p:tgtEl>
+                                    </p:cond>
+                                  </p:endCondLst>
+                                  <p:childTnLst>
+                                    <p:animEffect transition="out" filter="fade">
+                                      <p:cBhvr>
+                                        <p:cTn id="18" dur="500" tmFilter="0, 0; .2, .5; .8, .5; 1, 0"/>
+                                        <p:tgtEl>
+                                          <p:spTgt spid="44"/>
+                                        </p:tgtEl>
+                                      </p:cBhvr>
+                                    </p:animEffect>
+                                    <p:animScale>
+                                      <p:cBhvr>
+                                        <p:cTn id="19" dur="250" autoRev="1" fill="hold"/>
+                                        <p:tgtEl>
+                                          <p:spTgt spid="44"/>
+                                        </p:tgtEl>
+                                      </p:cBhvr>
+                                      <p:by x="105000" y="105000"/>
+                                    </p:animScale>
+                                  </p:childTnLst>
+                                </p:cTn>
+                              </p:par>
+                              <p:par>
+                                <p:cTn id="20" presetID="26" presetClass="emph" presetSubtype="0" repeatCount="indefinite" fill="hold" nodeType="withEffect">
+                                  <p:stCondLst>
+                                    <p:cond delay="0"/>
+                                  </p:stCondLst>
+                                  <p:endCondLst>
+                                    <p:cond evt="onNext" delay="0">
+                                      <p:tgtEl>
+                                        <p:sldTgt/>
+                                      </p:tgtEl>
+                                    </p:cond>
+                                  </p:endCondLst>
+                                  <p:childTnLst>
+                                    <p:animEffect transition="out" filter="fade">
+                                      <p:cBhvr>
+                                        <p:cTn id="21" dur="500" tmFilter="0, 0; .2, .5; .8, .5; 1, 0"/>
+                                        <p:tgtEl>
+                                          <p:spTgt spid="68"/>
+                                        </p:tgtEl>
+                                      </p:cBhvr>
+                                    </p:animEffect>
+                                    <p:animScale>
+                                      <p:cBhvr>
+                                        <p:cTn id="22" dur="250" autoRev="1" fill="hold"/>
+                                        <p:tgtEl>
+                                          <p:spTgt spid="68"/>
+                                        </p:tgtEl>
+                                      </p:cBhvr>
+                                      <p:by x="105000" y="105000"/>
+                                    </p:animScale>
+                                  </p:childTnLst>
+                                </p:cTn>
+                              </p:par>
+                              <p:par>
+                                <p:cTn id="23" presetID="26" presetClass="emph" presetSubtype="0" repeatCount="indefinite" fill="hold" nodeType="withEffect">
+                                  <p:stCondLst>
+                                    <p:cond delay="0"/>
+                                  </p:stCondLst>
+                                  <p:endCondLst>
+                                    <p:cond evt="onNext" delay="0">
+                                      <p:tgtEl>
+                                        <p:sldTgt/>
+                                      </p:tgtEl>
+                                    </p:cond>
+                                  </p:endCondLst>
+                                  <p:childTnLst>
+                                    <p:animEffect transition="out" filter="fade">
+                                      <p:cBhvr>
+                                        <p:cTn id="24" dur="500" tmFilter="0, 0; .2, .5; .8, .5; 1, 0"/>
+                                        <p:tgtEl>
+                                          <p:spTgt spid="86"/>
+                                        </p:tgtEl>
+                                      </p:cBhvr>
+                                    </p:animEffect>
+                                    <p:animScale>
+                                      <p:cBhvr>
+                                        <p:cTn id="25" dur="250" autoRev="1" fill="hold"/>
+                                        <p:tgtEl>
+                                          <p:spTgt spid="86"/>
+                                        </p:tgtEl>
+                                      </p:cBhvr>
+                                      <p:by x="105000" y="105000"/>
+                                    </p:animScale>
+                                  </p:childTnLst>
+                                </p:cTn>
+                              </p:par>
+                              <p:par>
+                                <p:cTn id="26" presetID="26" presetClass="emph" presetSubtype="0" repeatCount="indefinite" fill="hold" nodeType="withEffect">
+                                  <p:stCondLst>
+                                    <p:cond delay="0"/>
+                                  </p:stCondLst>
+                                  <p:endCondLst>
+                                    <p:cond evt="onNext" delay="0">
+                                      <p:tgtEl>
+                                        <p:sldTgt/>
+                                      </p:tgtEl>
+                                    </p:cond>
+                                  </p:endCondLst>
+                                  <p:childTnLst>
+                                    <p:animEffect transition="out" filter="fade">
+                                      <p:cBhvr>
+                                        <p:cTn id="27" dur="500" tmFilter="0, 0; .2, .5; .8, .5; 1, 0"/>
+                                        <p:tgtEl>
+                                          <p:spTgt spid="92"/>
+                                        </p:tgtEl>
+                                      </p:cBhvr>
+                                    </p:animEffect>
+                                    <p:animScale>
+                                      <p:cBhvr>
+                                        <p:cTn id="28" dur="250" autoRev="1" fill="hold"/>
+                                        <p:tgtEl>
+                                          <p:spTgt spid="92"/>
+                                        </p:tgtEl>
+                                      </p:cBhvr>
+                                      <p:by x="105000" y="105000"/>
+                                    </p:animScale>
+                                  </p:childTnLst>
+                                </p:cTn>
+                              </p:par>
+                              <p:par>
+                                <p:cTn id="29" presetID="26" presetClass="emph" presetSubtype="0" repeatCount="indefinite" fill="hold" nodeType="withEffect">
+                                  <p:stCondLst>
+                                    <p:cond delay="0"/>
+                                  </p:stCondLst>
+                                  <p:endCondLst>
+                                    <p:cond evt="onNext" delay="0">
+                                      <p:tgtEl>
+                                        <p:sldTgt/>
+                                      </p:tgtEl>
+                                    </p:cond>
+                                  </p:endCondLst>
+                                  <p:childTnLst>
+                                    <p:animEffect transition="out" filter="fade">
+                                      <p:cBhvr>
+                                        <p:cTn id="30" dur="500" tmFilter="0, 0; .2, .5; .8, .5; 1, 0"/>
+                                        <p:tgtEl>
+                                          <p:spTgt spid="93"/>
+                                        </p:tgtEl>
+                                      </p:cBhvr>
+                                    </p:animEffect>
+                                    <p:animScale>
+                                      <p:cBhvr>
+                                        <p:cTn id="31" dur="250" autoRev="1" fill="hold"/>
+                                        <p:tgtEl>
+                                          <p:spTgt spid="93"/>
+                                        </p:tgtEl>
+                                      </p:cBhvr>
+                                      <p:by x="105000" y="105000"/>
+                                    </p:animScale>
+                                  </p:childTnLst>
+                                </p:cTn>
+                              </p:par>
+                              <p:par>
+                                <p:cTn id="32" presetID="26" presetClass="emph" presetSubtype="0" repeatCount="indefinite" fill="hold" nodeType="withEffect">
+                                  <p:stCondLst>
+                                    <p:cond delay="0"/>
+                                  </p:stCondLst>
+                                  <p:endCondLst>
+                                    <p:cond evt="onNext" delay="0">
+                                      <p:tgtEl>
+                                        <p:sldTgt/>
+                                      </p:tgtEl>
+                                    </p:cond>
+                                  </p:endCondLst>
+                                  <p:childTnLst>
+                                    <p:animEffect transition="out" filter="fade">
+                                      <p:cBhvr>
+                                        <p:cTn id="33" dur="500" tmFilter="0, 0; .2, .5; .8, .5; 1, 0"/>
+                                        <p:tgtEl>
+                                          <p:spTgt spid="94"/>
+                                        </p:tgtEl>
+                                      </p:cBhvr>
+                                    </p:animEffect>
+                                    <p:animScale>
+                                      <p:cBhvr>
+                                        <p:cTn id="34" dur="250" autoRev="1" fill="hold"/>
+                                        <p:tgtEl>
+                                          <p:spTgt spid="94"/>
+                                        </p:tgtEl>
+                                      </p:cBhvr>
+                                      <p:by x="105000" y="105000"/>
+                                    </p:animScale>
+                                  </p:childTnLst>
+                                </p:cTn>
+                              </p:par>
+                              <p:par>
+                                <p:cTn id="35" presetID="26" presetClass="emph" presetSubtype="0" repeatCount="indefinite" fill="hold" nodeType="withEffect">
+                                  <p:stCondLst>
+                                    <p:cond delay="0"/>
+                                  </p:stCondLst>
+                                  <p:endCondLst>
+                                    <p:cond evt="onNext" delay="0">
+                                      <p:tgtEl>
+                                        <p:sldTgt/>
+                                      </p:tgtEl>
+                                    </p:cond>
+                                  </p:endCondLst>
+                                  <p:childTnLst>
+                                    <p:animEffect transition="out" filter="fade">
+                                      <p:cBhvr>
+                                        <p:cTn id="36" dur="500" tmFilter="0, 0; .2, .5; .8, .5; 1, 0"/>
+                                        <p:tgtEl>
+                                          <p:spTgt spid="56"/>
+                                        </p:tgtEl>
+                                      </p:cBhvr>
+                                    </p:animEffect>
+                                    <p:animScale>
+                                      <p:cBhvr>
+                                        <p:cTn id="37" dur="250" autoRev="1" fill="hold"/>
+                                        <p:tgtEl>
+                                          <p:spTgt spid="56"/>
+                                        </p:tgtEl>
+                                      </p:cBhvr>
+                                      <p:by x="105000" y="105000"/>
+                                    </p:animScale>
+                                  </p:childTnLst>
+                                </p:cTn>
+                              </p:par>
+                              <p:par>
+                                <p:cTn id="38" presetID="26" presetClass="emph" presetSubtype="0" repeatCount="indefinite" fill="hold" nodeType="withEffect">
+                                  <p:stCondLst>
+                                    <p:cond delay="0"/>
+                                  </p:stCondLst>
+                                  <p:endCondLst>
+                                    <p:cond evt="onNext" delay="0">
+                                      <p:tgtEl>
+                                        <p:sldTgt/>
+                                      </p:tgtEl>
+                                    </p:cond>
+                                  </p:endCondLst>
+                                  <p:childTnLst>
+                                    <p:animEffect transition="out" filter="fade">
+                                      <p:cBhvr>
+                                        <p:cTn id="39" dur="500" tmFilter="0, 0; .2, .5; .8, .5; 1, 0"/>
+                                        <p:tgtEl>
+                                          <p:spTgt spid="69"/>
+                                        </p:tgtEl>
+                                      </p:cBhvr>
+                                    </p:animEffect>
+                                    <p:animScale>
+                                      <p:cBhvr>
+                                        <p:cTn id="40" dur="250" autoRev="1" fill="hold"/>
+                                        <p:tgtEl>
+                                          <p:spTgt spid="69"/>
+                                        </p:tgtEl>
+                                      </p:cBhvr>
+                                      <p:by x="105000" y="105000"/>
+                                    </p:animScale>
+                                  </p:childTnLst>
+                                </p:cTn>
+                              </p:par>
+                              <p:par>
+                                <p:cTn id="41" presetID="26" presetClass="emph" presetSubtype="0" repeatCount="indefinite" fill="hold" nodeType="withEffect">
+                                  <p:stCondLst>
+                                    <p:cond delay="0"/>
+                                  </p:stCondLst>
+                                  <p:endCondLst>
+                                    <p:cond evt="onNext" delay="0">
+                                      <p:tgtEl>
+                                        <p:sldTgt/>
+                                      </p:tgtEl>
+                                    </p:cond>
+                                  </p:endCondLst>
+                                  <p:childTnLst>
+                                    <p:animEffect transition="out" filter="fade">
+                                      <p:cBhvr>
+                                        <p:cTn id="42" dur="500" tmFilter="0, 0; .2, .5; .8, .5; 1, 0"/>
+                                        <p:tgtEl>
+                                          <p:spTgt spid="16"/>
+                                        </p:tgtEl>
+                                      </p:cBhvr>
+                                    </p:animEffect>
+                                    <p:animScale>
+                                      <p:cBhvr>
+                                        <p:cTn id="43" dur="250" autoRev="1" fill="hold"/>
+                                        <p:tgtEl>
+                                          <p:spTgt spid="16"/>
+                                        </p:tgtEl>
+                                      </p:cBhvr>
+                                      <p:by x="105000" y="105000"/>
+                                    </p:animScale>
+                                  </p:childTnLst>
+                                </p:cTn>
+                              </p:par>
+                              <p:par>
+                                <p:cTn id="44" presetID="26" presetClass="emph" presetSubtype="0" repeatCount="indefinite" fill="hold" nodeType="withEffect">
+                                  <p:stCondLst>
+                                    <p:cond delay="0"/>
+                                  </p:stCondLst>
+                                  <p:endCondLst>
+                                    <p:cond evt="onNext" delay="0">
+                                      <p:tgtEl>
+                                        <p:sldTgt/>
+                                      </p:tgtEl>
+                                    </p:cond>
+                                  </p:endCondLst>
+                                  <p:childTnLst>
+                                    <p:animEffect transition="out" filter="fade">
+                                      <p:cBhvr>
+                                        <p:cTn id="45" dur="500" tmFilter="0, 0; .2, .5; .8, .5; 1, 0"/>
+                                        <p:tgtEl>
+                                          <p:spTgt spid="35"/>
+                                        </p:tgtEl>
+                                      </p:cBhvr>
+                                    </p:animEffect>
+                                    <p:animScale>
+                                      <p:cBhvr>
+                                        <p:cTn id="46" dur="250" autoRev="1" fill="hold"/>
+                                        <p:tgtEl>
+                                          <p:spTgt spid="35"/>
+                                        </p:tgtEl>
+                                      </p:cBhvr>
+                                      <p:by x="105000" y="105000"/>
+                                    </p:animScale>
+                                  </p:childTnLst>
+                                </p:cTn>
+                              </p:par>
+                              <p:par>
+                                <p:cTn id="47" presetID="26" presetClass="emph" presetSubtype="0" repeatCount="indefinite" fill="hold" nodeType="withEffect">
+                                  <p:stCondLst>
+                                    <p:cond delay="0"/>
+                                  </p:stCondLst>
+                                  <p:endCondLst>
+                                    <p:cond evt="onNext" delay="0">
+                                      <p:tgtEl>
+                                        <p:sldTgt/>
+                                      </p:tgtEl>
+                                    </p:cond>
+                                  </p:endCondLst>
+                                  <p:childTnLst>
+                                    <p:animEffect transition="out" filter="fade">
+                                      <p:cBhvr>
+                                        <p:cTn id="48" dur="500" tmFilter="0, 0; .2, .5; .8, .5; 1, 0"/>
+                                        <p:tgtEl>
+                                          <p:spTgt spid="42"/>
+                                        </p:tgtEl>
+                                      </p:cBhvr>
+                                    </p:animEffect>
+                                    <p:animScale>
+                                      <p:cBhvr>
+                                        <p:cTn id="49" dur="250" autoRev="1" fill="hold"/>
+                                        <p:tgtEl>
+                                          <p:spTgt spid="42"/>
+                                        </p:tgtEl>
+                                      </p:cBhvr>
+                                      <p:by x="105000" y="105000"/>
+                                    </p:animScale>
+                                  </p:childTnLst>
+                                </p:cTn>
+                              </p:par>
+                            </p:childTnLst>
+                          </p:cTn>
+                        </p:par>
+                      </p:childTnLst>
+                    </p:cTn>
+                  </p:par>
+                </p:childTnLst>
+              </p:cTn>
+              <p:prevCondLst>
+                <p:cond evt="onPrev" delay="0">
+                  <p:tgtEl>
+                    <p:sldTgt/>
+                  </p:tgtEl>
+                </p:cond>
+              </p:prevCondLst>
+              <p:nextCondLst>
+                <p:cond evt="onNext" delay="0">
+                  <p:tgtEl>
+                    <p:sldTgt/>
+                  </p:tgtEl>
+                </p:cond>
+              </p:nextCondLst>
+            </p:seq>
+          </p:childTnLst>
+        </p:cTn>
+      </p:par>
+    </p:tnLst>
+    <p:bldLst>
+      <p:bldP spid="96" grpId="0" animBg="1"/>
+    </p:bldLst>
+  </p:timing>
+</p:sld>
+</file>
+
+<file path=ppt/slides/slide16.xml><?xml version="1.0" encoding="utf-8"?>
+<p:sld xmlns:a="http://schemas.openxmlformats.org/drawingml/2006/main" xmlns:r="http://schemas.openxmlformats.org/officeDocument/2006/relationships" xmlns:p="http://schemas.openxmlformats.org/presentationml/2006/main">
+  <p:cSld>
+    <p:spTree>
+      <p:nvGrpSpPr>
+        <p:cNvPr id="1" name=""/>
+        <p:cNvGrpSpPr/>
+        <p:nvPr/>
+      </p:nvGrpSpPr>
+      <p:grpSpPr>
+        <a:xfrm>
+          <a:off x="0" y="0"/>
+          <a:ext cx="0" cy="0"/>
+          <a:chOff x="0" y="0"/>
+          <a:chExt cx="0" cy="0"/>
+        </a:xfrm>
+      </p:grpSpPr>
+      <p:sp>
+        <p:nvSpPr>
+          <p:cNvPr id="2" name="Title 1">
+            <a:extLst>
+              <a:ext uri="{FF2B5EF4-FFF2-40B4-BE49-F238E27FC236}">
+                <a16:creationId xmlns:a16="http://schemas.microsoft.com/office/drawing/2014/main" id="{98CE3D53-D4F3-4846-B9A9-0AD476C622A8}"/>
+              </a:ext>
+            </a:extLst>
+          </p:cNvPr>
+          <p:cNvSpPr>
+            <a:spLocks noGrp="1"/>
+          </p:cNvSpPr>
+          <p:nvPr>
+            <p:ph type="title"/>
+          </p:nvPr>
+        </p:nvSpPr>
+        <p:spPr>
+          <a:xfrm>
+            <a:off x="838200" y="365125"/>
+            <a:ext cx="10515600" cy="1325563"/>
+          </a:xfrm>
+        </p:spPr>
+        <p:txBody>
+          <a:bodyPr/>
+          <a:lstStyle/>
+          <a:p>
+            <a:r>
+              <a:rPr lang="en-US"/>
+              <a:t>HIC Live System</a:t>
+            </a:r>
+            <a:endParaRPr lang="en-GB"/>
+          </a:p>
+        </p:txBody>
+      </p:sp>
+      <p:pic>
+        <p:nvPicPr>
+          <p:cNvPr id="5" name="Picture 4">
+            <a:extLst>
+              <a:ext uri="{FF2B5EF4-FFF2-40B4-BE49-F238E27FC236}">
+                <a16:creationId xmlns:a16="http://schemas.microsoft.com/office/drawing/2014/main" id="{DD323493-C90F-4426-BE00-389DC86A0445}"/>
+              </a:ext>
+            </a:extLst>
+          </p:cNvPr>
+          <p:cNvPicPr>
+            <a:picLocks noChangeAspect="1"/>
+          </p:cNvPicPr>
+          <p:nvPr/>
+        </p:nvPicPr>
+        <p:blipFill>
+          <a:blip r:embed="rId2">
+            <a:extLst>
+              <a:ext uri="{28A0092B-C50C-407E-A947-70E740481C1C}">
+                <a14:useLocalDpi xmlns:a14="http://schemas.microsoft.com/office/drawing/2010/main" val="0"/>
+              </a:ext>
+            </a:extLst>
+          </a:blip>
+          <a:stretch>
+            <a:fillRect/>
+          </a:stretch>
+        </p:blipFill>
+        <p:spPr>
+          <a:xfrm>
+            <a:off x="955328" y="1807737"/>
+            <a:ext cx="181000" cy="181000"/>
+          </a:xfrm>
+          <a:prstGeom prst="rect">
+            <a:avLst/>
+          </a:prstGeom>
+        </p:spPr>
+      </p:pic>
+      <p:sp>
+        <p:nvSpPr>
+          <p:cNvPr id="6" name="TextBox 5">
+            <a:extLst>
+              <a:ext uri="{FF2B5EF4-FFF2-40B4-BE49-F238E27FC236}">
+                <a16:creationId xmlns:a16="http://schemas.microsoft.com/office/drawing/2014/main" id="{8E338FA8-2125-4678-9FF3-2AEC8B67D1C6}"/>
+              </a:ext>
+            </a:extLst>
+          </p:cNvPr>
+          <p:cNvSpPr txBox="1"/>
+          <p:nvPr/>
+        </p:nvSpPr>
+        <p:spPr>
+          <a:xfrm>
+            <a:off x="1102772" y="1707516"/>
+            <a:ext cx="1212063" cy="646331"/>
+          </a:xfrm>
+          <a:prstGeom prst="rect">
+            <a:avLst/>
+          </a:prstGeom>
+          <a:noFill/>
+        </p:spPr>
+        <p:txBody>
+          <a:bodyPr wrap="none" rtlCol="0">
+            <a:spAutoFit/>
+          </a:bodyPr>
+          <a:lstStyle/>
+          <a:p>
+            <a:r>
+              <a:rPr lang="en-US"/>
+              <a:t>Catalogues</a:t>
+            </a:r>
+          </a:p>
+          <a:p>
+            <a:pPr algn="ctr"/>
+            <a:r>
+              <a:rPr lang="en-US"/>
+              <a:t>576</a:t>
+            </a:r>
+            <a:endParaRPr lang="en-GB"/>
+          </a:p>
+        </p:txBody>
+      </p:sp>
+      <p:cxnSp>
+        <p:nvCxnSpPr>
+          <p:cNvPr id="9" name="Straight Arrow Connector 8">
+            <a:extLst>
+              <a:ext uri="{FF2B5EF4-FFF2-40B4-BE49-F238E27FC236}">
+                <a16:creationId xmlns:a16="http://schemas.microsoft.com/office/drawing/2014/main" id="{B7CC4A27-B52B-487B-BA32-5F6DD0448702}"/>
+              </a:ext>
+            </a:extLst>
+          </p:cNvPr>
+          <p:cNvCxnSpPr>
+            <a:cxnSpLocks/>
+            <a:stCxn id="10" idx="0"/>
+            <a:endCxn id="6" idx="2"/>
+          </p:cNvCxnSpPr>
+          <p:nvPr/>
+        </p:nvCxnSpPr>
+        <p:spPr>
+          <a:xfrm flipV="1">
+            <a:off x="1708804" y="2353847"/>
+            <a:ext cx="0" cy="616413"/>
+          </a:xfrm>
+          <a:prstGeom prst="straightConnector1">
+            <a:avLst/>
+          </a:prstGeom>
+          <a:ln>
+            <a:tailEnd type="triangle"/>
+          </a:ln>
+        </p:spPr>
+        <p:style>
+          <a:lnRef idx="1">
+            <a:schemeClr val="accent1"/>
+          </a:lnRef>
+          <a:fillRef idx="0">
+            <a:schemeClr val="accent1"/>
+          </a:fillRef>
+          <a:effectRef idx="0">
+            <a:schemeClr val="accent1"/>
+          </a:effectRef>
+          <a:fontRef idx="minor">
+            <a:schemeClr val="tx1"/>
+          </a:fontRef>
+        </p:style>
+      </p:cxnSp>
+      <p:sp>
+        <p:nvSpPr>
+          <p:cNvPr id="10" name="Rectangle 9">
+            <a:extLst>
+              <a:ext uri="{FF2B5EF4-FFF2-40B4-BE49-F238E27FC236}">
+                <a16:creationId xmlns:a16="http://schemas.microsoft.com/office/drawing/2014/main" id="{8CB5DE0B-FCFE-49ED-9BDB-5F6C8FFE06DB}"/>
+              </a:ext>
+            </a:extLst>
+          </p:cNvPr>
+          <p:cNvSpPr/>
+          <p:nvPr/>
+        </p:nvSpPr>
+        <p:spPr>
+          <a:xfrm>
+            <a:off x="1092513" y="2970260"/>
+            <a:ext cx="1232582" cy="646331"/>
+          </a:xfrm>
+          <a:prstGeom prst="rect">
+            <a:avLst/>
+          </a:prstGeom>
+        </p:spPr>
+        <p:txBody>
+          <a:bodyPr wrap="none">
+            <a:spAutoFit/>
+          </a:bodyPr>
+          <a:lstStyle/>
+          <a:p>
+            <a:r>
+              <a:rPr lang="en-US"/>
+              <a:t>Extractable</a:t>
+            </a:r>
+          </a:p>
+          <a:p>
+            <a:pPr algn="ctr"/>
+            <a:r>
+              <a:rPr lang="en-US"/>
+              <a:t>364</a:t>
+            </a:r>
+          </a:p>
+        </p:txBody>
+      </p:sp>
+      <p:sp>
+        <p:nvSpPr>
+          <p:cNvPr id="14" name="Rectangle 13">
+            <a:extLst>
+              <a:ext uri="{FF2B5EF4-FFF2-40B4-BE49-F238E27FC236}">
+                <a16:creationId xmlns:a16="http://schemas.microsoft.com/office/drawing/2014/main" id="{CD8BA403-23D0-4B0A-B0CB-3F54058CEA3A}"/>
+              </a:ext>
+            </a:extLst>
+          </p:cNvPr>
+          <p:cNvSpPr/>
+          <p:nvPr/>
+        </p:nvSpPr>
+        <p:spPr>
+          <a:xfrm>
+            <a:off x="901788" y="4203086"/>
+            <a:ext cx="1614032" cy="646331"/>
+          </a:xfrm>
+          <a:prstGeom prst="rect">
+            <a:avLst/>
+          </a:prstGeom>
+        </p:spPr>
+        <p:txBody>
+          <a:bodyPr wrap="none">
+            <a:spAutoFit/>
+          </a:bodyPr>
+          <a:lstStyle/>
+          <a:p>
+            <a:r>
+              <a:rPr lang="en-US"/>
+              <a:t>Project Specific</a:t>
+            </a:r>
+          </a:p>
+          <a:p>
+            <a:pPr algn="ctr"/>
+            <a:r>
+              <a:rPr lang="en-US"/>
+              <a:t>115</a:t>
+            </a:r>
+          </a:p>
+        </p:txBody>
+      </p:sp>
+      <p:pic>
+        <p:nvPicPr>
+          <p:cNvPr id="15" name="Picture 14">
+            <a:extLst>
+              <a:ext uri="{FF2B5EF4-FFF2-40B4-BE49-F238E27FC236}">
+                <a16:creationId xmlns:a16="http://schemas.microsoft.com/office/drawing/2014/main" id="{6FC6970A-002D-402C-BEB8-7DCFF7EABD33}"/>
+              </a:ext>
+            </a:extLst>
+          </p:cNvPr>
+          <p:cNvPicPr>
+            <a:picLocks noChangeAspect="1"/>
+          </p:cNvPicPr>
+          <p:nvPr/>
+        </p:nvPicPr>
+        <p:blipFill>
+          <a:blip r:embed="rId3"/>
+          <a:stretch>
+            <a:fillRect/>
+          </a:stretch>
+        </p:blipFill>
+        <p:spPr>
+          <a:xfrm>
+            <a:off x="955328" y="3059349"/>
+            <a:ext cx="200053" cy="209579"/>
+          </a:xfrm>
+          <a:prstGeom prst="rect">
+            <a:avLst/>
+          </a:prstGeom>
+        </p:spPr>
+      </p:pic>
+      <p:pic>
+        <p:nvPicPr>
+          <p:cNvPr id="16" name="Picture 15">
+            <a:extLst>
+              <a:ext uri="{FF2B5EF4-FFF2-40B4-BE49-F238E27FC236}">
+                <a16:creationId xmlns:a16="http://schemas.microsoft.com/office/drawing/2014/main" id="{07708C9B-26B0-4C8A-A178-19087A621D3E}"/>
+              </a:ext>
+            </a:extLst>
+          </p:cNvPr>
+          <p:cNvPicPr>
+            <a:picLocks noChangeAspect="1"/>
+          </p:cNvPicPr>
+          <p:nvPr/>
+        </p:nvPicPr>
+        <p:blipFill>
+          <a:blip r:embed="rId4"/>
+          <a:stretch>
+            <a:fillRect/>
+          </a:stretch>
+        </p:blipFill>
+        <p:spPr>
+          <a:xfrm>
+            <a:off x="749729" y="4310111"/>
+            <a:ext cx="190527" cy="200053"/>
+          </a:xfrm>
+          <a:prstGeom prst="rect">
+            <a:avLst/>
+          </a:prstGeom>
+        </p:spPr>
+      </p:pic>
+      <p:cxnSp>
+        <p:nvCxnSpPr>
+          <p:cNvPr id="17" name="Straight Arrow Connector 16">
+            <a:extLst>
+              <a:ext uri="{FF2B5EF4-FFF2-40B4-BE49-F238E27FC236}">
+                <a16:creationId xmlns:a16="http://schemas.microsoft.com/office/drawing/2014/main" id="{FFFDACEE-DAA6-4BE7-8732-B106A2CAB472}"/>
+              </a:ext>
+            </a:extLst>
+          </p:cNvPr>
+          <p:cNvCxnSpPr>
+            <a:cxnSpLocks/>
+            <a:stCxn id="14" idx="0"/>
+            <a:endCxn id="10" idx="2"/>
+          </p:cNvCxnSpPr>
+          <p:nvPr/>
+        </p:nvCxnSpPr>
+        <p:spPr>
+          <a:xfrm flipV="1">
+            <a:off x="1708804" y="3616591"/>
+            <a:ext cx="0" cy="586495"/>
+          </a:xfrm>
+          <a:prstGeom prst="straightConnector1">
+            <a:avLst/>
+          </a:prstGeom>
+          <a:ln>
+            <a:tailEnd type="triangle"/>
+          </a:ln>
+        </p:spPr>
+        <p:style>
+          <a:lnRef idx="1">
+            <a:schemeClr val="accent1"/>
+          </a:lnRef>
+          <a:fillRef idx="0">
+            <a:schemeClr val="accent1"/>
+          </a:fillRef>
+          <a:effectRef idx="0">
+            <a:schemeClr val="accent1"/>
+          </a:effectRef>
+          <a:fontRef idx="minor">
+            <a:schemeClr val="tx1"/>
+          </a:fontRef>
+        </p:style>
+      </p:cxnSp>
+      <p:pic>
+        <p:nvPicPr>
+          <p:cNvPr id="23" name="Picture 22">
+            <a:extLst>
+              <a:ext uri="{FF2B5EF4-FFF2-40B4-BE49-F238E27FC236}">
+                <a16:creationId xmlns:a16="http://schemas.microsoft.com/office/drawing/2014/main" id="{7E79162C-949E-43BD-B186-E12493D9681D}"/>
+              </a:ext>
+            </a:extLst>
+          </p:cNvPr>
+          <p:cNvPicPr>
+            <a:picLocks noChangeAspect="1"/>
+          </p:cNvPicPr>
+          <p:nvPr/>
+        </p:nvPicPr>
+        <p:blipFill>
+          <a:blip r:embed="rId5"/>
+          <a:stretch>
+            <a:fillRect/>
+          </a:stretch>
+        </p:blipFill>
+        <p:spPr>
+          <a:xfrm>
+            <a:off x="3089756" y="1790327"/>
+            <a:ext cx="190527" cy="190527"/>
+          </a:xfrm>
+          <a:prstGeom prst="rect">
+            <a:avLst/>
+          </a:prstGeom>
+        </p:spPr>
+      </p:pic>
+      <p:sp>
+        <p:nvSpPr>
+          <p:cNvPr id="25" name="TextBox 24">
+            <a:extLst>
+              <a:ext uri="{FF2B5EF4-FFF2-40B4-BE49-F238E27FC236}">
+                <a16:creationId xmlns:a16="http://schemas.microsoft.com/office/drawing/2014/main" id="{4E34A81E-E984-438D-B47E-0EDA4FFAF01D}"/>
+              </a:ext>
+            </a:extLst>
+          </p:cNvPr>
+          <p:cNvSpPr txBox="1"/>
+          <p:nvPr/>
+        </p:nvSpPr>
+        <p:spPr>
+          <a:xfrm>
+            <a:off x="3280283" y="1690688"/>
+            <a:ext cx="1614545" cy="646331"/>
+          </a:xfrm>
+          <a:prstGeom prst="rect">
+            <a:avLst/>
+          </a:prstGeom>
+          <a:noFill/>
+        </p:spPr>
+        <p:txBody>
+          <a:bodyPr wrap="none" rtlCol="0">
+            <a:spAutoFit/>
+          </a:bodyPr>
+          <a:lstStyle/>
+          <a:p>
+            <a:r>
+              <a:rPr lang="en-US"/>
+              <a:t>Cohort Queries</a:t>
+            </a:r>
+          </a:p>
+          <a:p>
+            <a:pPr algn="ctr"/>
+            <a:r>
+              <a:rPr lang="en-US"/>
+              <a:t>221</a:t>
+            </a:r>
+            <a:endParaRPr lang="en-GB"/>
+          </a:p>
+        </p:txBody>
+      </p:sp>
+      <p:pic>
+        <p:nvPicPr>
+          <p:cNvPr id="26" name="Picture 25">
+            <a:extLst>
+              <a:ext uri="{FF2B5EF4-FFF2-40B4-BE49-F238E27FC236}">
+                <a16:creationId xmlns:a16="http://schemas.microsoft.com/office/drawing/2014/main" id="{4BF67A00-42C6-4D81-A159-92B45490307B}"/>
+              </a:ext>
+            </a:extLst>
+          </p:cNvPr>
+          <p:cNvPicPr>
+            <a:picLocks noChangeAspect="1"/>
+          </p:cNvPicPr>
+          <p:nvPr/>
+        </p:nvPicPr>
+        <p:blipFill>
+          <a:blip r:embed="rId6"/>
+          <a:stretch>
+            <a:fillRect/>
+          </a:stretch>
+        </p:blipFill>
+        <p:spPr>
+          <a:xfrm>
+            <a:off x="3271413" y="2959895"/>
+            <a:ext cx="181000" cy="181000"/>
+          </a:xfrm>
+          <a:prstGeom prst="rect">
+            <a:avLst/>
+          </a:prstGeom>
+        </p:spPr>
+      </p:pic>
+      <p:sp>
+        <p:nvSpPr>
+          <p:cNvPr id="27" name="Rectangle 26">
+            <a:extLst>
+              <a:ext uri="{FF2B5EF4-FFF2-40B4-BE49-F238E27FC236}">
+                <a16:creationId xmlns:a16="http://schemas.microsoft.com/office/drawing/2014/main" id="{B2105F73-4BA7-40A1-B151-0053EEFC710E}"/>
+              </a:ext>
+            </a:extLst>
+          </p:cNvPr>
+          <p:cNvSpPr/>
+          <p:nvPr/>
+        </p:nvSpPr>
+        <p:spPr>
+          <a:xfrm>
+            <a:off x="3452413" y="2840972"/>
+            <a:ext cx="1270284" cy="646331"/>
+          </a:xfrm>
+          <a:prstGeom prst="rect">
+            <a:avLst/>
+          </a:prstGeom>
+        </p:spPr>
+        <p:txBody>
+          <a:bodyPr wrap="none">
+            <a:spAutoFit/>
+          </a:bodyPr>
+          <a:lstStyle/>
+          <a:p>
+            <a:r>
+              <a:rPr lang="en-US"/>
+              <a:t>Cohort Sets</a:t>
+            </a:r>
+          </a:p>
+          <a:p>
+            <a:pPr algn="ctr"/>
+            <a:r>
+              <a:rPr lang="en-US"/>
+              <a:t>1260</a:t>
+            </a:r>
+          </a:p>
+        </p:txBody>
+      </p:sp>
+      <p:cxnSp>
+        <p:nvCxnSpPr>
+          <p:cNvPr id="28" name="Straight Arrow Connector 27">
+            <a:extLst>
+              <a:ext uri="{FF2B5EF4-FFF2-40B4-BE49-F238E27FC236}">
+                <a16:creationId xmlns:a16="http://schemas.microsoft.com/office/drawing/2014/main" id="{B560A008-335E-459C-86B5-72285EFF59A0}"/>
+              </a:ext>
+            </a:extLst>
+          </p:cNvPr>
+          <p:cNvCxnSpPr>
+            <a:cxnSpLocks/>
+            <a:stCxn id="6" idx="3"/>
+          </p:cNvCxnSpPr>
+          <p:nvPr/>
+        </p:nvCxnSpPr>
+        <p:spPr>
+          <a:xfrm>
+            <a:off x="2314835" y="2030682"/>
+            <a:ext cx="1267264" cy="773561"/>
+          </a:xfrm>
+          <a:prstGeom prst="straightConnector1">
+            <a:avLst/>
+          </a:prstGeom>
+          <a:ln>
+            <a:tailEnd type="triangle"/>
+          </a:ln>
+        </p:spPr>
+        <p:style>
+          <a:lnRef idx="1">
+            <a:schemeClr val="accent1"/>
+          </a:lnRef>
+          <a:fillRef idx="0">
+            <a:schemeClr val="accent1"/>
+          </a:fillRef>
+          <a:effectRef idx="0">
+            <a:schemeClr val="accent1"/>
+          </a:effectRef>
+          <a:fontRef idx="minor">
+            <a:schemeClr val="tx1"/>
+          </a:fontRef>
+        </p:style>
+      </p:cxnSp>
+      <p:cxnSp>
+        <p:nvCxnSpPr>
+          <p:cNvPr id="35" name="Straight Arrow Connector 34">
+            <a:extLst>
+              <a:ext uri="{FF2B5EF4-FFF2-40B4-BE49-F238E27FC236}">
+                <a16:creationId xmlns:a16="http://schemas.microsoft.com/office/drawing/2014/main" id="{7D1ED0D2-47CA-4152-93C2-15BDA9A80DC1}"/>
+              </a:ext>
+            </a:extLst>
+          </p:cNvPr>
+          <p:cNvCxnSpPr>
+            <a:cxnSpLocks/>
+            <a:stCxn id="27" idx="0"/>
+            <a:endCxn id="25" idx="2"/>
+          </p:cNvCxnSpPr>
+          <p:nvPr/>
+        </p:nvCxnSpPr>
+        <p:spPr>
+          <a:xfrm flipV="1">
+            <a:off x="4087555" y="2337019"/>
+            <a:ext cx="1" cy="503953"/>
+          </a:xfrm>
+          <a:prstGeom prst="straightConnector1">
+            <a:avLst/>
+          </a:prstGeom>
+          <a:ln>
+            <a:tailEnd type="triangle"/>
+          </a:ln>
+        </p:spPr>
+        <p:style>
+          <a:lnRef idx="1">
+            <a:schemeClr val="accent1"/>
+          </a:lnRef>
+          <a:fillRef idx="0">
+            <a:schemeClr val="accent1"/>
+          </a:fillRef>
+          <a:effectRef idx="0">
+            <a:schemeClr val="accent1"/>
+          </a:effectRef>
+          <a:fontRef idx="minor">
+            <a:schemeClr val="tx1"/>
+          </a:fontRef>
+        </p:style>
+      </p:cxnSp>
+      <p:pic>
+        <p:nvPicPr>
+          <p:cNvPr id="39" name="Picture 38">
+            <a:extLst>
+              <a:ext uri="{FF2B5EF4-FFF2-40B4-BE49-F238E27FC236}">
+                <a16:creationId xmlns:a16="http://schemas.microsoft.com/office/drawing/2014/main" id="{04F40C7B-8A3B-416D-B813-8DFDE9ABF7F5}"/>
+              </a:ext>
+            </a:extLst>
+          </p:cNvPr>
+          <p:cNvPicPr>
+            <a:picLocks noChangeAspect="1"/>
+          </p:cNvPicPr>
+          <p:nvPr/>
+        </p:nvPicPr>
+        <p:blipFill>
+          <a:blip r:embed="rId7"/>
+          <a:stretch>
+            <a:fillRect/>
+          </a:stretch>
+        </p:blipFill>
+        <p:spPr>
+          <a:xfrm>
+            <a:off x="5924526" y="1790327"/>
+            <a:ext cx="171474" cy="181000"/>
+          </a:xfrm>
+          <a:prstGeom prst="rect">
+            <a:avLst/>
+          </a:prstGeom>
+        </p:spPr>
+      </p:pic>
+      <p:cxnSp>
+        <p:nvCxnSpPr>
+          <p:cNvPr id="40" name="Straight Arrow Connector 39">
+            <a:extLst>
+              <a:ext uri="{FF2B5EF4-FFF2-40B4-BE49-F238E27FC236}">
+                <a16:creationId xmlns:a16="http://schemas.microsoft.com/office/drawing/2014/main" id="{5D9F51D1-7687-4232-9C89-119B54BF8375}"/>
+              </a:ext>
+            </a:extLst>
+          </p:cNvPr>
+          <p:cNvCxnSpPr>
+            <a:cxnSpLocks/>
+          </p:cNvCxnSpPr>
+          <p:nvPr/>
+        </p:nvCxnSpPr>
+        <p:spPr>
+          <a:xfrm>
+            <a:off x="4894828" y="1880827"/>
+            <a:ext cx="860020" cy="0"/>
+          </a:xfrm>
+          <a:prstGeom prst="straightConnector1">
+            <a:avLst/>
+          </a:prstGeom>
+          <a:ln>
+            <a:tailEnd type="triangle"/>
+          </a:ln>
+        </p:spPr>
+        <p:style>
+          <a:lnRef idx="1">
+            <a:schemeClr val="accent1"/>
+          </a:lnRef>
+          <a:fillRef idx="0">
+            <a:schemeClr val="accent1"/>
+          </a:fillRef>
+          <a:effectRef idx="0">
+            <a:schemeClr val="accent1"/>
+          </a:effectRef>
+          <a:fontRef idx="minor">
+            <a:schemeClr val="tx1"/>
+          </a:fontRef>
+        </p:style>
+      </p:cxnSp>
+      <p:sp>
+        <p:nvSpPr>
+          <p:cNvPr id="43" name="Rectangle 42">
+            <a:extLst>
+              <a:ext uri="{FF2B5EF4-FFF2-40B4-BE49-F238E27FC236}">
+                <a16:creationId xmlns:a16="http://schemas.microsoft.com/office/drawing/2014/main" id="{F76970A0-DAE2-4334-AF43-46111E7F71D3}"/>
+              </a:ext>
+            </a:extLst>
+          </p:cNvPr>
+          <p:cNvSpPr/>
+          <p:nvPr/>
+        </p:nvSpPr>
+        <p:spPr>
+          <a:xfrm>
+            <a:off x="6075499" y="1690688"/>
+            <a:ext cx="1785104" cy="646331"/>
+          </a:xfrm>
+          <a:prstGeom prst="rect">
+            <a:avLst/>
+          </a:prstGeom>
+        </p:spPr>
+        <p:txBody>
+          <a:bodyPr wrap="none">
+            <a:spAutoFit/>
+          </a:bodyPr>
+          <a:lstStyle/>
+          <a:p>
+            <a:r>
+              <a:rPr lang="en-US"/>
+              <a:t>Final Cohort Lists</a:t>
+            </a:r>
+          </a:p>
+          <a:p>
+            <a:pPr algn="ctr"/>
+            <a:r>
+              <a:rPr lang="en-US"/>
+              <a:t>397</a:t>
+            </a:r>
+          </a:p>
+        </p:txBody>
+      </p:sp>
+      <p:pic>
+        <p:nvPicPr>
+          <p:cNvPr id="44" name="Picture 43">
+            <a:extLst>
+              <a:ext uri="{FF2B5EF4-FFF2-40B4-BE49-F238E27FC236}">
+                <a16:creationId xmlns:a16="http://schemas.microsoft.com/office/drawing/2014/main" id="{41C9BDE8-5439-423E-8F45-4BF9FF8BAE73}"/>
+              </a:ext>
+            </a:extLst>
+          </p:cNvPr>
+          <p:cNvPicPr>
+            <a:picLocks noChangeAspect="1"/>
+          </p:cNvPicPr>
+          <p:nvPr/>
+        </p:nvPicPr>
+        <p:blipFill>
+          <a:blip r:embed="rId8"/>
+          <a:stretch>
+            <a:fillRect/>
+          </a:stretch>
+        </p:blipFill>
+        <p:spPr>
+          <a:xfrm>
+            <a:off x="9317637" y="1783837"/>
+            <a:ext cx="181000" cy="181000"/>
+          </a:xfrm>
+          <a:prstGeom prst="rect">
+            <a:avLst/>
+          </a:prstGeom>
+        </p:spPr>
+      </p:pic>
+      <p:cxnSp>
+        <p:nvCxnSpPr>
+          <p:cNvPr id="45" name="Straight Arrow Connector 44">
+            <a:extLst>
+              <a:ext uri="{FF2B5EF4-FFF2-40B4-BE49-F238E27FC236}">
+                <a16:creationId xmlns:a16="http://schemas.microsoft.com/office/drawing/2014/main" id="{1B2BC24B-D1D1-4AFF-8CBD-D0654FEFCC45}"/>
+              </a:ext>
+            </a:extLst>
+          </p:cNvPr>
+          <p:cNvCxnSpPr>
+            <a:cxnSpLocks/>
+          </p:cNvCxnSpPr>
+          <p:nvPr/>
+        </p:nvCxnSpPr>
+        <p:spPr>
+          <a:xfrm>
+            <a:off x="7296693" y="2107875"/>
+            <a:ext cx="1159510" cy="733097"/>
+          </a:xfrm>
+          <a:prstGeom prst="straightConnector1">
+            <a:avLst/>
+          </a:prstGeom>
+          <a:ln>
+            <a:tailEnd type="triangle"/>
+          </a:ln>
+        </p:spPr>
+        <p:style>
+          <a:lnRef idx="1">
+            <a:schemeClr val="accent1"/>
+          </a:lnRef>
+          <a:fillRef idx="0">
+            <a:schemeClr val="accent1"/>
+          </a:fillRef>
+          <a:effectRef idx="0">
+            <a:schemeClr val="accent1"/>
+          </a:effectRef>
+          <a:fontRef idx="minor">
+            <a:schemeClr val="tx1"/>
+          </a:fontRef>
+        </p:style>
+      </p:cxnSp>
+      <p:sp>
+        <p:nvSpPr>
+          <p:cNvPr id="48" name="Rectangle 47">
+            <a:extLst>
+              <a:ext uri="{FF2B5EF4-FFF2-40B4-BE49-F238E27FC236}">
+                <a16:creationId xmlns:a16="http://schemas.microsoft.com/office/drawing/2014/main" id="{C901F054-1C48-4850-BF06-919676828F5C}"/>
+              </a:ext>
+            </a:extLst>
+          </p:cNvPr>
+          <p:cNvSpPr/>
+          <p:nvPr/>
+        </p:nvSpPr>
+        <p:spPr>
+          <a:xfrm>
+            <a:off x="9498637" y="1690688"/>
+            <a:ext cx="935962" cy="646331"/>
+          </a:xfrm>
+          <a:prstGeom prst="rect">
+            <a:avLst/>
+          </a:prstGeom>
+        </p:spPr>
+        <p:txBody>
+          <a:bodyPr wrap="none">
+            <a:spAutoFit/>
+          </a:bodyPr>
+          <a:lstStyle/>
+          <a:p>
+            <a:r>
+              <a:rPr lang="en-US"/>
+              <a:t>Projects</a:t>
+            </a:r>
+          </a:p>
+          <a:p>
+            <a:pPr algn="ctr"/>
+            <a:r>
+              <a:rPr lang="en-US"/>
+              <a:t>175</a:t>
+            </a:r>
+          </a:p>
+        </p:txBody>
+      </p:sp>
+      <p:pic>
+        <p:nvPicPr>
+          <p:cNvPr id="49" name="Picture 48">
+            <a:extLst>
+              <a:ext uri="{FF2B5EF4-FFF2-40B4-BE49-F238E27FC236}">
+                <a16:creationId xmlns:a16="http://schemas.microsoft.com/office/drawing/2014/main" id="{AF4162E7-EEF4-4F2D-A545-83E96F58C1AE}"/>
+              </a:ext>
+            </a:extLst>
+          </p:cNvPr>
+          <p:cNvPicPr>
+            <a:picLocks noChangeAspect="1"/>
+          </p:cNvPicPr>
+          <p:nvPr/>
+        </p:nvPicPr>
+        <p:blipFill>
+          <a:blip r:embed="rId9"/>
+          <a:stretch>
+            <a:fillRect/>
+          </a:stretch>
+        </p:blipFill>
+        <p:spPr>
+          <a:xfrm>
+            <a:off x="8576695" y="2947310"/>
+            <a:ext cx="181000" cy="181000"/>
+          </a:xfrm>
+          <a:prstGeom prst="rect">
+            <a:avLst/>
+          </a:prstGeom>
+        </p:spPr>
+      </p:pic>
+      <p:sp>
+        <p:nvSpPr>
+          <p:cNvPr id="50" name="Rectangle 49">
+            <a:extLst>
+              <a:ext uri="{FF2B5EF4-FFF2-40B4-BE49-F238E27FC236}">
+                <a16:creationId xmlns:a16="http://schemas.microsoft.com/office/drawing/2014/main" id="{14809418-CE1B-4338-811F-5D7B08CC519C}"/>
+              </a:ext>
+            </a:extLst>
+          </p:cNvPr>
+          <p:cNvSpPr/>
+          <p:nvPr/>
+        </p:nvSpPr>
+        <p:spPr>
+          <a:xfrm>
+            <a:off x="8716420" y="2840972"/>
+            <a:ext cx="2551276" cy="646331"/>
+          </a:xfrm>
+          <a:prstGeom prst="rect">
+            <a:avLst/>
+          </a:prstGeom>
+        </p:spPr>
+        <p:txBody>
+          <a:bodyPr wrap="none">
+            <a:spAutoFit/>
+          </a:bodyPr>
+          <a:lstStyle/>
+          <a:p>
+            <a:r>
+              <a:rPr lang="en-US"/>
+              <a:t>Extraction Configurations</a:t>
+            </a:r>
+          </a:p>
+          <a:p>
+            <a:pPr algn="ctr"/>
+            <a:r>
+              <a:rPr lang="en-US"/>
+              <a:t>640</a:t>
+            </a:r>
+          </a:p>
+        </p:txBody>
+      </p:sp>
+      <p:cxnSp>
+        <p:nvCxnSpPr>
+          <p:cNvPr id="53" name="Straight Arrow Connector 52">
+            <a:extLst>
+              <a:ext uri="{FF2B5EF4-FFF2-40B4-BE49-F238E27FC236}">
+                <a16:creationId xmlns:a16="http://schemas.microsoft.com/office/drawing/2014/main" id="{219645DC-CBC7-470F-8AD3-8701F61EF8D6}"/>
+              </a:ext>
+            </a:extLst>
+          </p:cNvPr>
+          <p:cNvCxnSpPr>
+            <a:cxnSpLocks/>
+            <a:endCxn id="48" idx="2"/>
+          </p:cNvCxnSpPr>
+          <p:nvPr/>
+        </p:nvCxnSpPr>
+        <p:spPr>
+          <a:xfrm flipV="1">
+            <a:off x="9966618" y="2337019"/>
+            <a:ext cx="0" cy="399695"/>
+          </a:xfrm>
+          <a:prstGeom prst="straightConnector1">
+            <a:avLst/>
+          </a:prstGeom>
+          <a:ln>
+            <a:tailEnd type="triangle"/>
+          </a:ln>
+        </p:spPr>
+        <p:style>
+          <a:lnRef idx="1">
+            <a:schemeClr val="accent1"/>
+          </a:lnRef>
+          <a:fillRef idx="0">
+            <a:schemeClr val="accent1"/>
+          </a:fillRef>
+          <a:effectRef idx="0">
+            <a:schemeClr val="accent1"/>
+          </a:effectRef>
+          <a:fontRef idx="minor">
+            <a:schemeClr val="tx1"/>
+          </a:fontRef>
+        </p:style>
+      </p:cxnSp>
+      <p:sp>
+        <p:nvSpPr>
+          <p:cNvPr id="61" name="Arc 60">
+            <a:extLst>
+              <a:ext uri="{FF2B5EF4-FFF2-40B4-BE49-F238E27FC236}">
+                <a16:creationId xmlns:a16="http://schemas.microsoft.com/office/drawing/2014/main" id="{A795DB8D-12A1-4593-B349-86029762EAC3}"/>
+              </a:ext>
+            </a:extLst>
+          </p:cNvPr>
+          <p:cNvSpPr/>
+          <p:nvPr/>
+        </p:nvSpPr>
+        <p:spPr>
+          <a:xfrm flipV="1">
+            <a:off x="2085443" y="2875842"/>
+            <a:ext cx="6419358" cy="727252"/>
+          </a:xfrm>
+          <a:prstGeom prst="arc">
+            <a:avLst>
+              <a:gd name="adj1" fmla="val 10917626"/>
+              <a:gd name="adj2" fmla="val 21563967"/>
+            </a:avLst>
+          </a:prstGeom>
+          <a:ln>
+            <a:tailEnd type="triangle"/>
+          </a:ln>
+        </p:spPr>
+        <p:style>
+          <a:lnRef idx="1">
+            <a:schemeClr val="accent1"/>
+          </a:lnRef>
+          <a:fillRef idx="0">
+            <a:schemeClr val="accent1"/>
+          </a:fillRef>
+          <a:effectRef idx="0">
+            <a:schemeClr val="accent1"/>
+          </a:effectRef>
+          <a:fontRef idx="minor">
+            <a:schemeClr val="tx1"/>
+          </a:fontRef>
+        </p:style>
+        <p:txBody>
+          <a:bodyPr rtlCol="0" anchor="ctr"/>
+          <a:lstStyle/>
+          <a:p>
+            <a:pPr algn="ctr"/>
+            <a:endParaRPr lang="en-GB"/>
+          </a:p>
+        </p:txBody>
+      </p:sp>
+      <p:pic>
+        <p:nvPicPr>
+          <p:cNvPr id="62" name="Picture 61">
+            <a:extLst>
+              <a:ext uri="{FF2B5EF4-FFF2-40B4-BE49-F238E27FC236}">
+                <a16:creationId xmlns:a16="http://schemas.microsoft.com/office/drawing/2014/main" id="{DDDEFE0E-77E2-4C85-BFAF-649B459B3951}"/>
+              </a:ext>
+            </a:extLst>
+          </p:cNvPr>
+          <p:cNvPicPr>
+            <a:picLocks noChangeAspect="1"/>
+          </p:cNvPicPr>
+          <p:nvPr/>
+        </p:nvPicPr>
+        <p:blipFill>
+          <a:blip r:embed="rId10"/>
+          <a:stretch>
+            <a:fillRect/>
+          </a:stretch>
+        </p:blipFill>
+        <p:spPr>
+          <a:xfrm>
+            <a:off x="805324" y="5609829"/>
+            <a:ext cx="181000" cy="190527"/>
+          </a:xfrm>
+          <a:prstGeom prst="rect">
+            <a:avLst/>
+          </a:prstGeom>
+        </p:spPr>
+      </p:pic>
+      <p:sp>
+        <p:nvSpPr>
+          <p:cNvPr id="64" name="Rectangle 63">
+            <a:extLst>
+              <a:ext uri="{FF2B5EF4-FFF2-40B4-BE49-F238E27FC236}">
+                <a16:creationId xmlns:a16="http://schemas.microsoft.com/office/drawing/2014/main" id="{B4F9D80E-2374-4F84-AD46-6C6ADE2E746A}"/>
+              </a:ext>
+            </a:extLst>
+          </p:cNvPr>
+          <p:cNvSpPr/>
+          <p:nvPr/>
+        </p:nvSpPr>
+        <p:spPr>
+          <a:xfrm>
+            <a:off x="989509" y="5508692"/>
+            <a:ext cx="1469954" cy="646331"/>
+          </a:xfrm>
+          <a:prstGeom prst="rect">
+            <a:avLst/>
+          </a:prstGeom>
+        </p:spPr>
+        <p:txBody>
+          <a:bodyPr wrap="none">
+            <a:spAutoFit/>
+          </a:bodyPr>
+          <a:lstStyle/>
+          <a:p>
+            <a:r>
+              <a:rPr lang="en-US"/>
+              <a:t>Master Filters</a:t>
+            </a:r>
+          </a:p>
+          <a:p>
+            <a:pPr algn="ctr"/>
+            <a:r>
+              <a:rPr lang="en-US"/>
+              <a:t>190</a:t>
+            </a:r>
+          </a:p>
+        </p:txBody>
+      </p:sp>
+      <p:cxnSp>
+        <p:nvCxnSpPr>
+          <p:cNvPr id="65" name="Straight Arrow Connector 64">
+            <a:extLst>
+              <a:ext uri="{FF2B5EF4-FFF2-40B4-BE49-F238E27FC236}">
+                <a16:creationId xmlns:a16="http://schemas.microsoft.com/office/drawing/2014/main" id="{79C9267F-4D34-40C9-9761-E6D5AF3BAC6D}"/>
+              </a:ext>
+            </a:extLst>
+          </p:cNvPr>
+          <p:cNvCxnSpPr>
+            <a:cxnSpLocks/>
+          </p:cNvCxnSpPr>
+          <p:nvPr/>
+        </p:nvCxnSpPr>
+        <p:spPr>
+          <a:xfrm>
+            <a:off x="2512329" y="5916097"/>
+            <a:ext cx="1230112" cy="0"/>
+          </a:xfrm>
+          <a:prstGeom prst="straightConnector1">
+            <a:avLst/>
+          </a:prstGeom>
+          <a:ln>
+            <a:tailEnd type="triangle"/>
+          </a:ln>
+        </p:spPr>
+        <p:style>
+          <a:lnRef idx="1">
+            <a:schemeClr val="accent1"/>
+          </a:lnRef>
+          <a:fillRef idx="0">
+            <a:schemeClr val="accent1"/>
+          </a:fillRef>
+          <a:effectRef idx="0">
+            <a:schemeClr val="accent1"/>
+          </a:effectRef>
+          <a:fontRef idx="minor">
+            <a:schemeClr val="tx1"/>
+          </a:fontRef>
+        </p:style>
+      </p:cxnSp>
+      <p:pic>
+        <p:nvPicPr>
+          <p:cNvPr id="67" name="Picture 66">
+            <a:extLst>
+              <a:ext uri="{FF2B5EF4-FFF2-40B4-BE49-F238E27FC236}">
+                <a16:creationId xmlns:a16="http://schemas.microsoft.com/office/drawing/2014/main" id="{4D2F4F83-0401-4CC5-B636-1DC20BCC0142}"/>
+              </a:ext>
+            </a:extLst>
+          </p:cNvPr>
+          <p:cNvPicPr>
+            <a:picLocks noChangeAspect="1"/>
+          </p:cNvPicPr>
+          <p:nvPr/>
+        </p:nvPicPr>
+        <p:blipFill>
+          <a:blip r:embed="rId10"/>
+          <a:stretch>
+            <a:fillRect/>
+          </a:stretch>
+        </p:blipFill>
+        <p:spPr>
+          <a:xfrm>
+            <a:off x="3795307" y="5826563"/>
+            <a:ext cx="181000" cy="190527"/>
+          </a:xfrm>
+          <a:prstGeom prst="rect">
+            <a:avLst/>
+          </a:prstGeom>
+        </p:spPr>
+      </p:pic>
+      <p:sp>
+        <p:nvSpPr>
+          <p:cNvPr id="68" name="Rectangle 67">
+            <a:extLst>
+              <a:ext uri="{FF2B5EF4-FFF2-40B4-BE49-F238E27FC236}">
+                <a16:creationId xmlns:a16="http://schemas.microsoft.com/office/drawing/2014/main" id="{1621BE9A-3EA6-4375-A310-4AFFEF1135E4}"/>
+              </a:ext>
+            </a:extLst>
+          </p:cNvPr>
+          <p:cNvSpPr/>
+          <p:nvPr/>
+        </p:nvSpPr>
+        <p:spPr>
+          <a:xfrm>
+            <a:off x="3885807" y="5727000"/>
+            <a:ext cx="1800814" cy="646331"/>
+          </a:xfrm>
+          <a:prstGeom prst="rect">
+            <a:avLst/>
+          </a:prstGeom>
+        </p:spPr>
+        <p:txBody>
+          <a:bodyPr wrap="none">
+            <a:spAutoFit/>
+          </a:bodyPr>
+          <a:lstStyle/>
+          <a:p>
+            <a:r>
+              <a:rPr lang="en-US"/>
+              <a:t>Cohort Set Filters</a:t>
+            </a:r>
+          </a:p>
+          <a:p>
+            <a:pPr algn="ctr"/>
+            <a:r>
+              <a:rPr lang="en-US"/>
+              <a:t>2324</a:t>
+            </a:r>
+          </a:p>
+        </p:txBody>
+      </p:sp>
+      <p:pic>
+        <p:nvPicPr>
+          <p:cNvPr id="69" name="Picture 68">
+            <a:extLst>
+              <a:ext uri="{FF2B5EF4-FFF2-40B4-BE49-F238E27FC236}">
+                <a16:creationId xmlns:a16="http://schemas.microsoft.com/office/drawing/2014/main" id="{9DC05F2E-BE7E-4562-AD1C-D8B1DCDC54E2}"/>
+              </a:ext>
+            </a:extLst>
+          </p:cNvPr>
+          <p:cNvPicPr>
+            <a:picLocks noChangeAspect="1"/>
+          </p:cNvPicPr>
+          <p:nvPr/>
+        </p:nvPicPr>
+        <p:blipFill>
+          <a:blip r:embed="rId10"/>
+          <a:stretch>
+            <a:fillRect/>
+          </a:stretch>
+        </p:blipFill>
+        <p:spPr>
+          <a:xfrm>
+            <a:off x="9227137" y="5514566"/>
+            <a:ext cx="181000" cy="190527"/>
+          </a:xfrm>
+          <a:prstGeom prst="rect">
+            <a:avLst/>
+          </a:prstGeom>
+        </p:spPr>
+      </p:pic>
+      <p:sp>
+        <p:nvSpPr>
+          <p:cNvPr id="70" name="Rectangle 69">
+            <a:extLst>
+              <a:ext uri="{FF2B5EF4-FFF2-40B4-BE49-F238E27FC236}">
+                <a16:creationId xmlns:a16="http://schemas.microsoft.com/office/drawing/2014/main" id="{51BFD797-AE29-4981-8F86-FB08C0F8A96C}"/>
+              </a:ext>
+            </a:extLst>
+          </p:cNvPr>
+          <p:cNvSpPr/>
+          <p:nvPr/>
+        </p:nvSpPr>
+        <p:spPr>
+          <a:xfrm>
+            <a:off x="9317637" y="5415003"/>
+            <a:ext cx="1454950" cy="646331"/>
+          </a:xfrm>
+          <a:prstGeom prst="rect">
+            <a:avLst/>
+          </a:prstGeom>
+        </p:spPr>
+        <p:txBody>
+          <a:bodyPr wrap="none">
+            <a:spAutoFit/>
+          </a:bodyPr>
+          <a:lstStyle/>
+          <a:p>
+            <a:r>
+              <a:rPr lang="en-US"/>
+              <a:t>Extract Filters</a:t>
+            </a:r>
+          </a:p>
+          <a:p>
+            <a:pPr algn="ctr"/>
+            <a:r>
+              <a:rPr lang="en-US"/>
+              <a:t>4452</a:t>
+            </a:r>
+          </a:p>
+        </p:txBody>
+      </p:sp>
+      <p:sp>
+        <p:nvSpPr>
+          <p:cNvPr id="71" name="TextBox 70">
+            <a:extLst>
+              <a:ext uri="{FF2B5EF4-FFF2-40B4-BE49-F238E27FC236}">
+                <a16:creationId xmlns:a16="http://schemas.microsoft.com/office/drawing/2014/main" id="{BEB8375A-7FA9-428D-B702-13BBEB1BECC9}"/>
+              </a:ext>
+            </a:extLst>
+          </p:cNvPr>
+          <p:cNvSpPr txBox="1"/>
+          <p:nvPr/>
+        </p:nvSpPr>
+        <p:spPr>
+          <a:xfrm>
+            <a:off x="4205841" y="3599194"/>
+            <a:ext cx="2607189" cy="923330"/>
+          </a:xfrm>
+          <a:prstGeom prst="rect">
+            <a:avLst/>
+          </a:prstGeom>
+          <a:noFill/>
+        </p:spPr>
+        <p:txBody>
+          <a:bodyPr wrap="none" rtlCol="0">
+            <a:spAutoFit/>
+          </a:bodyPr>
+          <a:lstStyle/>
+          <a:p>
+            <a:pPr algn="ctr"/>
+            <a:r>
+              <a:rPr lang="en-US"/>
+              <a:t>Datasets Selected</a:t>
+            </a:r>
+          </a:p>
+          <a:p>
+            <a:pPr algn="ctr"/>
+            <a:r>
+              <a:rPr lang="en-US"/>
+              <a:t>4,593</a:t>
+            </a:r>
+          </a:p>
+          <a:p>
+            <a:pPr algn="ctr"/>
+            <a:r>
+              <a:rPr lang="en-US" i="1"/>
+              <a:t>(for extraction in a config)</a:t>
+            </a:r>
+            <a:endParaRPr lang="en-GB" i="1"/>
+          </a:p>
+        </p:txBody>
+      </p:sp>
+      <p:cxnSp>
+        <p:nvCxnSpPr>
+          <p:cNvPr id="72" name="Straight Arrow Connector 71">
+            <a:extLst>
+              <a:ext uri="{FF2B5EF4-FFF2-40B4-BE49-F238E27FC236}">
+                <a16:creationId xmlns:a16="http://schemas.microsoft.com/office/drawing/2014/main" id="{D46D4E6B-D345-40A0-BC8F-B63CA0FC2D05}"/>
+              </a:ext>
+            </a:extLst>
+          </p:cNvPr>
+          <p:cNvCxnSpPr>
+            <a:cxnSpLocks/>
+          </p:cNvCxnSpPr>
+          <p:nvPr/>
+        </p:nvCxnSpPr>
+        <p:spPr>
+          <a:xfrm>
+            <a:off x="2512329" y="5609829"/>
+            <a:ext cx="6581046" cy="0"/>
+          </a:xfrm>
+          <a:prstGeom prst="straightConnector1">
+            <a:avLst/>
+          </a:prstGeom>
+          <a:ln>
+            <a:tailEnd type="triangle"/>
+          </a:ln>
+        </p:spPr>
+        <p:style>
+          <a:lnRef idx="1">
+            <a:schemeClr val="accent1"/>
+          </a:lnRef>
+          <a:fillRef idx="0">
+            <a:schemeClr val="accent1"/>
+          </a:fillRef>
+          <a:effectRef idx="0">
+            <a:schemeClr val="accent1"/>
+          </a:effectRef>
+          <a:fontRef idx="minor">
+            <a:schemeClr val="tx1"/>
+          </a:fontRef>
+        </p:style>
+      </p:cxnSp>
+    </p:spTree>
+    <p:extLst>
+      <p:ext uri="{BB962C8B-B14F-4D97-AF65-F5344CB8AC3E}">
+        <p14:creationId xmlns:p14="http://schemas.microsoft.com/office/powerpoint/2010/main" val="282886933"/>
+      </p:ext>
+    </p:extLst>
+  </p:cSld>
+  <p:clrMapOvr>
+    <a:masterClrMapping/>
+  </p:clrMapOvr>
+</p:sld>
+</file>
+
+<file path=ppt/slides/slide17.xml><?xml version="1.0" encoding="utf-8"?>
+<p:sld xmlns:a="http://schemas.openxmlformats.org/drawingml/2006/main" xmlns:r="http://schemas.openxmlformats.org/officeDocument/2006/relationships" xmlns:p="http://schemas.openxmlformats.org/presentationml/2006/main">
+  <p:cSld>
+    <p:spTree>
+      <p:nvGrpSpPr>
+        <p:cNvPr id="1" name=""/>
+        <p:cNvGrpSpPr/>
+        <p:nvPr/>
+      </p:nvGrpSpPr>
+      <p:grpSpPr>
+        <a:xfrm>
+          <a:off x="0" y="0"/>
+          <a:ext cx="0" cy="0"/>
+          <a:chOff x="0" y="0"/>
+          <a:chExt cx="0" cy="0"/>
+        </a:xfrm>
+      </p:grpSpPr>
+      <p:pic>
+        <p:nvPicPr>
+          <p:cNvPr id="6" name="Picture 5">
+            <a:extLst>
+              <a:ext uri="{FF2B5EF4-FFF2-40B4-BE49-F238E27FC236}">
+                <a16:creationId xmlns:a16="http://schemas.microsoft.com/office/drawing/2014/main" id="{8A44228A-219A-4AA7-9704-82ADFA79A0E0}"/>
+              </a:ext>
+            </a:extLst>
+          </p:cNvPr>
+          <p:cNvPicPr>
+            <a:picLocks noChangeAspect="1"/>
+          </p:cNvPicPr>
+          <p:nvPr/>
+        </p:nvPicPr>
+        <p:blipFill>
+          <a:blip r:embed="rId2">
+            <a:extLst>
+              <a:ext uri="{28A0092B-C50C-407E-A947-70E740481C1C}">
+                <a14:useLocalDpi xmlns:a14="http://schemas.microsoft.com/office/drawing/2010/main" val="0"/>
+              </a:ext>
+            </a:extLst>
+          </a:blip>
+          <a:stretch>
+            <a:fillRect/>
+          </a:stretch>
+        </p:blipFill>
+        <p:spPr>
+          <a:xfrm>
+            <a:off x="2633210" y="835758"/>
+            <a:ext cx="5367790" cy="5415083"/>
+          </a:xfrm>
+          <a:prstGeom prst="rect">
+            <a:avLst/>
+          </a:prstGeom>
+        </p:spPr>
+      </p:pic>
+      <p:sp>
+        <p:nvSpPr>
+          <p:cNvPr id="7" name="Title 6">
+            <a:extLst>
+              <a:ext uri="{FF2B5EF4-FFF2-40B4-BE49-F238E27FC236}">
+                <a16:creationId xmlns:a16="http://schemas.microsoft.com/office/drawing/2014/main" id="{73C35FD2-1CDB-4A36-A83C-373D0497734E}"/>
+              </a:ext>
+            </a:extLst>
+          </p:cNvPr>
+          <p:cNvSpPr>
+            <a:spLocks noGrp="1"/>
+          </p:cNvSpPr>
+          <p:nvPr>
+            <p:ph type="title"/>
+          </p:nvPr>
+        </p:nvSpPr>
+        <p:spPr>
+          <a:xfrm>
+            <a:off x="838200" y="365125"/>
+            <a:ext cx="10515600" cy="1325563"/>
+          </a:xfrm>
+        </p:spPr>
+        <p:txBody>
+          <a:bodyPr/>
+          <a:lstStyle/>
+          <a:p>
+            <a:r>
+              <a:rPr lang="en-US"/>
+              <a:t>Find</a:t>
+            </a:r>
+            <a:endParaRPr lang="en-GB"/>
+          </a:p>
+        </p:txBody>
+      </p:sp>
+    </p:spTree>
+    <p:extLst>
+      <p:ext uri="{BB962C8B-B14F-4D97-AF65-F5344CB8AC3E}">
+        <p14:creationId xmlns:p14="http://schemas.microsoft.com/office/powerpoint/2010/main" val="2404031572"/>
+      </p:ext>
+    </p:extLst>
+  </p:cSld>
+  <p:clrMapOvr>
+    <a:masterClrMapping/>
+  </p:clrMapOvr>
+</p:sld>
+</file>
+
+<file path=ppt/slides/slide18.xml><?xml version="1.0" encoding="utf-8"?>
+<p:sld xmlns:a="http://schemas.openxmlformats.org/drawingml/2006/main" xmlns:r="http://schemas.openxmlformats.org/officeDocument/2006/relationships" xmlns:p="http://schemas.openxmlformats.org/presentationml/2006/main">
+  <p:cSld>
+    <p:spTree>
+      <p:nvGrpSpPr>
+        <p:cNvPr id="1" name=""/>
+        <p:cNvGrpSpPr/>
+        <p:nvPr/>
+      </p:nvGrpSpPr>
+      <p:grpSpPr>
+        <a:xfrm>
+          <a:off x="0" y="0"/>
+          <a:ext cx="0" cy="0"/>
+          <a:chOff x="0" y="0"/>
+          <a:chExt cx="0" cy="0"/>
+        </a:xfrm>
+      </p:grpSpPr>
+      <p:pic>
+        <p:nvPicPr>
+          <p:cNvPr id="4" name="Picture 3">
+            <a:extLst>
+              <a:ext uri="{FF2B5EF4-FFF2-40B4-BE49-F238E27FC236}">
+                <a16:creationId xmlns:a16="http://schemas.microsoft.com/office/drawing/2014/main" id="{EAC2E1E2-A68A-49DC-8A87-ECDE569D348A}"/>
+              </a:ext>
+            </a:extLst>
+          </p:cNvPr>
+          <p:cNvPicPr>
+            <a:picLocks noChangeAspect="1"/>
+          </p:cNvPicPr>
+          <p:nvPr/>
+        </p:nvPicPr>
+        <p:blipFill>
+          <a:blip r:embed="rId2"/>
+          <a:stretch>
+            <a:fillRect/>
+          </a:stretch>
+        </p:blipFill>
+        <p:spPr>
+          <a:xfrm>
+            <a:off x="2241667" y="1434398"/>
+            <a:ext cx="6430272" cy="5029902"/>
+          </a:xfrm>
+          <a:prstGeom prst="rect">
+            <a:avLst/>
+          </a:prstGeom>
+        </p:spPr>
+      </p:pic>
+      <p:sp>
+        <p:nvSpPr>
+          <p:cNvPr id="5" name="Title 4">
+            <a:extLst>
+              <a:ext uri="{FF2B5EF4-FFF2-40B4-BE49-F238E27FC236}">
+                <a16:creationId xmlns:a16="http://schemas.microsoft.com/office/drawing/2014/main" id="{5D920C67-4DDA-4ED1-9F88-8CBD464DC864}"/>
+              </a:ext>
+            </a:extLst>
+          </p:cNvPr>
+          <p:cNvSpPr>
+            <a:spLocks noGrp="1"/>
+          </p:cNvSpPr>
+          <p:nvPr>
+            <p:ph type="title"/>
+          </p:nvPr>
+        </p:nvSpPr>
+        <p:spPr/>
+        <p:txBody>
+          <a:bodyPr/>
+          <a:lstStyle/>
+          <a:p>
+            <a:r>
+              <a:rPr lang="en-US"/>
+              <a:t>Go To</a:t>
+            </a:r>
+            <a:endParaRPr lang="en-GB"/>
+          </a:p>
+        </p:txBody>
+      </p:sp>
+    </p:spTree>
+    <p:extLst>
+      <p:ext uri="{BB962C8B-B14F-4D97-AF65-F5344CB8AC3E}">
+        <p14:creationId xmlns:p14="http://schemas.microsoft.com/office/powerpoint/2010/main" val="4200087703"/>
+      </p:ext>
+    </p:extLst>
+  </p:cSld>
+  <p:clrMapOvr>
+    <a:masterClrMapping/>
+  </p:clrMapOvr>
+</p:sld>
+</file>
+
 <file path=ppt/slides/slide2.xml><?xml version="1.0" encoding="utf-8"?>
 <p:sld xmlns:a="http://schemas.openxmlformats.org/drawingml/2006/main" xmlns:r="http://schemas.openxmlformats.org/officeDocument/2006/relationships" xmlns:p="http://schemas.openxmlformats.org/presentationml/2006/main">
   <p:cSld>
